--- a/graphicsEditorA/강의진행A.pptx
+++ b/graphicsEditorA/강의진행A.pptx
@@ -5,7 +5,7 @@
     <p:sldMasterId id="2147483648" r:id="rId1"/>
   </p:sldMasterIdLst>
   <p:notesMasterIdLst>
-    <p:notesMasterId r:id="rId35"/>
+    <p:notesMasterId r:id="rId36"/>
   </p:notesMasterIdLst>
   <p:sldIdLst>
     <p:sldId id="256" r:id="rId2"/>
@@ -41,6 +41,7 @@
     <p:sldId id="325" r:id="rId32"/>
     <p:sldId id="327" r:id="rId33"/>
     <p:sldId id="326" r:id="rId34"/>
+    <p:sldId id="328" r:id="rId35"/>
   </p:sldIdLst>
   <p:sldSz cx="10150475" cy="7616825"/>
   <p:notesSz cx="6797675" cy="9928225"/>
@@ -5874,7 +5875,7 @@
             <a:fld id="{6D61DB4D-25AF-4EE9-B3EB-9D14CE91ACF1}" type="datetimeFigureOut">
               <a:rPr lang="ko-KR" altLang="en-US" smtClean="0"/>
               <a:pPr/>
-              <a:t>2022-05-11</a:t>
+              <a:t>2022-05-16</a:t>
             </a:fld>
             <a:endParaRPr lang="ko-KR" altLang="en-US" dirty="0"/>
           </a:p>
@@ -37181,6 +37182,163 @@
     <p:extLst>
       <p:ext uri="{BB962C8B-B14F-4D97-AF65-F5344CB8AC3E}">
         <p14:creationId xmlns:p14="http://schemas.microsoft.com/office/powerpoint/2010/main" val="3088675805"/>
+      </p:ext>
+    </p:extLst>
+  </p:cSld>
+  <p:clrMapOvr>
+    <a:masterClrMapping/>
+  </p:clrMapOvr>
+</p:sld>
+</file>
+
+<file path=ppt/slides/slide34.xml><?xml version="1.0" encoding="utf-8"?>
+<p:sld xmlns:a="http://schemas.openxmlformats.org/drawingml/2006/main" xmlns:r="http://schemas.openxmlformats.org/officeDocument/2006/relationships" xmlns:p="http://schemas.openxmlformats.org/presentationml/2006/main">
+  <p:cSld>
+    <p:spTree>
+      <p:nvGrpSpPr>
+        <p:cNvPr id="1" name=""/>
+        <p:cNvGrpSpPr/>
+        <p:nvPr/>
+      </p:nvGrpSpPr>
+      <p:grpSpPr>
+        <a:xfrm>
+          <a:off x="0" y="0"/>
+          <a:ext cx="0" cy="0"/>
+          <a:chOff x="0" y="0"/>
+          <a:chExt cx="0" cy="0"/>
+        </a:xfrm>
+      </p:grpSpPr>
+      <p:sp>
+        <p:nvSpPr>
+          <p:cNvPr id="2" name="제목 1"/>
+          <p:cNvSpPr>
+            <a:spLocks noGrp="1"/>
+          </p:cNvSpPr>
+          <p:nvPr>
+            <p:ph type="title"/>
+          </p:nvPr>
+        </p:nvSpPr>
+        <p:spPr/>
+        <p:txBody>
+          <a:bodyPr/>
+          <a:lstStyle/>
+          <a:p>
+            <a:r>
+              <a:rPr lang="en-US" altLang="ko-KR" dirty="0" smtClean="0"/>
+              <a:t>2022-05-16</a:t>
+            </a:r>
+            <a:endParaRPr lang="ko-KR" altLang="en-US" dirty="0"/>
+          </a:p>
+        </p:txBody>
+      </p:sp>
+      <p:sp>
+        <p:nvSpPr>
+          <p:cNvPr id="3" name="내용 개체 틀 2"/>
+          <p:cNvSpPr>
+            <a:spLocks noGrp="1"/>
+          </p:cNvSpPr>
+          <p:nvPr>
+            <p:ph sz="half" idx="1"/>
+          </p:nvPr>
+        </p:nvSpPr>
+        <p:spPr/>
+        <p:txBody>
+          <a:bodyPr/>
+          <a:lstStyle/>
+          <a:p>
+            <a:r>
+              <a:rPr lang="ko-KR" altLang="en-US" dirty="0" smtClean="0"/>
+              <a:t>진행</a:t>
+            </a:r>
+            <a:endParaRPr lang="en-US" altLang="ko-KR" dirty="0" smtClean="0"/>
+          </a:p>
+          <a:p>
+            <a:pPr lvl="1"/>
+            <a:r>
+              <a:rPr lang="en-US" altLang="ko-KR" smtClean="0"/>
+              <a:t>Shape Move</a:t>
+            </a:r>
+          </a:p>
+          <a:p>
+            <a:pPr lvl="2"/>
+            <a:endParaRPr lang="ko-KR" altLang="en-US"/>
+          </a:p>
+        </p:txBody>
+      </p:sp>
+      <p:sp>
+        <p:nvSpPr>
+          <p:cNvPr id="4" name="내용 개체 틀 3"/>
+          <p:cNvSpPr>
+            <a:spLocks noGrp="1"/>
+          </p:cNvSpPr>
+          <p:nvPr>
+            <p:ph sz="half" idx="2"/>
+          </p:nvPr>
+        </p:nvSpPr>
+        <p:spPr/>
+        <p:txBody>
+          <a:bodyPr/>
+          <a:lstStyle/>
+          <a:p>
+            <a:endParaRPr lang="ko-KR" altLang="en-US"/>
+          </a:p>
+        </p:txBody>
+      </p:sp>
+      <p:sp>
+        <p:nvSpPr>
+          <p:cNvPr id="5" name="바닥글 개체 틀 4"/>
+          <p:cNvSpPr>
+            <a:spLocks noGrp="1"/>
+          </p:cNvSpPr>
+          <p:nvPr>
+            <p:ph type="ftr" sz="quarter" idx="10"/>
+          </p:nvPr>
+        </p:nvSpPr>
+        <p:spPr/>
+        <p:txBody>
+          <a:bodyPr/>
+          <a:lstStyle/>
+          <a:p>
+            <a:pPr>
+              <a:buFont typeface="맑은 고딕" panose="020B0503020000020004" pitchFamily="50" charset="-127"/>
+              <a:buChar char="ⓒ"/>
+            </a:pPr>
+            <a:r>
+              <a:rPr lang="en-US" altLang="ko-KR" smtClean="0"/>
+              <a:t>Sungwoon Choi 2021</a:t>
+            </a:r>
+            <a:endParaRPr lang="en-US" altLang="ko-KR" dirty="0"/>
+          </a:p>
+        </p:txBody>
+      </p:sp>
+      <p:sp>
+        <p:nvSpPr>
+          <p:cNvPr id="6" name="슬라이드 번호 개체 틀 5"/>
+          <p:cNvSpPr>
+            <a:spLocks noGrp="1"/>
+          </p:cNvSpPr>
+          <p:nvPr>
+            <p:ph type="sldNum" sz="quarter" idx="11"/>
+          </p:nvPr>
+        </p:nvSpPr>
+        <p:spPr/>
+        <p:txBody>
+          <a:bodyPr/>
+          <a:lstStyle/>
+          <a:p>
+            <a:fld id="{AA4216F1-165B-4DFF-BD92-3D8E849D7D48}" type="slidenum">
+              <a:rPr lang="en-US" altLang="ko-KR" smtClean="0"/>
+              <a:pPr/>
+              <a:t>34</a:t>
+            </a:fld>
+            <a:endParaRPr lang="en-US" altLang="ko-KR" dirty="0"/>
+          </a:p>
+        </p:txBody>
+      </p:sp>
+    </p:spTree>
+    <p:extLst>
+      <p:ext uri="{BB962C8B-B14F-4D97-AF65-F5344CB8AC3E}">
+        <p14:creationId xmlns:p14="http://schemas.microsoft.com/office/powerpoint/2010/main" val="3237998274"/>
       </p:ext>
     </p:extLst>
   </p:cSld>

--- a/graphicsEditorA/강의진행A.pptx
+++ b/graphicsEditorA/강의진행A.pptx
@@ -5,7 +5,7 @@
     <p:sldMasterId id="2147483648" r:id="rId1"/>
   </p:sldMasterIdLst>
   <p:notesMasterIdLst>
-    <p:notesMasterId r:id="rId36"/>
+    <p:notesMasterId r:id="rId39"/>
   </p:notesMasterIdLst>
   <p:sldIdLst>
     <p:sldId id="256" r:id="rId2"/>
@@ -42,6 +42,9 @@
     <p:sldId id="327" r:id="rId33"/>
     <p:sldId id="326" r:id="rId34"/>
     <p:sldId id="328" r:id="rId35"/>
+    <p:sldId id="329" r:id="rId36"/>
+    <p:sldId id="330" r:id="rId37"/>
+    <p:sldId id="331" r:id="rId38"/>
   </p:sldIdLst>
   <p:sldSz cx="10150475" cy="7616825"/>
   <p:notesSz cx="6797675" cy="9928225"/>
@@ -5875,7 +5878,7 @@
             <a:fld id="{6D61DB4D-25AF-4EE9-B3EB-9D14CE91ACF1}" type="datetimeFigureOut">
               <a:rPr lang="ko-KR" altLang="en-US" smtClean="0"/>
               <a:pPr/>
-              <a:t>2022-05-16</a:t>
+              <a:t>2022-05-18</a:t>
             </a:fld>
             <a:endParaRPr lang="ko-KR" altLang="en-US" dirty="0"/>
           </a:p>
@@ -37339,6 +37342,2934 @@
     <p:extLst>
       <p:ext uri="{BB962C8B-B14F-4D97-AF65-F5344CB8AC3E}">
         <p14:creationId xmlns:p14="http://schemas.microsoft.com/office/powerpoint/2010/main" val="3237998274"/>
+      </p:ext>
+    </p:extLst>
+  </p:cSld>
+  <p:clrMapOvr>
+    <a:masterClrMapping/>
+  </p:clrMapOvr>
+</p:sld>
+</file>
+
+<file path=ppt/slides/slide35.xml><?xml version="1.0" encoding="utf-8"?>
+<p:sld xmlns:a="http://schemas.openxmlformats.org/drawingml/2006/main" xmlns:r="http://schemas.openxmlformats.org/officeDocument/2006/relationships" xmlns:p="http://schemas.openxmlformats.org/presentationml/2006/main">
+  <p:cSld>
+    <p:spTree>
+      <p:nvGrpSpPr>
+        <p:cNvPr id="1" name=""/>
+        <p:cNvGrpSpPr/>
+        <p:nvPr/>
+      </p:nvGrpSpPr>
+      <p:grpSpPr>
+        <a:xfrm>
+          <a:off x="0" y="0"/>
+          <a:ext cx="0" cy="0"/>
+          <a:chOff x="0" y="0"/>
+          <a:chExt cx="0" cy="0"/>
+        </a:xfrm>
+      </p:grpSpPr>
+      <p:sp>
+        <p:nvSpPr>
+          <p:cNvPr id="2" name="제목 1"/>
+          <p:cNvSpPr>
+            <a:spLocks noGrp="1"/>
+          </p:cNvSpPr>
+          <p:nvPr>
+            <p:ph type="title"/>
+          </p:nvPr>
+        </p:nvSpPr>
+        <p:spPr/>
+        <p:txBody>
+          <a:bodyPr/>
+          <a:lstStyle/>
+          <a:p>
+            <a:r>
+              <a:rPr lang="en-US" altLang="ko-KR" dirty="0" smtClean="0"/>
+              <a:t>2022-05-18</a:t>
+            </a:r>
+            <a:endParaRPr lang="ko-KR" altLang="en-US" dirty="0"/>
+          </a:p>
+        </p:txBody>
+      </p:sp>
+      <p:sp>
+        <p:nvSpPr>
+          <p:cNvPr id="3" name="내용 개체 틀 2"/>
+          <p:cNvSpPr>
+            <a:spLocks noGrp="1"/>
+          </p:cNvSpPr>
+          <p:nvPr>
+            <p:ph sz="half" idx="1"/>
+          </p:nvPr>
+        </p:nvSpPr>
+        <p:spPr/>
+        <p:txBody>
+          <a:bodyPr/>
+          <a:lstStyle/>
+          <a:p>
+            <a:r>
+              <a:rPr lang="ko-KR" altLang="en-US" dirty="0" smtClean="0"/>
+              <a:t>진행</a:t>
+            </a:r>
+            <a:endParaRPr lang="en-US" altLang="ko-KR" dirty="0" smtClean="0"/>
+          </a:p>
+          <a:p>
+            <a:pPr lvl="1"/>
+            <a:r>
+              <a:rPr lang="ko-KR" altLang="en-US" dirty="0" smtClean="0"/>
+              <a:t>그림 변형</a:t>
+            </a:r>
+            <a:endParaRPr lang="en-US" altLang="ko-KR" dirty="0" smtClean="0"/>
+          </a:p>
+          <a:p>
+            <a:pPr lvl="2"/>
+            <a:r>
+              <a:rPr lang="en-US" altLang="ko-KR" dirty="0" smtClean="0"/>
+              <a:t>Translate</a:t>
+            </a:r>
+          </a:p>
+          <a:p>
+            <a:pPr lvl="2"/>
+            <a:r>
+              <a:rPr lang="en-US" altLang="ko-KR" dirty="0" smtClean="0"/>
+              <a:t>Resize</a:t>
+            </a:r>
+          </a:p>
+        </p:txBody>
+      </p:sp>
+      <p:sp>
+        <p:nvSpPr>
+          <p:cNvPr id="5" name="바닥글 개체 틀 4"/>
+          <p:cNvSpPr>
+            <a:spLocks noGrp="1"/>
+          </p:cNvSpPr>
+          <p:nvPr>
+            <p:ph type="ftr" sz="quarter" idx="10"/>
+          </p:nvPr>
+        </p:nvSpPr>
+        <p:spPr/>
+        <p:txBody>
+          <a:bodyPr/>
+          <a:lstStyle/>
+          <a:p>
+            <a:pPr>
+              <a:buFont typeface="맑은 고딕" panose="020B0503020000020004" pitchFamily="50" charset="-127"/>
+              <a:buChar char="ⓒ"/>
+            </a:pPr>
+            <a:r>
+              <a:rPr lang="en-US" altLang="ko-KR" smtClean="0"/>
+              <a:t>Sungwoon Choi 2021</a:t>
+            </a:r>
+            <a:endParaRPr lang="en-US" altLang="ko-KR" dirty="0"/>
+          </a:p>
+        </p:txBody>
+      </p:sp>
+      <p:sp>
+        <p:nvSpPr>
+          <p:cNvPr id="6" name="슬라이드 번호 개체 틀 5"/>
+          <p:cNvSpPr>
+            <a:spLocks noGrp="1"/>
+          </p:cNvSpPr>
+          <p:nvPr>
+            <p:ph type="sldNum" sz="quarter" idx="11"/>
+          </p:nvPr>
+        </p:nvSpPr>
+        <p:spPr/>
+        <p:txBody>
+          <a:bodyPr/>
+          <a:lstStyle/>
+          <a:p>
+            <a:fld id="{AA4216F1-165B-4DFF-BD92-3D8E849D7D48}" type="slidenum">
+              <a:rPr lang="en-US" altLang="ko-KR" smtClean="0"/>
+              <a:pPr/>
+              <a:t>35</a:t>
+            </a:fld>
+            <a:endParaRPr lang="en-US" altLang="ko-KR" dirty="0"/>
+          </a:p>
+        </p:txBody>
+      </p:sp>
+      <p:pic>
+        <p:nvPicPr>
+          <p:cNvPr id="9" name="Picture 8" descr="https://static.packt-cdn.com/products/9781789537147/graphics/assets/4510565b-9462-4a22-ae17-fbc7b85876d1.png"/>
+          <p:cNvPicPr>
+            <a:picLocks noChangeAspect="1" noChangeArrowheads="1"/>
+          </p:cNvPicPr>
+          <p:nvPr/>
+        </p:nvPicPr>
+        <p:blipFill>
+          <a:blip r:embed="rId2">
+            <a:extLst>
+              <a:ext uri="{28A0092B-C50C-407E-A947-70E740481C1C}">
+                <a14:useLocalDpi xmlns:a14="http://schemas.microsoft.com/office/drawing/2010/main" val="0"/>
+              </a:ext>
+            </a:extLst>
+          </a:blip>
+          <a:srcRect/>
+          <a:stretch>
+            <a:fillRect/>
+          </a:stretch>
+        </p:blipFill>
+        <p:spPr bwMode="auto">
+          <a:xfrm>
+            <a:off x="3779093" y="1288398"/>
+            <a:ext cx="4957961" cy="5760110"/>
+          </a:xfrm>
+          <a:prstGeom prst="rect">
+            <a:avLst/>
+          </a:prstGeom>
+          <a:noFill/>
+          <a:extLst>
+            <a:ext uri="{909E8E84-426E-40DD-AFC4-6F175D3DCCD1}">
+              <a14:hiddenFill xmlns:a14="http://schemas.microsoft.com/office/drawing/2010/main">
+                <a:solidFill>
+                  <a:srgbClr val="FFFFFF"/>
+                </a:solidFill>
+              </a14:hiddenFill>
+            </a:ext>
+          </a:extLst>
+        </p:spPr>
+      </p:pic>
+    </p:spTree>
+    <p:extLst>
+      <p:ext uri="{BB962C8B-B14F-4D97-AF65-F5344CB8AC3E}">
+        <p14:creationId xmlns:p14="http://schemas.microsoft.com/office/powerpoint/2010/main" val="563607742"/>
+      </p:ext>
+    </p:extLst>
+  </p:cSld>
+  <p:clrMapOvr>
+    <a:masterClrMapping/>
+  </p:clrMapOvr>
+</p:sld>
+</file>
+
+<file path=ppt/slides/slide36.xml><?xml version="1.0" encoding="utf-8"?>
+<p:sld xmlns:a="http://schemas.openxmlformats.org/drawingml/2006/main" xmlns:r="http://schemas.openxmlformats.org/officeDocument/2006/relationships" xmlns:p="http://schemas.openxmlformats.org/presentationml/2006/main">
+  <p:cSld>
+    <p:spTree>
+      <p:nvGrpSpPr>
+        <p:cNvPr id="1" name=""/>
+        <p:cNvGrpSpPr/>
+        <p:nvPr/>
+      </p:nvGrpSpPr>
+      <p:grpSpPr>
+        <a:xfrm>
+          <a:off x="0" y="0"/>
+          <a:ext cx="0" cy="0"/>
+          <a:chOff x="0" y="0"/>
+          <a:chExt cx="0" cy="0"/>
+        </a:xfrm>
+      </p:grpSpPr>
+      <p:sp>
+        <p:nvSpPr>
+          <p:cNvPr id="24" name="직사각형 23"/>
+          <p:cNvSpPr/>
+          <p:nvPr/>
+        </p:nvSpPr>
+        <p:spPr bwMode="auto">
+          <a:xfrm>
+            <a:off x="6727967" y="2771868"/>
+            <a:ext cx="1588702" cy="1768169"/>
+          </a:xfrm>
+          <a:prstGeom prst="rect">
+            <a:avLst/>
+          </a:prstGeom>
+          <a:solidFill>
+            <a:schemeClr val="accent3">
+              <a:lumMod val="20000"/>
+              <a:lumOff val="80000"/>
+            </a:schemeClr>
+          </a:solidFill>
+          <a:ln w="9525" cap="flat" cmpd="sng" algn="ctr">
+            <a:solidFill>
+              <a:schemeClr val="accent3">
+                <a:lumMod val="75000"/>
+              </a:schemeClr>
+            </a:solidFill>
+            <a:prstDash val="solid"/>
+            <a:round/>
+            <a:headEnd type="none" w="med" len="med"/>
+            <a:tailEnd type="none" w="med" len="med"/>
+          </a:ln>
+          <a:effectLst/>
+        </p:spPr>
+        <p:txBody>
+          <a:bodyPr vert="horz" wrap="square" lIns="91440" tIns="45720" rIns="91440" bIns="45720" numCol="1" rtlCol="0" anchor="ctr" anchorCtr="0" compatLnSpc="1">
+            <a:prstTxWarp prst="textNoShape">
+              <a:avLst/>
+            </a:prstTxWarp>
+          </a:bodyPr>
+          <a:lstStyle/>
+          <a:p>
+            <a:pPr marL="0" marR="0" indent="0" algn="ctr" defTabSz="914400" rtl="0" eaLnBrk="1" fontAlgn="base" latinLnBrk="0" hangingPunct="1">
+              <a:lnSpc>
+                <a:spcPct val="100000"/>
+              </a:lnSpc>
+              <a:spcBef>
+                <a:spcPct val="0"/>
+              </a:spcBef>
+              <a:spcAft>
+                <a:spcPct val="0"/>
+              </a:spcAft>
+              <a:buClrTx/>
+              <a:buSzTx/>
+              <a:buFontTx/>
+              <a:buNone/>
+              <a:tabLst/>
+            </a:pPr>
+            <a:endParaRPr kumimoji="0" lang="ko-KR" altLang="en-US" sz="1400" b="0" i="0" u="none" strike="noStrike" cap="none" normalizeH="0" baseline="0" smtClean="0">
+              <a:ln>
+                <a:noFill/>
+              </a:ln>
+              <a:solidFill>
+                <a:schemeClr val="tx1"/>
+              </a:solidFill>
+              <a:effectLst/>
+              <a:latin typeface="Arial" charset="0"/>
+            </a:endParaRPr>
+          </a:p>
+        </p:txBody>
+      </p:sp>
+      <p:sp>
+        <p:nvSpPr>
+          <p:cNvPr id="7" name="내용 개체 틀 6"/>
+          <p:cNvSpPr>
+            <a:spLocks noGrp="1"/>
+          </p:cNvSpPr>
+          <p:nvPr>
+            <p:ph sz="half" idx="1"/>
+          </p:nvPr>
+        </p:nvSpPr>
+        <p:spPr/>
+        <p:txBody>
+          <a:bodyPr/>
+          <a:lstStyle/>
+          <a:p>
+            <a:r>
+              <a:rPr lang="en-US" altLang="ko-KR" dirty="0" smtClean="0"/>
+              <a:t>Affine Transform</a:t>
+            </a:r>
+          </a:p>
+          <a:p>
+            <a:pPr lvl="1"/>
+            <a:r>
+              <a:rPr lang="en-US" altLang="ko-KR" dirty="0" smtClean="0"/>
+              <a:t>Translate</a:t>
+            </a:r>
+          </a:p>
+          <a:p>
+            <a:pPr lvl="1"/>
+            <a:endParaRPr lang="en-US" altLang="ko-KR" dirty="0"/>
+          </a:p>
+          <a:p>
+            <a:pPr lvl="1"/>
+            <a:endParaRPr lang="en-US" altLang="ko-KR" dirty="0" smtClean="0"/>
+          </a:p>
+          <a:p>
+            <a:pPr lvl="1"/>
+            <a:endParaRPr lang="en-US" altLang="ko-KR" dirty="0"/>
+          </a:p>
+          <a:p>
+            <a:pPr lvl="1"/>
+            <a:endParaRPr lang="en-US" altLang="ko-KR" dirty="0" smtClean="0"/>
+          </a:p>
+          <a:p>
+            <a:pPr lvl="1"/>
+            <a:endParaRPr lang="en-US" altLang="ko-KR" dirty="0"/>
+          </a:p>
+          <a:p>
+            <a:pPr lvl="1"/>
+            <a:endParaRPr lang="en-US" altLang="ko-KR" dirty="0" smtClean="0"/>
+          </a:p>
+          <a:p>
+            <a:pPr lvl="1"/>
+            <a:endParaRPr lang="en-US" altLang="ko-KR" dirty="0"/>
+          </a:p>
+          <a:p>
+            <a:pPr lvl="1"/>
+            <a:endParaRPr lang="en-US" altLang="ko-KR" dirty="0" smtClean="0"/>
+          </a:p>
+          <a:p>
+            <a:pPr lvl="1"/>
+            <a:endParaRPr lang="en-US" altLang="ko-KR" dirty="0"/>
+          </a:p>
+        </p:txBody>
+      </p:sp>
+      <p:sp>
+        <p:nvSpPr>
+          <p:cNvPr id="8" name="내용 개체 틀 7"/>
+          <p:cNvSpPr>
+            <a:spLocks noGrp="1"/>
+          </p:cNvSpPr>
+          <p:nvPr>
+            <p:ph sz="half" idx="2"/>
+          </p:nvPr>
+        </p:nvSpPr>
+        <p:spPr/>
+        <p:txBody>
+          <a:bodyPr/>
+          <a:lstStyle/>
+          <a:p>
+            <a:endParaRPr lang="en-US" altLang="ko-KR" dirty="0" smtClean="0"/>
+          </a:p>
+          <a:p>
+            <a:pPr lvl="1"/>
+            <a:r>
+              <a:rPr lang="en-US" altLang="ko-KR" dirty="0"/>
+              <a:t>Resize</a:t>
+            </a:r>
+          </a:p>
+          <a:p>
+            <a:pPr lvl="2"/>
+            <a:r>
+              <a:rPr lang="en-US" altLang="ko-KR" dirty="0"/>
+              <a:t>Resize </a:t>
+            </a:r>
+            <a:r>
+              <a:rPr lang="en-US" altLang="ko-KR" dirty="0" smtClean="0"/>
+              <a:t>Anchor </a:t>
+            </a:r>
+            <a:r>
+              <a:rPr lang="ko-KR" altLang="en-US" dirty="0" smtClean="0"/>
+              <a:t>찾기</a:t>
+            </a:r>
+            <a:endParaRPr lang="en-US" altLang="ko-KR" dirty="0"/>
+          </a:p>
+          <a:p>
+            <a:pPr lvl="3"/>
+            <a:r>
+              <a:rPr lang="en-US" altLang="ko-KR" dirty="0"/>
+              <a:t>Selected </a:t>
+            </a:r>
+            <a:r>
+              <a:rPr lang="en-US" altLang="ko-KR" dirty="0" smtClean="0"/>
+              <a:t>Anchor</a:t>
+            </a:r>
+            <a:r>
+              <a:rPr lang="ko-KR" altLang="en-US" dirty="0" smtClean="0"/>
+              <a:t>의 대각선 </a:t>
+            </a:r>
+            <a:r>
+              <a:rPr lang="en-US" altLang="ko-KR" dirty="0" smtClean="0"/>
+              <a:t>Anchor</a:t>
+            </a:r>
+          </a:p>
+          <a:p>
+            <a:pPr lvl="2"/>
+            <a:r>
+              <a:rPr lang="en-US" altLang="ko-KR" dirty="0" smtClean="0"/>
+              <a:t>Width/Height </a:t>
+            </a:r>
+            <a:r>
+              <a:rPr lang="ko-KR" altLang="en-US" dirty="0" smtClean="0"/>
+              <a:t>의 배율</a:t>
+            </a:r>
+            <a:endParaRPr lang="en-US" altLang="ko-KR" dirty="0" smtClean="0"/>
+          </a:p>
+          <a:p>
+            <a:pPr lvl="3"/>
+            <a:r>
+              <a:rPr lang="en-US" altLang="ko-KR" dirty="0" err="1" smtClean="0"/>
+              <a:t>Sx</a:t>
+            </a:r>
+            <a:r>
+              <a:rPr lang="en-US" altLang="ko-KR" dirty="0" smtClean="0"/>
+              <a:t>, </a:t>
+            </a:r>
+            <a:r>
+              <a:rPr lang="en-US" altLang="ko-KR" dirty="0" err="1" smtClean="0"/>
+              <a:t>Sy</a:t>
+            </a:r>
+            <a:endParaRPr lang="ko-KR" altLang="en-US" dirty="0"/>
+          </a:p>
+          <a:p>
+            <a:endParaRPr lang="ko-KR" altLang="en-US" dirty="0"/>
+          </a:p>
+        </p:txBody>
+      </p:sp>
+      <p:sp>
+        <p:nvSpPr>
+          <p:cNvPr id="5" name="바닥글 개체 틀 4"/>
+          <p:cNvSpPr>
+            <a:spLocks noGrp="1"/>
+          </p:cNvSpPr>
+          <p:nvPr>
+            <p:ph type="ftr" sz="quarter" idx="10"/>
+          </p:nvPr>
+        </p:nvSpPr>
+        <p:spPr/>
+        <p:txBody>
+          <a:bodyPr/>
+          <a:lstStyle/>
+          <a:p>
+            <a:pPr>
+              <a:buFont typeface="맑은 고딕" panose="020B0503020000020004" pitchFamily="50" charset="-127"/>
+              <a:buChar char="ⓒ"/>
+            </a:pPr>
+            <a:r>
+              <a:rPr lang="en-US" altLang="ko-KR" smtClean="0"/>
+              <a:t>Sungwoon Choi 2021</a:t>
+            </a:r>
+            <a:endParaRPr lang="en-US" altLang="ko-KR" dirty="0"/>
+          </a:p>
+        </p:txBody>
+      </p:sp>
+      <p:sp>
+        <p:nvSpPr>
+          <p:cNvPr id="6" name="슬라이드 번호 개체 틀 5"/>
+          <p:cNvSpPr>
+            <a:spLocks noGrp="1"/>
+          </p:cNvSpPr>
+          <p:nvPr>
+            <p:ph type="sldNum" sz="quarter" idx="11"/>
+          </p:nvPr>
+        </p:nvSpPr>
+        <p:spPr/>
+        <p:txBody>
+          <a:bodyPr/>
+          <a:lstStyle/>
+          <a:p>
+            <a:fld id="{AA4216F1-165B-4DFF-BD92-3D8E849D7D48}" type="slidenum">
+              <a:rPr lang="en-US" altLang="ko-KR" smtClean="0"/>
+              <a:pPr/>
+              <a:t>36</a:t>
+            </a:fld>
+            <a:endParaRPr lang="en-US" altLang="ko-KR" dirty="0"/>
+          </a:p>
+        </p:txBody>
+      </p:sp>
+      <p:graphicFrame>
+        <p:nvGraphicFramePr>
+          <p:cNvPr id="9" name="내용 개체 틀 7"/>
+          <p:cNvGraphicFramePr>
+            <a:graphicFrameLocks/>
+          </p:cNvGraphicFramePr>
+          <p:nvPr>
+            <p:extLst>
+              <p:ext uri="{D42A27DB-BD31-4B8C-83A1-F6EECF244321}">
+                <p14:modId xmlns:p14="http://schemas.microsoft.com/office/powerpoint/2010/main" val="832992251"/>
+              </p:ext>
+            </p:extLst>
+          </p:nvPr>
+        </p:nvGraphicFramePr>
+        <p:xfrm>
+          <a:off x="2285674" y="1799367"/>
+          <a:ext cx="1161093" cy="1112791"/>
+        </p:xfrm>
+        <a:graphic>
+          <a:graphicData uri="http://schemas.openxmlformats.org/drawingml/2006/table">
+            <a:tbl>
+              <a:tblPr firstRow="1" bandRow="1">
+                <a:tableStyleId>{5C22544A-7EE6-4342-B048-85BDC9FD1C3A}</a:tableStyleId>
+              </a:tblPr>
+              <a:tblGrid>
+                <a:gridCol w="387031">
+                  <a:extLst>
+                    <a:ext uri="{9D8B030D-6E8A-4147-A177-3AD203B41FA5}">
+                      <a16:colId xmlns:a16="http://schemas.microsoft.com/office/drawing/2014/main" val="4151758035"/>
+                    </a:ext>
+                  </a:extLst>
+                </a:gridCol>
+                <a:gridCol w="387031">
+                  <a:extLst>
+                    <a:ext uri="{9D8B030D-6E8A-4147-A177-3AD203B41FA5}">
+                      <a16:colId xmlns:a16="http://schemas.microsoft.com/office/drawing/2014/main" val="1309216761"/>
+                    </a:ext>
+                  </a:extLst>
+                </a:gridCol>
+                <a:gridCol w="387031">
+                  <a:extLst>
+                    <a:ext uri="{9D8B030D-6E8A-4147-A177-3AD203B41FA5}">
+                      <a16:colId xmlns:a16="http://schemas.microsoft.com/office/drawing/2014/main" val="3074646983"/>
+                    </a:ext>
+                  </a:extLst>
+                </a:gridCol>
+              </a:tblGrid>
+              <a:tr h="381271">
+                <a:tc>
+                  <a:txBody>
+                    <a:bodyPr/>
+                    <a:lstStyle/>
+                    <a:p>
+                      <a:pPr latinLnBrk="1"/>
+                      <a:endParaRPr lang="ko-KR" altLang="en-US" b="0" dirty="0">
+                        <a:solidFill>
+                          <a:srgbClr val="FF0000"/>
+                        </a:solidFill>
+                      </a:endParaRPr>
+                    </a:p>
+                  </a:txBody>
+                  <a:tcPr>
+                    <a:lnL w="12700" cap="flat" cmpd="sng" algn="ctr">
+                      <a:solidFill>
+                        <a:schemeClr val="tx1"/>
+                      </a:solidFill>
+                      <a:prstDash val="solid"/>
+                      <a:round/>
+                      <a:headEnd type="none" w="med" len="med"/>
+                      <a:tailEnd type="none" w="med" len="med"/>
+                    </a:lnL>
+                    <a:lnR w="12700" cap="flat" cmpd="sng" algn="ctr">
+                      <a:solidFill>
+                        <a:schemeClr val="tx1"/>
+                      </a:solidFill>
+                      <a:prstDash val="solid"/>
+                      <a:round/>
+                      <a:headEnd type="none" w="med" len="med"/>
+                      <a:tailEnd type="none" w="med" len="med"/>
+                    </a:lnR>
+                    <a:lnT w="12700" cap="flat" cmpd="sng" algn="ctr">
+                      <a:solidFill>
+                        <a:schemeClr val="tx1"/>
+                      </a:solidFill>
+                      <a:prstDash val="solid"/>
+                      <a:round/>
+                      <a:headEnd type="none" w="med" len="med"/>
+                      <a:tailEnd type="none" w="med" len="med"/>
+                    </a:lnT>
+                    <a:lnB w="12700" cap="flat" cmpd="sng" algn="ctr">
+                      <a:solidFill>
+                        <a:schemeClr val="tx1"/>
+                      </a:solidFill>
+                      <a:prstDash val="solid"/>
+                      <a:round/>
+                      <a:headEnd type="none" w="med" len="med"/>
+                      <a:tailEnd type="none" w="med" len="med"/>
+                    </a:lnB>
+                    <a:noFill/>
+                  </a:tcPr>
+                </a:tc>
+                <a:tc>
+                  <a:txBody>
+                    <a:bodyPr/>
+                    <a:lstStyle/>
+                    <a:p>
+                      <a:pPr latinLnBrk="1"/>
+                      <a:endParaRPr lang="ko-KR" altLang="en-US" b="0">
+                        <a:solidFill>
+                          <a:srgbClr val="FF0000"/>
+                        </a:solidFill>
+                      </a:endParaRPr>
+                    </a:p>
+                  </a:txBody>
+                  <a:tcPr>
+                    <a:lnL w="12700" cap="flat" cmpd="sng" algn="ctr">
+                      <a:solidFill>
+                        <a:schemeClr val="tx1"/>
+                      </a:solidFill>
+                      <a:prstDash val="solid"/>
+                      <a:round/>
+                      <a:headEnd type="none" w="med" len="med"/>
+                      <a:tailEnd type="none" w="med" len="med"/>
+                    </a:lnL>
+                    <a:lnR w="12700" cap="flat" cmpd="sng" algn="ctr">
+                      <a:solidFill>
+                        <a:schemeClr val="tx1"/>
+                      </a:solidFill>
+                      <a:prstDash val="solid"/>
+                      <a:round/>
+                      <a:headEnd type="none" w="med" len="med"/>
+                      <a:tailEnd type="none" w="med" len="med"/>
+                    </a:lnR>
+                    <a:lnT w="12700" cap="flat" cmpd="sng" algn="ctr">
+                      <a:solidFill>
+                        <a:schemeClr val="tx1"/>
+                      </a:solidFill>
+                      <a:prstDash val="solid"/>
+                      <a:round/>
+                      <a:headEnd type="none" w="med" len="med"/>
+                      <a:tailEnd type="none" w="med" len="med"/>
+                    </a:lnT>
+                    <a:lnB w="12700" cap="flat" cmpd="sng" algn="ctr">
+                      <a:solidFill>
+                        <a:schemeClr val="tx1"/>
+                      </a:solidFill>
+                      <a:prstDash val="solid"/>
+                      <a:round/>
+                      <a:headEnd type="none" w="med" len="med"/>
+                      <a:tailEnd type="none" w="med" len="med"/>
+                    </a:lnB>
+                    <a:noFill/>
+                  </a:tcPr>
+                </a:tc>
+                <a:tc>
+                  <a:txBody>
+                    <a:bodyPr/>
+                    <a:lstStyle/>
+                    <a:p>
+                      <a:pPr latinLnBrk="1"/>
+                      <a:r>
+                        <a:rPr lang="en-US" altLang="ko-KR" b="0" dirty="0" smtClean="0">
+                          <a:solidFill>
+                            <a:srgbClr val="FF0000"/>
+                          </a:solidFill>
+                        </a:rPr>
+                        <a:t>3</a:t>
+                      </a:r>
+                      <a:endParaRPr lang="ko-KR" altLang="en-US" b="0" dirty="0">
+                        <a:solidFill>
+                          <a:srgbClr val="FF0000"/>
+                        </a:solidFill>
+                      </a:endParaRPr>
+                    </a:p>
+                  </a:txBody>
+                  <a:tcPr>
+                    <a:lnL w="12700" cap="flat" cmpd="sng" algn="ctr">
+                      <a:solidFill>
+                        <a:schemeClr val="tx1"/>
+                      </a:solidFill>
+                      <a:prstDash val="solid"/>
+                      <a:round/>
+                      <a:headEnd type="none" w="med" len="med"/>
+                      <a:tailEnd type="none" w="med" len="med"/>
+                    </a:lnL>
+                    <a:lnR w="12700" cap="flat" cmpd="sng" algn="ctr">
+                      <a:solidFill>
+                        <a:schemeClr val="tx1"/>
+                      </a:solidFill>
+                      <a:prstDash val="solid"/>
+                      <a:round/>
+                      <a:headEnd type="none" w="med" len="med"/>
+                      <a:tailEnd type="none" w="med" len="med"/>
+                    </a:lnR>
+                    <a:lnT w="12700" cap="flat" cmpd="sng" algn="ctr">
+                      <a:solidFill>
+                        <a:schemeClr val="tx1"/>
+                      </a:solidFill>
+                      <a:prstDash val="solid"/>
+                      <a:round/>
+                      <a:headEnd type="none" w="med" len="med"/>
+                      <a:tailEnd type="none" w="med" len="med"/>
+                    </a:lnT>
+                    <a:lnB w="12700" cap="flat" cmpd="sng" algn="ctr">
+                      <a:solidFill>
+                        <a:schemeClr val="tx1"/>
+                      </a:solidFill>
+                      <a:prstDash val="solid"/>
+                      <a:round/>
+                      <a:headEnd type="none" w="med" len="med"/>
+                      <a:tailEnd type="none" w="med" len="med"/>
+                    </a:lnB>
+                    <a:noFill/>
+                  </a:tcPr>
+                </a:tc>
+                <a:extLst>
+                  <a:ext uri="{0D108BD9-81ED-4DB2-BD59-A6C34878D82A}">
+                    <a16:rowId xmlns:a16="http://schemas.microsoft.com/office/drawing/2014/main" val="3541610873"/>
+                  </a:ext>
+                </a:extLst>
+              </a:tr>
+              <a:tr h="346928">
+                <a:tc>
+                  <a:txBody>
+                    <a:bodyPr/>
+                    <a:lstStyle/>
+                    <a:p>
+                      <a:pPr latinLnBrk="1"/>
+                      <a:endParaRPr lang="ko-KR" altLang="en-US" b="0">
+                        <a:solidFill>
+                          <a:srgbClr val="FF0000"/>
+                        </a:solidFill>
+                      </a:endParaRPr>
+                    </a:p>
+                  </a:txBody>
+                  <a:tcPr>
+                    <a:lnL w="12700" cap="flat" cmpd="sng" algn="ctr">
+                      <a:solidFill>
+                        <a:schemeClr val="tx1"/>
+                      </a:solidFill>
+                      <a:prstDash val="solid"/>
+                      <a:round/>
+                      <a:headEnd type="none" w="med" len="med"/>
+                      <a:tailEnd type="none" w="med" len="med"/>
+                    </a:lnL>
+                    <a:lnR w="12700" cap="flat" cmpd="sng" algn="ctr">
+                      <a:solidFill>
+                        <a:schemeClr val="tx1"/>
+                      </a:solidFill>
+                      <a:prstDash val="solid"/>
+                      <a:round/>
+                      <a:headEnd type="none" w="med" len="med"/>
+                      <a:tailEnd type="none" w="med" len="med"/>
+                    </a:lnR>
+                    <a:lnT w="12700" cap="flat" cmpd="sng" algn="ctr">
+                      <a:solidFill>
+                        <a:schemeClr val="tx1"/>
+                      </a:solidFill>
+                      <a:prstDash val="solid"/>
+                      <a:round/>
+                      <a:headEnd type="none" w="med" len="med"/>
+                      <a:tailEnd type="none" w="med" len="med"/>
+                    </a:lnT>
+                    <a:lnB w="12700" cap="flat" cmpd="sng" algn="ctr">
+                      <a:solidFill>
+                        <a:schemeClr val="tx1"/>
+                      </a:solidFill>
+                      <a:prstDash val="solid"/>
+                      <a:round/>
+                      <a:headEnd type="none" w="med" len="med"/>
+                      <a:tailEnd type="none" w="med" len="med"/>
+                    </a:lnB>
+                    <a:noFill/>
+                  </a:tcPr>
+                </a:tc>
+                <a:tc>
+                  <a:txBody>
+                    <a:bodyPr/>
+                    <a:lstStyle/>
+                    <a:p>
+                      <a:pPr latinLnBrk="1"/>
+                      <a:endParaRPr lang="ko-KR" altLang="en-US" b="0">
+                        <a:solidFill>
+                          <a:srgbClr val="FF0000"/>
+                        </a:solidFill>
+                      </a:endParaRPr>
+                    </a:p>
+                  </a:txBody>
+                  <a:tcPr>
+                    <a:lnL w="12700" cap="flat" cmpd="sng" algn="ctr">
+                      <a:solidFill>
+                        <a:schemeClr val="tx1"/>
+                      </a:solidFill>
+                      <a:prstDash val="solid"/>
+                      <a:round/>
+                      <a:headEnd type="none" w="med" len="med"/>
+                      <a:tailEnd type="none" w="med" len="med"/>
+                    </a:lnL>
+                    <a:lnR w="12700" cap="flat" cmpd="sng" algn="ctr">
+                      <a:solidFill>
+                        <a:schemeClr val="tx1"/>
+                      </a:solidFill>
+                      <a:prstDash val="solid"/>
+                      <a:round/>
+                      <a:headEnd type="none" w="med" len="med"/>
+                      <a:tailEnd type="none" w="med" len="med"/>
+                    </a:lnR>
+                    <a:lnT w="12700" cap="flat" cmpd="sng" algn="ctr">
+                      <a:solidFill>
+                        <a:schemeClr val="tx1"/>
+                      </a:solidFill>
+                      <a:prstDash val="solid"/>
+                      <a:round/>
+                      <a:headEnd type="none" w="med" len="med"/>
+                      <a:tailEnd type="none" w="med" len="med"/>
+                    </a:lnT>
+                    <a:lnB w="12700" cap="flat" cmpd="sng" algn="ctr">
+                      <a:solidFill>
+                        <a:schemeClr val="tx1"/>
+                      </a:solidFill>
+                      <a:prstDash val="solid"/>
+                      <a:round/>
+                      <a:headEnd type="none" w="med" len="med"/>
+                      <a:tailEnd type="none" w="med" len="med"/>
+                    </a:lnB>
+                    <a:noFill/>
+                  </a:tcPr>
+                </a:tc>
+                <a:tc>
+                  <a:txBody>
+                    <a:bodyPr/>
+                    <a:lstStyle/>
+                    <a:p>
+                      <a:pPr latinLnBrk="1"/>
+                      <a:r>
+                        <a:rPr lang="en-US" altLang="ko-KR" b="0" dirty="0" smtClean="0">
+                          <a:solidFill>
+                            <a:srgbClr val="FF0000"/>
+                          </a:solidFill>
+                        </a:rPr>
+                        <a:t>3</a:t>
+                      </a:r>
+                      <a:endParaRPr lang="ko-KR" altLang="en-US" b="0" dirty="0">
+                        <a:solidFill>
+                          <a:srgbClr val="FF0000"/>
+                        </a:solidFill>
+                      </a:endParaRPr>
+                    </a:p>
+                  </a:txBody>
+                  <a:tcPr>
+                    <a:lnL w="12700" cap="flat" cmpd="sng" algn="ctr">
+                      <a:solidFill>
+                        <a:schemeClr val="tx1"/>
+                      </a:solidFill>
+                      <a:prstDash val="solid"/>
+                      <a:round/>
+                      <a:headEnd type="none" w="med" len="med"/>
+                      <a:tailEnd type="none" w="med" len="med"/>
+                    </a:lnL>
+                    <a:lnR w="12700" cap="flat" cmpd="sng" algn="ctr">
+                      <a:solidFill>
+                        <a:schemeClr val="tx1"/>
+                      </a:solidFill>
+                      <a:prstDash val="solid"/>
+                      <a:round/>
+                      <a:headEnd type="none" w="med" len="med"/>
+                      <a:tailEnd type="none" w="med" len="med"/>
+                    </a:lnR>
+                    <a:lnT w="12700" cap="flat" cmpd="sng" algn="ctr">
+                      <a:solidFill>
+                        <a:schemeClr val="tx1"/>
+                      </a:solidFill>
+                      <a:prstDash val="solid"/>
+                      <a:round/>
+                      <a:headEnd type="none" w="med" len="med"/>
+                      <a:tailEnd type="none" w="med" len="med"/>
+                    </a:lnT>
+                    <a:lnB w="12700" cap="flat" cmpd="sng" algn="ctr">
+                      <a:solidFill>
+                        <a:schemeClr val="tx1"/>
+                      </a:solidFill>
+                      <a:prstDash val="solid"/>
+                      <a:round/>
+                      <a:headEnd type="none" w="med" len="med"/>
+                      <a:tailEnd type="none" w="med" len="med"/>
+                    </a:lnB>
+                    <a:noFill/>
+                  </a:tcPr>
+                </a:tc>
+                <a:extLst>
+                  <a:ext uri="{0D108BD9-81ED-4DB2-BD59-A6C34878D82A}">
+                    <a16:rowId xmlns:a16="http://schemas.microsoft.com/office/drawing/2014/main" val="3017805745"/>
+                  </a:ext>
+                </a:extLst>
+              </a:tr>
+              <a:tr h="346928">
+                <a:tc>
+                  <a:txBody>
+                    <a:bodyPr/>
+                    <a:lstStyle/>
+                    <a:p>
+                      <a:pPr latinLnBrk="1"/>
+                      <a:endParaRPr lang="ko-KR" altLang="en-US" b="0">
+                        <a:solidFill>
+                          <a:srgbClr val="FF0000"/>
+                        </a:solidFill>
+                      </a:endParaRPr>
+                    </a:p>
+                  </a:txBody>
+                  <a:tcPr>
+                    <a:lnL w="12700" cap="flat" cmpd="sng" algn="ctr">
+                      <a:solidFill>
+                        <a:schemeClr val="tx1"/>
+                      </a:solidFill>
+                      <a:prstDash val="solid"/>
+                      <a:round/>
+                      <a:headEnd type="none" w="med" len="med"/>
+                      <a:tailEnd type="none" w="med" len="med"/>
+                    </a:lnL>
+                    <a:lnR w="12700" cap="flat" cmpd="sng" algn="ctr">
+                      <a:solidFill>
+                        <a:schemeClr val="tx1"/>
+                      </a:solidFill>
+                      <a:prstDash val="solid"/>
+                      <a:round/>
+                      <a:headEnd type="none" w="med" len="med"/>
+                      <a:tailEnd type="none" w="med" len="med"/>
+                    </a:lnR>
+                    <a:lnT w="12700" cap="flat" cmpd="sng" algn="ctr">
+                      <a:solidFill>
+                        <a:schemeClr val="tx1"/>
+                      </a:solidFill>
+                      <a:prstDash val="solid"/>
+                      <a:round/>
+                      <a:headEnd type="none" w="med" len="med"/>
+                      <a:tailEnd type="none" w="med" len="med"/>
+                    </a:lnT>
+                    <a:lnB w="12700" cap="flat" cmpd="sng" algn="ctr">
+                      <a:solidFill>
+                        <a:schemeClr val="tx1"/>
+                      </a:solidFill>
+                      <a:prstDash val="solid"/>
+                      <a:round/>
+                      <a:headEnd type="none" w="med" len="med"/>
+                      <a:tailEnd type="none" w="med" len="med"/>
+                    </a:lnB>
+                    <a:noFill/>
+                  </a:tcPr>
+                </a:tc>
+                <a:tc>
+                  <a:txBody>
+                    <a:bodyPr/>
+                    <a:lstStyle/>
+                    <a:p>
+                      <a:pPr latinLnBrk="1"/>
+                      <a:endParaRPr lang="ko-KR" altLang="en-US" b="0">
+                        <a:solidFill>
+                          <a:srgbClr val="FF0000"/>
+                        </a:solidFill>
+                      </a:endParaRPr>
+                    </a:p>
+                  </a:txBody>
+                  <a:tcPr>
+                    <a:lnL w="12700" cap="flat" cmpd="sng" algn="ctr">
+                      <a:solidFill>
+                        <a:schemeClr val="tx1"/>
+                      </a:solidFill>
+                      <a:prstDash val="solid"/>
+                      <a:round/>
+                      <a:headEnd type="none" w="med" len="med"/>
+                      <a:tailEnd type="none" w="med" len="med"/>
+                    </a:lnL>
+                    <a:lnR w="12700" cap="flat" cmpd="sng" algn="ctr">
+                      <a:solidFill>
+                        <a:schemeClr val="tx1"/>
+                      </a:solidFill>
+                      <a:prstDash val="solid"/>
+                      <a:round/>
+                      <a:headEnd type="none" w="med" len="med"/>
+                      <a:tailEnd type="none" w="med" len="med"/>
+                    </a:lnR>
+                    <a:lnT w="12700" cap="flat" cmpd="sng" algn="ctr">
+                      <a:solidFill>
+                        <a:schemeClr val="tx1"/>
+                      </a:solidFill>
+                      <a:prstDash val="solid"/>
+                      <a:round/>
+                      <a:headEnd type="none" w="med" len="med"/>
+                      <a:tailEnd type="none" w="med" len="med"/>
+                    </a:lnT>
+                    <a:lnB w="12700" cap="flat" cmpd="sng" algn="ctr">
+                      <a:solidFill>
+                        <a:schemeClr val="tx1"/>
+                      </a:solidFill>
+                      <a:prstDash val="solid"/>
+                      <a:round/>
+                      <a:headEnd type="none" w="med" len="med"/>
+                      <a:tailEnd type="none" w="med" len="med"/>
+                    </a:lnB>
+                    <a:noFill/>
+                  </a:tcPr>
+                </a:tc>
+                <a:tc>
+                  <a:txBody>
+                    <a:bodyPr/>
+                    <a:lstStyle/>
+                    <a:p>
+                      <a:pPr latinLnBrk="1"/>
+                      <a:endParaRPr lang="ko-KR" altLang="en-US" b="0" dirty="0">
+                        <a:solidFill>
+                          <a:srgbClr val="FF0000"/>
+                        </a:solidFill>
+                      </a:endParaRPr>
+                    </a:p>
+                  </a:txBody>
+                  <a:tcPr>
+                    <a:lnL w="12700" cap="flat" cmpd="sng" algn="ctr">
+                      <a:solidFill>
+                        <a:schemeClr val="tx1"/>
+                      </a:solidFill>
+                      <a:prstDash val="solid"/>
+                      <a:round/>
+                      <a:headEnd type="none" w="med" len="med"/>
+                      <a:tailEnd type="none" w="med" len="med"/>
+                    </a:lnL>
+                    <a:lnR w="12700" cap="flat" cmpd="sng" algn="ctr">
+                      <a:solidFill>
+                        <a:schemeClr val="tx1"/>
+                      </a:solidFill>
+                      <a:prstDash val="solid"/>
+                      <a:round/>
+                      <a:headEnd type="none" w="med" len="med"/>
+                      <a:tailEnd type="none" w="med" len="med"/>
+                    </a:lnR>
+                    <a:lnT w="12700" cap="flat" cmpd="sng" algn="ctr">
+                      <a:solidFill>
+                        <a:schemeClr val="tx1"/>
+                      </a:solidFill>
+                      <a:prstDash val="solid"/>
+                      <a:round/>
+                      <a:headEnd type="none" w="med" len="med"/>
+                      <a:tailEnd type="none" w="med" len="med"/>
+                    </a:lnT>
+                    <a:lnB w="12700" cap="flat" cmpd="sng" algn="ctr">
+                      <a:solidFill>
+                        <a:schemeClr val="tx1"/>
+                      </a:solidFill>
+                      <a:prstDash val="solid"/>
+                      <a:round/>
+                      <a:headEnd type="none" w="med" len="med"/>
+                      <a:tailEnd type="none" w="med" len="med"/>
+                    </a:lnB>
+                    <a:noFill/>
+                  </a:tcPr>
+                </a:tc>
+                <a:extLst>
+                  <a:ext uri="{0D108BD9-81ED-4DB2-BD59-A6C34878D82A}">
+                    <a16:rowId xmlns:a16="http://schemas.microsoft.com/office/drawing/2014/main" val="3518176993"/>
+                  </a:ext>
+                </a:extLst>
+              </a:tr>
+            </a:tbl>
+          </a:graphicData>
+        </a:graphic>
+      </p:graphicFrame>
+      <p:sp>
+        <p:nvSpPr>
+          <p:cNvPr id="10" name="직사각형 9"/>
+          <p:cNvSpPr/>
+          <p:nvPr/>
+        </p:nvSpPr>
+        <p:spPr bwMode="auto">
+          <a:xfrm>
+            <a:off x="1078225" y="1714330"/>
+            <a:ext cx="811384" cy="698960"/>
+          </a:xfrm>
+          <a:prstGeom prst="rect">
+            <a:avLst/>
+          </a:prstGeom>
+          <a:solidFill>
+            <a:schemeClr val="accent3">
+              <a:lumMod val="20000"/>
+              <a:lumOff val="80000"/>
+            </a:schemeClr>
+          </a:solidFill>
+          <a:ln w="9525" cap="flat" cmpd="sng" algn="ctr">
+            <a:solidFill>
+              <a:schemeClr val="accent3">
+                <a:lumMod val="75000"/>
+              </a:schemeClr>
+            </a:solidFill>
+            <a:prstDash val="solid"/>
+            <a:round/>
+            <a:headEnd type="none" w="med" len="med"/>
+            <a:tailEnd type="none" w="med" len="med"/>
+          </a:ln>
+          <a:effectLst/>
+        </p:spPr>
+        <p:txBody>
+          <a:bodyPr vert="horz" wrap="square" lIns="91440" tIns="45720" rIns="91440" bIns="45720" numCol="1" rtlCol="0" anchor="ctr" anchorCtr="0" compatLnSpc="1">
+            <a:prstTxWarp prst="textNoShape">
+              <a:avLst/>
+            </a:prstTxWarp>
+          </a:bodyPr>
+          <a:lstStyle/>
+          <a:p>
+            <a:pPr marL="0" marR="0" indent="0" algn="ctr" defTabSz="914400" rtl="0" eaLnBrk="1" fontAlgn="base" latinLnBrk="0" hangingPunct="1">
+              <a:lnSpc>
+                <a:spcPct val="100000"/>
+              </a:lnSpc>
+              <a:spcBef>
+                <a:spcPct val="0"/>
+              </a:spcBef>
+              <a:spcAft>
+                <a:spcPct val="0"/>
+              </a:spcAft>
+              <a:buClrTx/>
+              <a:buSzTx/>
+              <a:buFontTx/>
+              <a:buNone/>
+              <a:tabLst/>
+            </a:pPr>
+            <a:endParaRPr kumimoji="0" lang="ko-KR" altLang="en-US" sz="1400" b="0" i="0" u="none" strike="noStrike" cap="none" normalizeH="0" baseline="0" smtClean="0">
+              <a:ln>
+                <a:noFill/>
+              </a:ln>
+              <a:solidFill>
+                <a:schemeClr val="tx1"/>
+              </a:solidFill>
+              <a:effectLst/>
+              <a:latin typeface="Arial" charset="0"/>
+            </a:endParaRPr>
+          </a:p>
+        </p:txBody>
+      </p:sp>
+      <p:sp>
+        <p:nvSpPr>
+          <p:cNvPr id="11" name="타원 10"/>
+          <p:cNvSpPr/>
+          <p:nvPr/>
+        </p:nvSpPr>
+        <p:spPr bwMode="auto">
+          <a:xfrm>
+            <a:off x="722950" y="1511381"/>
+            <a:ext cx="710550" cy="399718"/>
+          </a:xfrm>
+          <a:prstGeom prst="ellipse">
+            <a:avLst/>
+          </a:prstGeom>
+          <a:solidFill>
+            <a:schemeClr val="accent4">
+              <a:lumMod val="20000"/>
+              <a:lumOff val="80000"/>
+            </a:schemeClr>
+          </a:solidFill>
+          <a:ln w="9525" cap="flat" cmpd="sng" algn="ctr">
+            <a:solidFill>
+              <a:schemeClr val="accent3">
+                <a:lumMod val="75000"/>
+              </a:schemeClr>
+            </a:solidFill>
+            <a:prstDash val="solid"/>
+            <a:round/>
+            <a:headEnd type="none" w="med" len="med"/>
+            <a:tailEnd type="none" w="med" len="med"/>
+          </a:ln>
+          <a:effectLst/>
+        </p:spPr>
+        <p:txBody>
+          <a:bodyPr vert="horz" wrap="square" lIns="91440" tIns="45720" rIns="91440" bIns="45720" numCol="1" rtlCol="0" anchor="ctr" anchorCtr="0" compatLnSpc="1">
+            <a:prstTxWarp prst="textNoShape">
+              <a:avLst/>
+            </a:prstTxWarp>
+          </a:bodyPr>
+          <a:lstStyle/>
+          <a:p>
+            <a:pPr marL="0" marR="0" indent="0" algn="ctr" defTabSz="914400" rtl="0" eaLnBrk="1" fontAlgn="base" latinLnBrk="0" hangingPunct="1">
+              <a:lnSpc>
+                <a:spcPct val="100000"/>
+              </a:lnSpc>
+              <a:spcBef>
+                <a:spcPct val="0"/>
+              </a:spcBef>
+              <a:spcAft>
+                <a:spcPct val="0"/>
+              </a:spcAft>
+              <a:buClrTx/>
+              <a:buSzTx/>
+              <a:buFontTx/>
+              <a:buNone/>
+              <a:tabLst/>
+            </a:pPr>
+            <a:r>
+              <a:rPr kumimoji="0" lang="en-US" altLang="ko-KR" sz="1400" b="0" i="0" u="none" strike="noStrike" cap="none" normalizeH="0" baseline="0" dirty="0" smtClean="0">
+                <a:ln>
+                  <a:noFill/>
+                </a:ln>
+                <a:solidFill>
+                  <a:schemeClr val="tx1"/>
+                </a:solidFill>
+                <a:effectLst/>
+                <a:latin typeface="Arial" charset="0"/>
+              </a:rPr>
+              <a:t>2,3</a:t>
+            </a:r>
+            <a:endParaRPr kumimoji="0" lang="ko-KR" altLang="en-US" sz="1400" b="0" i="0" u="none" strike="noStrike" cap="none" normalizeH="0" baseline="0" dirty="0" smtClean="0">
+              <a:ln>
+                <a:noFill/>
+              </a:ln>
+              <a:solidFill>
+                <a:schemeClr val="tx1"/>
+              </a:solidFill>
+              <a:effectLst/>
+              <a:latin typeface="Arial" charset="0"/>
+            </a:endParaRPr>
+          </a:p>
+        </p:txBody>
+      </p:sp>
+      <p:sp>
+        <p:nvSpPr>
+          <p:cNvPr id="12" name="타원 11"/>
+          <p:cNvSpPr/>
+          <p:nvPr/>
+        </p:nvSpPr>
+        <p:spPr bwMode="auto">
+          <a:xfrm>
+            <a:off x="1800720" y="2058584"/>
+            <a:ext cx="542351" cy="551964"/>
+          </a:xfrm>
+          <a:prstGeom prst="ellipse">
+            <a:avLst/>
+          </a:prstGeom>
+          <a:noFill/>
+          <a:ln w="9525" cap="flat" cmpd="sng" algn="ctr">
+            <a:noFill/>
+            <a:prstDash val="solid"/>
+            <a:round/>
+            <a:headEnd type="none" w="med" len="med"/>
+            <a:tailEnd type="none" w="med" len="med"/>
+          </a:ln>
+          <a:effectLst/>
+        </p:spPr>
+        <p:txBody>
+          <a:bodyPr vert="horz" wrap="square" lIns="91440" tIns="45720" rIns="91440" bIns="45720" numCol="1" rtlCol="0" anchor="ctr" anchorCtr="0" compatLnSpc="1">
+            <a:prstTxWarp prst="textNoShape">
+              <a:avLst/>
+            </a:prstTxWarp>
+          </a:bodyPr>
+          <a:lstStyle/>
+          <a:p>
+            <a:pPr marL="0" marR="0" indent="0" algn="ctr" defTabSz="914400" rtl="0" eaLnBrk="1" fontAlgn="base" latinLnBrk="0" hangingPunct="1">
+              <a:lnSpc>
+                <a:spcPct val="100000"/>
+              </a:lnSpc>
+              <a:spcBef>
+                <a:spcPct val="0"/>
+              </a:spcBef>
+              <a:spcAft>
+                <a:spcPct val="0"/>
+              </a:spcAft>
+              <a:buClrTx/>
+              <a:buSzTx/>
+              <a:buFontTx/>
+              <a:buNone/>
+              <a:tabLst/>
+            </a:pPr>
+            <a:r>
+              <a:rPr kumimoji="0" lang="en-US" altLang="ko-KR" sz="1400" b="0" i="0" u="none" strike="noStrike" cap="none" normalizeH="0" baseline="0" dirty="0" smtClean="0">
+                <a:ln>
+                  <a:noFill/>
+                </a:ln>
+                <a:solidFill>
+                  <a:schemeClr val="tx1"/>
+                </a:solidFill>
+                <a:effectLst/>
+                <a:latin typeface="Arial" charset="0"/>
+              </a:rPr>
+              <a:t>x</a:t>
+            </a:r>
+            <a:endParaRPr kumimoji="0" lang="ko-KR" altLang="en-US" sz="1400" b="0" i="0" u="none" strike="noStrike" cap="none" normalizeH="0" baseline="0" dirty="0" smtClean="0">
+              <a:ln>
+                <a:noFill/>
+              </a:ln>
+              <a:solidFill>
+                <a:schemeClr val="tx1"/>
+              </a:solidFill>
+              <a:effectLst/>
+              <a:latin typeface="Arial" charset="0"/>
+            </a:endParaRPr>
+          </a:p>
+        </p:txBody>
+      </p:sp>
+      <p:sp>
+        <p:nvSpPr>
+          <p:cNvPr id="13" name="타원 12"/>
+          <p:cNvSpPr/>
+          <p:nvPr/>
+        </p:nvSpPr>
+        <p:spPr bwMode="auto">
+          <a:xfrm>
+            <a:off x="1551002" y="1528376"/>
+            <a:ext cx="652513" cy="428733"/>
+          </a:xfrm>
+          <a:prstGeom prst="ellipse">
+            <a:avLst/>
+          </a:prstGeom>
+          <a:solidFill>
+            <a:schemeClr val="accent4">
+              <a:lumMod val="20000"/>
+              <a:lumOff val="80000"/>
+            </a:schemeClr>
+          </a:solidFill>
+          <a:ln w="9525" cap="flat" cmpd="sng" algn="ctr">
+            <a:solidFill>
+              <a:schemeClr val="accent3">
+                <a:lumMod val="75000"/>
+              </a:schemeClr>
+            </a:solidFill>
+            <a:prstDash val="solid"/>
+            <a:round/>
+            <a:headEnd type="none" w="med" len="med"/>
+            <a:tailEnd type="none" w="med" len="med"/>
+          </a:ln>
+          <a:effectLst/>
+        </p:spPr>
+        <p:txBody>
+          <a:bodyPr vert="horz" wrap="square" lIns="91440" tIns="45720" rIns="91440" bIns="45720" numCol="1" rtlCol="0" anchor="ctr" anchorCtr="0" compatLnSpc="1">
+            <a:prstTxWarp prst="textNoShape">
+              <a:avLst/>
+            </a:prstTxWarp>
+          </a:bodyPr>
+          <a:lstStyle/>
+          <a:p>
+            <a:pPr marL="0" marR="0" indent="0" algn="ctr" defTabSz="914400" rtl="0" eaLnBrk="1" fontAlgn="base" latinLnBrk="0" hangingPunct="1">
+              <a:lnSpc>
+                <a:spcPct val="100000"/>
+              </a:lnSpc>
+              <a:spcBef>
+                <a:spcPct val="0"/>
+              </a:spcBef>
+              <a:spcAft>
+                <a:spcPct val="0"/>
+              </a:spcAft>
+              <a:buClrTx/>
+              <a:buSzTx/>
+              <a:buFontTx/>
+              <a:buNone/>
+              <a:tabLst/>
+            </a:pPr>
+            <a:r>
+              <a:rPr kumimoji="0" lang="en-US" altLang="ko-KR" sz="1400" b="0" i="0" u="none" strike="noStrike" cap="none" normalizeH="0" baseline="0" dirty="0" smtClean="0">
+                <a:ln>
+                  <a:noFill/>
+                </a:ln>
+                <a:solidFill>
+                  <a:schemeClr val="tx1"/>
+                </a:solidFill>
+                <a:effectLst/>
+                <a:latin typeface="Arial" charset="0"/>
+              </a:rPr>
+              <a:t>4,3</a:t>
+            </a:r>
+            <a:endParaRPr kumimoji="0" lang="ko-KR" altLang="en-US" sz="1400" b="0" i="0" u="none" strike="noStrike" cap="none" normalizeH="0" baseline="0" dirty="0" smtClean="0">
+              <a:ln>
+                <a:noFill/>
+              </a:ln>
+              <a:solidFill>
+                <a:schemeClr val="tx1"/>
+              </a:solidFill>
+              <a:effectLst/>
+              <a:latin typeface="Arial" charset="0"/>
+            </a:endParaRPr>
+          </a:p>
+        </p:txBody>
+      </p:sp>
+      <p:sp>
+        <p:nvSpPr>
+          <p:cNvPr id="14" name="타원 13"/>
+          <p:cNvSpPr/>
+          <p:nvPr/>
+        </p:nvSpPr>
+        <p:spPr bwMode="auto">
+          <a:xfrm>
+            <a:off x="3355304" y="2065460"/>
+            <a:ext cx="542351" cy="551964"/>
+          </a:xfrm>
+          <a:prstGeom prst="ellipse">
+            <a:avLst/>
+          </a:prstGeom>
+          <a:noFill/>
+          <a:ln w="9525" cap="flat" cmpd="sng" algn="ctr">
+            <a:noFill/>
+            <a:prstDash val="solid"/>
+            <a:round/>
+            <a:headEnd type="none" w="med" len="med"/>
+            <a:tailEnd type="none" w="med" len="med"/>
+          </a:ln>
+          <a:effectLst/>
+        </p:spPr>
+        <p:txBody>
+          <a:bodyPr vert="horz" wrap="square" lIns="91440" tIns="45720" rIns="91440" bIns="45720" numCol="1" rtlCol="0" anchor="ctr" anchorCtr="0" compatLnSpc="1">
+            <a:prstTxWarp prst="textNoShape">
+              <a:avLst/>
+            </a:prstTxWarp>
+          </a:bodyPr>
+          <a:lstStyle/>
+          <a:p>
+            <a:pPr marL="0" marR="0" indent="0" algn="ctr" defTabSz="914400" rtl="0" eaLnBrk="1" fontAlgn="base" latinLnBrk="0" hangingPunct="1">
+              <a:lnSpc>
+                <a:spcPct val="100000"/>
+              </a:lnSpc>
+              <a:spcBef>
+                <a:spcPct val="0"/>
+              </a:spcBef>
+              <a:spcAft>
+                <a:spcPct val="0"/>
+              </a:spcAft>
+              <a:buClrTx/>
+              <a:buSzTx/>
+              <a:buFontTx/>
+              <a:buNone/>
+              <a:tabLst/>
+            </a:pPr>
+            <a:r>
+              <a:rPr kumimoji="0" lang="en-US" altLang="ko-KR" sz="1400" b="0" i="0" u="none" strike="noStrike" cap="none" normalizeH="0" baseline="0" dirty="0" smtClean="0">
+                <a:ln>
+                  <a:noFill/>
+                </a:ln>
+                <a:solidFill>
+                  <a:schemeClr val="tx1"/>
+                </a:solidFill>
+                <a:effectLst/>
+                <a:latin typeface="Arial" charset="0"/>
+              </a:rPr>
+              <a:t>=</a:t>
+            </a:r>
+            <a:endParaRPr kumimoji="0" lang="ko-KR" altLang="en-US" sz="1400" b="0" i="0" u="none" strike="noStrike" cap="none" normalizeH="0" baseline="0" dirty="0" smtClean="0">
+              <a:ln>
+                <a:noFill/>
+              </a:ln>
+              <a:solidFill>
+                <a:schemeClr val="tx1"/>
+              </a:solidFill>
+              <a:effectLst/>
+              <a:latin typeface="Arial" charset="0"/>
+            </a:endParaRPr>
+          </a:p>
+        </p:txBody>
+      </p:sp>
+      <p:sp>
+        <p:nvSpPr>
+          <p:cNvPr id="15" name="직사각형 14"/>
+          <p:cNvSpPr/>
+          <p:nvPr/>
+        </p:nvSpPr>
+        <p:spPr bwMode="auto">
+          <a:xfrm>
+            <a:off x="3843908" y="1714330"/>
+            <a:ext cx="730189" cy="698960"/>
+          </a:xfrm>
+          <a:prstGeom prst="rect">
+            <a:avLst/>
+          </a:prstGeom>
+          <a:solidFill>
+            <a:schemeClr val="accent3">
+              <a:lumMod val="20000"/>
+              <a:lumOff val="80000"/>
+            </a:schemeClr>
+          </a:solidFill>
+          <a:ln w="9525" cap="flat" cmpd="sng" algn="ctr">
+            <a:solidFill>
+              <a:schemeClr val="accent3">
+                <a:lumMod val="75000"/>
+              </a:schemeClr>
+            </a:solidFill>
+            <a:prstDash val="solid"/>
+            <a:round/>
+            <a:headEnd type="none" w="med" len="med"/>
+            <a:tailEnd type="none" w="med" len="med"/>
+          </a:ln>
+          <a:effectLst/>
+        </p:spPr>
+        <p:txBody>
+          <a:bodyPr vert="horz" wrap="square" lIns="91440" tIns="45720" rIns="91440" bIns="45720" numCol="1" rtlCol="0" anchor="ctr" anchorCtr="0" compatLnSpc="1">
+            <a:prstTxWarp prst="textNoShape">
+              <a:avLst/>
+            </a:prstTxWarp>
+          </a:bodyPr>
+          <a:lstStyle/>
+          <a:p>
+            <a:pPr marL="0" marR="0" indent="0" algn="ctr" defTabSz="914400" rtl="0" eaLnBrk="1" fontAlgn="base" latinLnBrk="0" hangingPunct="1">
+              <a:lnSpc>
+                <a:spcPct val="100000"/>
+              </a:lnSpc>
+              <a:spcBef>
+                <a:spcPct val="0"/>
+              </a:spcBef>
+              <a:spcAft>
+                <a:spcPct val="0"/>
+              </a:spcAft>
+              <a:buClrTx/>
+              <a:buSzTx/>
+              <a:buFontTx/>
+              <a:buNone/>
+              <a:tabLst/>
+            </a:pPr>
+            <a:endParaRPr kumimoji="0" lang="ko-KR" altLang="en-US" sz="1400" b="0" i="0" u="none" strike="noStrike" cap="none" normalizeH="0" baseline="0" smtClean="0">
+              <a:ln>
+                <a:noFill/>
+              </a:ln>
+              <a:solidFill>
+                <a:schemeClr val="tx1"/>
+              </a:solidFill>
+              <a:effectLst/>
+              <a:latin typeface="Arial" charset="0"/>
+            </a:endParaRPr>
+          </a:p>
+        </p:txBody>
+      </p:sp>
+      <p:sp>
+        <p:nvSpPr>
+          <p:cNvPr id="16" name="직사각형 15"/>
+          <p:cNvSpPr/>
+          <p:nvPr/>
+        </p:nvSpPr>
+        <p:spPr bwMode="auto">
+          <a:xfrm>
+            <a:off x="6755725" y="2771869"/>
+            <a:ext cx="1152128" cy="1240472"/>
+          </a:xfrm>
+          <a:prstGeom prst="rect">
+            <a:avLst/>
+          </a:prstGeom>
+          <a:solidFill>
+            <a:schemeClr val="accent3">
+              <a:lumMod val="20000"/>
+              <a:lumOff val="80000"/>
+            </a:schemeClr>
+          </a:solidFill>
+          <a:ln w="9525" cap="flat" cmpd="sng" algn="ctr">
+            <a:solidFill>
+              <a:schemeClr val="accent3">
+                <a:lumMod val="75000"/>
+              </a:schemeClr>
+            </a:solidFill>
+            <a:prstDash val="solid"/>
+            <a:round/>
+            <a:headEnd type="none" w="med" len="med"/>
+            <a:tailEnd type="none" w="med" len="med"/>
+          </a:ln>
+          <a:effectLst/>
+        </p:spPr>
+        <p:txBody>
+          <a:bodyPr vert="horz" wrap="square" lIns="91440" tIns="45720" rIns="91440" bIns="45720" numCol="1" rtlCol="0" anchor="ctr" anchorCtr="0" compatLnSpc="1">
+            <a:prstTxWarp prst="textNoShape">
+              <a:avLst/>
+            </a:prstTxWarp>
+          </a:bodyPr>
+          <a:lstStyle/>
+          <a:p>
+            <a:pPr marL="0" marR="0" indent="0" algn="ctr" defTabSz="914400" rtl="0" eaLnBrk="1" fontAlgn="base" latinLnBrk="0" hangingPunct="1">
+              <a:lnSpc>
+                <a:spcPct val="100000"/>
+              </a:lnSpc>
+              <a:spcBef>
+                <a:spcPct val="0"/>
+              </a:spcBef>
+              <a:spcAft>
+                <a:spcPct val="0"/>
+              </a:spcAft>
+              <a:buClrTx/>
+              <a:buSzTx/>
+              <a:buFontTx/>
+              <a:buNone/>
+              <a:tabLst/>
+            </a:pPr>
+            <a:endParaRPr kumimoji="0" lang="ko-KR" altLang="en-US" sz="1400" b="0" i="0" u="none" strike="noStrike" cap="none" normalizeH="0" baseline="0" smtClean="0">
+              <a:ln>
+                <a:noFill/>
+              </a:ln>
+              <a:solidFill>
+                <a:schemeClr val="tx1"/>
+              </a:solidFill>
+              <a:effectLst/>
+              <a:latin typeface="Arial" charset="0"/>
+            </a:endParaRPr>
+          </a:p>
+        </p:txBody>
+      </p:sp>
+      <p:sp>
+        <p:nvSpPr>
+          <p:cNvPr id="17" name="타원 16"/>
+          <p:cNvSpPr/>
+          <p:nvPr/>
+        </p:nvSpPr>
+        <p:spPr bwMode="auto">
+          <a:xfrm>
+            <a:off x="7779400" y="3819958"/>
+            <a:ext cx="249237" cy="288032"/>
+          </a:xfrm>
+          <a:prstGeom prst="ellipse">
+            <a:avLst/>
+          </a:prstGeom>
+          <a:solidFill>
+            <a:schemeClr val="accent2">
+              <a:lumMod val="20000"/>
+              <a:lumOff val="80000"/>
+            </a:schemeClr>
+          </a:solidFill>
+          <a:ln w="9525" cap="flat" cmpd="sng" algn="ctr">
+            <a:solidFill>
+              <a:schemeClr val="accent3">
+                <a:lumMod val="75000"/>
+              </a:schemeClr>
+            </a:solidFill>
+            <a:prstDash val="solid"/>
+            <a:round/>
+            <a:headEnd type="none" w="med" len="med"/>
+            <a:tailEnd type="none" w="med" len="med"/>
+          </a:ln>
+          <a:effectLst/>
+        </p:spPr>
+        <p:txBody>
+          <a:bodyPr vert="horz" wrap="square" lIns="91440" tIns="45720" rIns="91440" bIns="45720" numCol="1" rtlCol="0" anchor="ctr" anchorCtr="0" compatLnSpc="1">
+            <a:prstTxWarp prst="textNoShape">
+              <a:avLst/>
+            </a:prstTxWarp>
+          </a:bodyPr>
+          <a:lstStyle/>
+          <a:p>
+            <a:pPr marL="0" marR="0" indent="0" algn="ctr" defTabSz="914400" rtl="0" eaLnBrk="1" fontAlgn="base" latinLnBrk="0" hangingPunct="1">
+              <a:lnSpc>
+                <a:spcPct val="100000"/>
+              </a:lnSpc>
+              <a:spcBef>
+                <a:spcPct val="0"/>
+              </a:spcBef>
+              <a:spcAft>
+                <a:spcPct val="0"/>
+              </a:spcAft>
+              <a:buClrTx/>
+              <a:buSzTx/>
+              <a:buFontTx/>
+              <a:buNone/>
+              <a:tabLst/>
+            </a:pPr>
+            <a:endParaRPr kumimoji="0" lang="ko-KR" altLang="en-US" sz="1400" b="0" i="0" u="none" strike="noStrike" cap="none" normalizeH="0" baseline="0" smtClean="0">
+              <a:ln>
+                <a:noFill/>
+              </a:ln>
+              <a:solidFill>
+                <a:schemeClr val="tx1"/>
+              </a:solidFill>
+              <a:effectLst/>
+              <a:latin typeface="Arial" charset="0"/>
+            </a:endParaRPr>
+          </a:p>
+        </p:txBody>
+      </p:sp>
+      <p:sp>
+        <p:nvSpPr>
+          <p:cNvPr id="18" name="타원 17"/>
+          <p:cNvSpPr/>
+          <p:nvPr/>
+        </p:nvSpPr>
+        <p:spPr bwMode="auto">
+          <a:xfrm>
+            <a:off x="6655868" y="2638988"/>
+            <a:ext cx="249237" cy="288032"/>
+          </a:xfrm>
+          <a:prstGeom prst="ellipse">
+            <a:avLst/>
+          </a:prstGeom>
+          <a:solidFill>
+            <a:schemeClr val="accent2">
+              <a:lumMod val="20000"/>
+              <a:lumOff val="80000"/>
+            </a:schemeClr>
+          </a:solidFill>
+          <a:ln w="9525" cap="flat" cmpd="sng" algn="ctr">
+            <a:solidFill>
+              <a:schemeClr val="accent3">
+                <a:lumMod val="75000"/>
+              </a:schemeClr>
+            </a:solidFill>
+            <a:prstDash val="solid"/>
+            <a:round/>
+            <a:headEnd type="none" w="med" len="med"/>
+            <a:tailEnd type="none" w="med" len="med"/>
+          </a:ln>
+          <a:effectLst/>
+        </p:spPr>
+        <p:txBody>
+          <a:bodyPr vert="horz" wrap="square" lIns="91440" tIns="45720" rIns="91440" bIns="45720" numCol="1" rtlCol="0" anchor="ctr" anchorCtr="0" compatLnSpc="1">
+            <a:prstTxWarp prst="textNoShape">
+              <a:avLst/>
+            </a:prstTxWarp>
+          </a:bodyPr>
+          <a:lstStyle/>
+          <a:p>
+            <a:pPr marL="0" marR="0" indent="0" algn="ctr" defTabSz="914400" rtl="0" eaLnBrk="1" fontAlgn="base" latinLnBrk="0" hangingPunct="1">
+              <a:lnSpc>
+                <a:spcPct val="100000"/>
+              </a:lnSpc>
+              <a:spcBef>
+                <a:spcPct val="0"/>
+              </a:spcBef>
+              <a:spcAft>
+                <a:spcPct val="0"/>
+              </a:spcAft>
+              <a:buClrTx/>
+              <a:buSzTx/>
+              <a:buFontTx/>
+              <a:buNone/>
+              <a:tabLst/>
+            </a:pPr>
+            <a:endParaRPr kumimoji="0" lang="ko-KR" altLang="en-US" sz="1400" b="0" i="0" u="none" strike="noStrike" cap="none" normalizeH="0" baseline="0" smtClean="0">
+              <a:ln>
+                <a:noFill/>
+              </a:ln>
+              <a:solidFill>
+                <a:schemeClr val="tx1"/>
+              </a:solidFill>
+              <a:effectLst/>
+              <a:latin typeface="Arial" charset="0"/>
+            </a:endParaRPr>
+          </a:p>
+        </p:txBody>
+      </p:sp>
+      <p:sp>
+        <p:nvSpPr>
+          <p:cNvPr id="19" name="타원 18"/>
+          <p:cNvSpPr/>
+          <p:nvPr/>
+        </p:nvSpPr>
+        <p:spPr bwMode="auto">
+          <a:xfrm>
+            <a:off x="7784043" y="3191082"/>
+            <a:ext cx="249237" cy="288032"/>
+          </a:xfrm>
+          <a:prstGeom prst="ellipse">
+            <a:avLst/>
+          </a:prstGeom>
+          <a:solidFill>
+            <a:schemeClr val="accent5">
+              <a:lumMod val="20000"/>
+              <a:lumOff val="80000"/>
+            </a:schemeClr>
+          </a:solidFill>
+          <a:ln w="9525" cap="flat" cmpd="sng" algn="ctr">
+            <a:solidFill>
+              <a:schemeClr val="accent3">
+                <a:lumMod val="75000"/>
+              </a:schemeClr>
+            </a:solidFill>
+            <a:prstDash val="solid"/>
+            <a:round/>
+            <a:headEnd type="none" w="med" len="med"/>
+            <a:tailEnd type="none" w="med" len="med"/>
+          </a:ln>
+          <a:effectLst/>
+        </p:spPr>
+        <p:txBody>
+          <a:bodyPr vert="horz" wrap="square" lIns="91440" tIns="45720" rIns="91440" bIns="45720" numCol="1" rtlCol="0" anchor="ctr" anchorCtr="0" compatLnSpc="1">
+            <a:prstTxWarp prst="textNoShape">
+              <a:avLst/>
+            </a:prstTxWarp>
+          </a:bodyPr>
+          <a:lstStyle/>
+          <a:p>
+            <a:pPr marL="0" marR="0" indent="0" algn="ctr" defTabSz="914400" rtl="0" eaLnBrk="1" fontAlgn="base" latinLnBrk="0" hangingPunct="1">
+              <a:lnSpc>
+                <a:spcPct val="100000"/>
+              </a:lnSpc>
+              <a:spcBef>
+                <a:spcPct val="0"/>
+              </a:spcBef>
+              <a:spcAft>
+                <a:spcPct val="0"/>
+              </a:spcAft>
+              <a:buClrTx/>
+              <a:buSzTx/>
+              <a:buFontTx/>
+              <a:buNone/>
+              <a:tabLst/>
+            </a:pPr>
+            <a:endParaRPr kumimoji="0" lang="ko-KR" altLang="en-US" sz="1400" b="0" i="0" u="none" strike="noStrike" cap="none" normalizeH="0" baseline="0" smtClean="0">
+              <a:ln>
+                <a:noFill/>
+              </a:ln>
+              <a:solidFill>
+                <a:schemeClr val="tx1"/>
+              </a:solidFill>
+              <a:effectLst/>
+              <a:latin typeface="Arial" charset="0"/>
+            </a:endParaRPr>
+          </a:p>
+        </p:txBody>
+      </p:sp>
+      <p:sp>
+        <p:nvSpPr>
+          <p:cNvPr id="20" name="타원 19"/>
+          <p:cNvSpPr/>
+          <p:nvPr/>
+        </p:nvSpPr>
+        <p:spPr bwMode="auto">
+          <a:xfrm>
+            <a:off x="6631106" y="3191082"/>
+            <a:ext cx="249237" cy="288032"/>
+          </a:xfrm>
+          <a:prstGeom prst="ellipse">
+            <a:avLst/>
+          </a:prstGeom>
+          <a:solidFill>
+            <a:schemeClr val="accent5">
+              <a:lumMod val="20000"/>
+              <a:lumOff val="80000"/>
+            </a:schemeClr>
+          </a:solidFill>
+          <a:ln w="9525" cap="flat" cmpd="sng" algn="ctr">
+            <a:solidFill>
+              <a:schemeClr val="accent3">
+                <a:lumMod val="75000"/>
+              </a:schemeClr>
+            </a:solidFill>
+            <a:prstDash val="solid"/>
+            <a:round/>
+            <a:headEnd type="none" w="med" len="med"/>
+            <a:tailEnd type="none" w="med" len="med"/>
+          </a:ln>
+          <a:effectLst/>
+        </p:spPr>
+        <p:txBody>
+          <a:bodyPr vert="horz" wrap="square" lIns="91440" tIns="45720" rIns="91440" bIns="45720" numCol="1" rtlCol="0" anchor="ctr" anchorCtr="0" compatLnSpc="1">
+            <a:prstTxWarp prst="textNoShape">
+              <a:avLst/>
+            </a:prstTxWarp>
+          </a:bodyPr>
+          <a:lstStyle/>
+          <a:p>
+            <a:pPr marL="0" marR="0" indent="0" algn="ctr" defTabSz="914400" rtl="0" eaLnBrk="1" fontAlgn="base" latinLnBrk="0" hangingPunct="1">
+              <a:lnSpc>
+                <a:spcPct val="100000"/>
+              </a:lnSpc>
+              <a:spcBef>
+                <a:spcPct val="0"/>
+              </a:spcBef>
+              <a:spcAft>
+                <a:spcPct val="0"/>
+              </a:spcAft>
+              <a:buClrTx/>
+              <a:buSzTx/>
+              <a:buFontTx/>
+              <a:buNone/>
+              <a:tabLst/>
+            </a:pPr>
+            <a:endParaRPr kumimoji="0" lang="ko-KR" altLang="en-US" sz="1400" b="0" i="0" u="none" strike="noStrike" cap="none" normalizeH="0" baseline="0" smtClean="0">
+              <a:ln>
+                <a:noFill/>
+              </a:ln>
+              <a:solidFill>
+                <a:schemeClr val="tx1"/>
+              </a:solidFill>
+              <a:effectLst/>
+              <a:latin typeface="Arial" charset="0"/>
+            </a:endParaRPr>
+          </a:p>
+        </p:txBody>
+      </p:sp>
+      <p:sp>
+        <p:nvSpPr>
+          <p:cNvPr id="21" name="타원 20"/>
+          <p:cNvSpPr/>
+          <p:nvPr/>
+        </p:nvSpPr>
+        <p:spPr bwMode="auto">
+          <a:xfrm>
+            <a:off x="8167863" y="4324014"/>
+            <a:ext cx="249237" cy="288032"/>
+          </a:xfrm>
+          <a:prstGeom prst="ellipse">
+            <a:avLst/>
+          </a:prstGeom>
+          <a:solidFill>
+            <a:schemeClr val="accent2">
+              <a:lumMod val="20000"/>
+              <a:lumOff val="80000"/>
+            </a:schemeClr>
+          </a:solidFill>
+          <a:ln w="9525" cap="flat" cmpd="sng" algn="ctr">
+            <a:solidFill>
+              <a:schemeClr val="accent3">
+                <a:lumMod val="75000"/>
+              </a:schemeClr>
+            </a:solidFill>
+            <a:prstDash val="solid"/>
+            <a:round/>
+            <a:headEnd type="none" w="med" len="med"/>
+            <a:tailEnd type="none" w="med" len="med"/>
+          </a:ln>
+          <a:effectLst/>
+        </p:spPr>
+        <p:txBody>
+          <a:bodyPr vert="horz" wrap="square" lIns="91440" tIns="45720" rIns="91440" bIns="45720" numCol="1" rtlCol="0" anchor="ctr" anchorCtr="0" compatLnSpc="1">
+            <a:prstTxWarp prst="textNoShape">
+              <a:avLst/>
+            </a:prstTxWarp>
+          </a:bodyPr>
+          <a:lstStyle/>
+          <a:p>
+            <a:pPr marL="0" marR="0" indent="0" algn="ctr" defTabSz="914400" rtl="0" eaLnBrk="1" fontAlgn="base" latinLnBrk="0" hangingPunct="1">
+              <a:lnSpc>
+                <a:spcPct val="100000"/>
+              </a:lnSpc>
+              <a:spcBef>
+                <a:spcPct val="0"/>
+              </a:spcBef>
+              <a:spcAft>
+                <a:spcPct val="0"/>
+              </a:spcAft>
+              <a:buClrTx/>
+              <a:buSzTx/>
+              <a:buFontTx/>
+              <a:buNone/>
+              <a:tabLst/>
+            </a:pPr>
+            <a:endParaRPr kumimoji="0" lang="ko-KR" altLang="en-US" sz="1400" b="0" i="0" u="none" strike="noStrike" cap="none" normalizeH="0" baseline="0" smtClean="0">
+              <a:ln>
+                <a:noFill/>
+              </a:ln>
+              <a:solidFill>
+                <a:schemeClr val="tx1"/>
+              </a:solidFill>
+              <a:effectLst/>
+              <a:latin typeface="Arial" charset="0"/>
+            </a:endParaRPr>
+          </a:p>
+        </p:txBody>
+      </p:sp>
+      <p:cxnSp>
+        <p:nvCxnSpPr>
+          <p:cNvPr id="23" name="직선 화살표 연결선 22"/>
+          <p:cNvCxnSpPr>
+            <a:stCxn id="17" idx="5"/>
+          </p:cNvCxnSpPr>
+          <p:nvPr/>
+        </p:nvCxnSpPr>
+        <p:spPr bwMode="auto">
+          <a:xfrm>
+            <a:off x="7992137" y="4065809"/>
+            <a:ext cx="180516" cy="186197"/>
+          </a:xfrm>
+          <a:prstGeom prst="straightConnector1">
+            <a:avLst/>
+          </a:prstGeom>
+          <a:solidFill>
+            <a:schemeClr val="accent1"/>
+          </a:solidFill>
+          <a:ln w="9525" cap="flat" cmpd="sng" algn="ctr">
+            <a:solidFill>
+              <a:schemeClr val="tx1"/>
+            </a:solidFill>
+            <a:prstDash val="solid"/>
+            <a:round/>
+            <a:headEnd type="none" w="med" len="med"/>
+            <a:tailEnd type="triangle"/>
+          </a:ln>
+          <a:effectLst/>
+          <a:extLst>
+            <a:ext uri="{AF507438-7753-43E0-B8FC-AC1667EBCBE1}">
+              <a14:hiddenEffects xmlns:a14="http://schemas.microsoft.com/office/drawing/2010/main">
+                <a:effectLst>
+                  <a:outerShdw dist="35921" dir="2700000" algn="ctr" rotWithShape="0">
+                    <a:schemeClr val="bg2"/>
+                  </a:outerShdw>
+                </a:effectLst>
+              </a14:hiddenEffects>
+            </a:ext>
+          </a:extLst>
+        </p:spPr>
+      </p:cxnSp>
+      <p:sp>
+        <p:nvSpPr>
+          <p:cNvPr id="25" name="왼쪽 중괄호 24"/>
+          <p:cNvSpPr/>
+          <p:nvPr/>
+        </p:nvSpPr>
+        <p:spPr bwMode="auto">
+          <a:xfrm>
+            <a:off x="6226896" y="2771868"/>
+            <a:ext cx="308385" cy="1240474"/>
+          </a:xfrm>
+          <a:prstGeom prst="leftBrace">
+            <a:avLst/>
+          </a:prstGeom>
+          <a:solidFill>
+            <a:schemeClr val="accent1"/>
+          </a:solidFill>
+          <a:ln w="9525" cap="flat" cmpd="sng" algn="ctr">
+            <a:solidFill>
+              <a:schemeClr val="tx1"/>
+            </a:solidFill>
+            <a:prstDash val="solid"/>
+            <a:round/>
+            <a:headEnd type="none" w="med" len="med"/>
+            <a:tailEnd type="none" w="med" len="med"/>
+          </a:ln>
+          <a:effectLst/>
+          <a:extLst>
+            <a:ext uri="{AF507438-7753-43E0-B8FC-AC1667EBCBE1}">
+              <a14:hiddenEffects xmlns:a14="http://schemas.microsoft.com/office/drawing/2010/main">
+                <a:effectLst>
+                  <a:outerShdw dist="35921" dir="2700000" algn="ctr" rotWithShape="0">
+                    <a:schemeClr val="bg2"/>
+                  </a:outerShdw>
+                </a:effectLst>
+              </a14:hiddenEffects>
+            </a:ext>
+          </a:extLst>
+        </p:spPr>
+        <p:txBody>
+          <a:bodyPr vert="horz" wrap="square" lIns="91440" tIns="45720" rIns="91440" bIns="45720" numCol="1" rtlCol="0" anchor="t" anchorCtr="0" compatLnSpc="1">
+            <a:prstTxWarp prst="textNoShape">
+              <a:avLst/>
+            </a:prstTxWarp>
+          </a:bodyPr>
+          <a:lstStyle/>
+          <a:p>
+            <a:pPr marL="0" marR="0" indent="0" algn="l" defTabSz="914400" rtl="0" eaLnBrk="1" fontAlgn="base" latinLnBrk="0" hangingPunct="1">
+              <a:lnSpc>
+                <a:spcPct val="100000"/>
+              </a:lnSpc>
+              <a:spcBef>
+                <a:spcPct val="0"/>
+              </a:spcBef>
+              <a:spcAft>
+                <a:spcPct val="0"/>
+              </a:spcAft>
+              <a:buClrTx/>
+              <a:buSzTx/>
+              <a:buFontTx/>
+              <a:buNone/>
+              <a:tabLst/>
+            </a:pPr>
+            <a:endParaRPr kumimoji="0" lang="ko-KR" altLang="en-US" sz="2400" b="0" i="0" u="none" strike="noStrike" cap="none" normalizeH="0" baseline="0" smtClean="0">
+              <a:ln>
+                <a:noFill/>
+              </a:ln>
+              <a:solidFill>
+                <a:schemeClr val="tx1"/>
+              </a:solidFill>
+              <a:effectLst/>
+              <a:latin typeface="Arial" charset="0"/>
+            </a:endParaRPr>
+          </a:p>
+        </p:txBody>
+      </p:sp>
+      <p:sp>
+        <p:nvSpPr>
+          <p:cNvPr id="26" name="왼쪽 중괄호 25"/>
+          <p:cNvSpPr/>
+          <p:nvPr/>
+        </p:nvSpPr>
+        <p:spPr bwMode="auto">
+          <a:xfrm>
+            <a:off x="5743349" y="2787738"/>
+            <a:ext cx="236220" cy="1752299"/>
+          </a:xfrm>
+          <a:prstGeom prst="leftBrace">
+            <a:avLst/>
+          </a:prstGeom>
+          <a:solidFill>
+            <a:schemeClr val="accent1"/>
+          </a:solidFill>
+          <a:ln w="9525" cap="flat" cmpd="sng" algn="ctr">
+            <a:solidFill>
+              <a:schemeClr val="tx1"/>
+            </a:solidFill>
+            <a:prstDash val="solid"/>
+            <a:round/>
+            <a:headEnd type="none" w="med" len="med"/>
+            <a:tailEnd type="none" w="med" len="med"/>
+          </a:ln>
+          <a:effectLst/>
+          <a:extLst>
+            <a:ext uri="{AF507438-7753-43E0-B8FC-AC1667EBCBE1}">
+              <a14:hiddenEffects xmlns:a14="http://schemas.microsoft.com/office/drawing/2010/main">
+                <a:effectLst>
+                  <a:outerShdw dist="35921" dir="2700000" algn="ctr" rotWithShape="0">
+                    <a:schemeClr val="bg2"/>
+                  </a:outerShdw>
+                </a:effectLst>
+              </a14:hiddenEffects>
+            </a:ext>
+          </a:extLst>
+        </p:spPr>
+        <p:txBody>
+          <a:bodyPr vert="horz" wrap="square" lIns="91440" tIns="45720" rIns="91440" bIns="45720" numCol="1" rtlCol="0" anchor="t" anchorCtr="0" compatLnSpc="1">
+            <a:prstTxWarp prst="textNoShape">
+              <a:avLst/>
+            </a:prstTxWarp>
+          </a:bodyPr>
+          <a:lstStyle/>
+          <a:p>
+            <a:pPr marL="0" marR="0" indent="0" algn="l" defTabSz="914400" rtl="0" eaLnBrk="1" fontAlgn="base" latinLnBrk="0" hangingPunct="1">
+              <a:lnSpc>
+                <a:spcPct val="100000"/>
+              </a:lnSpc>
+              <a:spcBef>
+                <a:spcPct val="0"/>
+              </a:spcBef>
+              <a:spcAft>
+                <a:spcPct val="0"/>
+              </a:spcAft>
+              <a:buClrTx/>
+              <a:buSzTx/>
+              <a:buFontTx/>
+              <a:buNone/>
+              <a:tabLst/>
+            </a:pPr>
+            <a:endParaRPr kumimoji="0" lang="ko-KR" altLang="en-US" sz="2400" b="0" i="0" u="none" strike="noStrike" cap="none" normalizeH="0" baseline="0" smtClean="0">
+              <a:ln>
+                <a:noFill/>
+              </a:ln>
+              <a:solidFill>
+                <a:schemeClr val="tx1"/>
+              </a:solidFill>
+              <a:effectLst/>
+              <a:latin typeface="Arial" charset="0"/>
+            </a:endParaRPr>
+          </a:p>
+        </p:txBody>
+      </p:sp>
+      <p:sp>
+        <p:nvSpPr>
+          <p:cNvPr id="27" name="타원 26"/>
+          <p:cNvSpPr/>
+          <p:nvPr/>
+        </p:nvSpPr>
+        <p:spPr bwMode="auto">
+          <a:xfrm>
+            <a:off x="5876099" y="3116123"/>
+            <a:ext cx="542351" cy="551964"/>
+          </a:xfrm>
+          <a:prstGeom prst="ellipse">
+            <a:avLst/>
+          </a:prstGeom>
+          <a:noFill/>
+          <a:ln w="9525" cap="flat" cmpd="sng" algn="ctr">
+            <a:noFill/>
+            <a:prstDash val="solid"/>
+            <a:round/>
+            <a:headEnd type="none" w="med" len="med"/>
+            <a:tailEnd type="none" w="med" len="med"/>
+          </a:ln>
+          <a:effectLst/>
+        </p:spPr>
+        <p:txBody>
+          <a:bodyPr vert="horz" wrap="square" lIns="91440" tIns="45720" rIns="91440" bIns="45720" numCol="1" rtlCol="0" anchor="ctr" anchorCtr="0" compatLnSpc="1">
+            <a:prstTxWarp prst="textNoShape">
+              <a:avLst/>
+            </a:prstTxWarp>
+          </a:bodyPr>
+          <a:lstStyle/>
+          <a:p>
+            <a:pPr marL="0" marR="0" indent="0" algn="ctr" defTabSz="914400" rtl="0" eaLnBrk="1" fontAlgn="base" latinLnBrk="0" hangingPunct="1">
+              <a:lnSpc>
+                <a:spcPct val="100000"/>
+              </a:lnSpc>
+              <a:spcBef>
+                <a:spcPct val="0"/>
+              </a:spcBef>
+              <a:spcAft>
+                <a:spcPct val="0"/>
+              </a:spcAft>
+              <a:buClrTx/>
+              <a:buSzTx/>
+              <a:buFontTx/>
+              <a:buNone/>
+              <a:tabLst/>
+            </a:pPr>
+            <a:r>
+              <a:rPr kumimoji="0" lang="en-US" altLang="ko-KR" sz="1400" b="0" i="0" u="none" strike="noStrike" cap="none" normalizeH="0" baseline="0" dirty="0" smtClean="0">
+                <a:ln>
+                  <a:noFill/>
+                </a:ln>
+                <a:solidFill>
+                  <a:schemeClr val="tx1"/>
+                </a:solidFill>
+                <a:effectLst/>
+                <a:latin typeface="Arial" charset="0"/>
+              </a:rPr>
+              <a:t>h1</a:t>
+            </a:r>
+            <a:endParaRPr kumimoji="0" lang="ko-KR" altLang="en-US" sz="1400" b="0" i="0" u="none" strike="noStrike" cap="none" normalizeH="0" baseline="0" dirty="0" smtClean="0">
+              <a:ln>
+                <a:noFill/>
+              </a:ln>
+              <a:solidFill>
+                <a:schemeClr val="tx1"/>
+              </a:solidFill>
+              <a:effectLst/>
+              <a:latin typeface="Arial" charset="0"/>
+            </a:endParaRPr>
+          </a:p>
+        </p:txBody>
+      </p:sp>
+      <p:sp>
+        <p:nvSpPr>
+          <p:cNvPr id="28" name="타원 27"/>
+          <p:cNvSpPr/>
+          <p:nvPr/>
+        </p:nvSpPr>
+        <p:spPr bwMode="auto">
+          <a:xfrm>
+            <a:off x="5316891" y="3335098"/>
+            <a:ext cx="542351" cy="551964"/>
+          </a:xfrm>
+          <a:prstGeom prst="ellipse">
+            <a:avLst/>
+          </a:prstGeom>
+          <a:noFill/>
+          <a:ln w="9525" cap="flat" cmpd="sng" algn="ctr">
+            <a:noFill/>
+            <a:prstDash val="solid"/>
+            <a:round/>
+            <a:headEnd type="none" w="med" len="med"/>
+            <a:tailEnd type="none" w="med" len="med"/>
+          </a:ln>
+          <a:effectLst/>
+        </p:spPr>
+        <p:txBody>
+          <a:bodyPr vert="horz" wrap="square" lIns="91440" tIns="45720" rIns="91440" bIns="45720" numCol="1" rtlCol="0" anchor="ctr" anchorCtr="0" compatLnSpc="1">
+            <a:prstTxWarp prst="textNoShape">
+              <a:avLst/>
+            </a:prstTxWarp>
+          </a:bodyPr>
+          <a:lstStyle/>
+          <a:p>
+            <a:pPr marL="0" marR="0" indent="0" algn="ctr" defTabSz="914400" rtl="0" eaLnBrk="1" fontAlgn="base" latinLnBrk="0" hangingPunct="1">
+              <a:lnSpc>
+                <a:spcPct val="100000"/>
+              </a:lnSpc>
+              <a:spcBef>
+                <a:spcPct val="0"/>
+              </a:spcBef>
+              <a:spcAft>
+                <a:spcPct val="0"/>
+              </a:spcAft>
+              <a:buClrTx/>
+              <a:buSzTx/>
+              <a:buFontTx/>
+              <a:buNone/>
+              <a:tabLst/>
+            </a:pPr>
+            <a:r>
+              <a:rPr kumimoji="0" lang="en-US" altLang="ko-KR" sz="1400" b="0" i="0" u="none" strike="noStrike" cap="none" normalizeH="0" baseline="0" dirty="0" smtClean="0">
+                <a:ln>
+                  <a:noFill/>
+                </a:ln>
+                <a:solidFill>
+                  <a:schemeClr val="tx1"/>
+                </a:solidFill>
+                <a:effectLst/>
+                <a:latin typeface="Arial" charset="0"/>
+              </a:rPr>
+              <a:t>h2</a:t>
+            </a:r>
+            <a:endParaRPr kumimoji="0" lang="ko-KR" altLang="en-US" sz="1400" b="0" i="0" u="none" strike="noStrike" cap="none" normalizeH="0" baseline="0" dirty="0" smtClean="0">
+              <a:ln>
+                <a:noFill/>
+              </a:ln>
+              <a:solidFill>
+                <a:schemeClr val="tx1"/>
+              </a:solidFill>
+              <a:effectLst/>
+              <a:latin typeface="Arial" charset="0"/>
+            </a:endParaRPr>
+          </a:p>
+        </p:txBody>
+      </p:sp>
+    </p:spTree>
+    <p:extLst>
+      <p:ext uri="{BB962C8B-B14F-4D97-AF65-F5344CB8AC3E}">
+        <p14:creationId xmlns:p14="http://schemas.microsoft.com/office/powerpoint/2010/main" val="2979360829"/>
+      </p:ext>
+    </p:extLst>
+  </p:cSld>
+  <p:clrMapOvr>
+    <a:masterClrMapping/>
+  </p:clrMapOvr>
+</p:sld>
+</file>
+
+<file path=ppt/slides/slide37.xml><?xml version="1.0" encoding="utf-8"?>
+<p:sld xmlns:a="http://schemas.openxmlformats.org/drawingml/2006/main" xmlns:r="http://schemas.openxmlformats.org/officeDocument/2006/relationships" xmlns:p="http://schemas.openxmlformats.org/presentationml/2006/main">
+  <p:cSld>
+    <p:spTree>
+      <p:nvGrpSpPr>
+        <p:cNvPr id="1" name=""/>
+        <p:cNvGrpSpPr/>
+        <p:nvPr/>
+      </p:nvGrpSpPr>
+      <p:grpSpPr>
+        <a:xfrm>
+          <a:off x="0" y="0"/>
+          <a:ext cx="0" cy="0"/>
+          <a:chOff x="0" y="0"/>
+          <a:chExt cx="0" cy="0"/>
+        </a:xfrm>
+      </p:grpSpPr>
+      <p:sp>
+        <p:nvSpPr>
+          <p:cNvPr id="2" name="내용 개체 틀 1"/>
+          <p:cNvSpPr>
+            <a:spLocks noGrp="1"/>
+          </p:cNvSpPr>
+          <p:nvPr>
+            <p:ph sz="half" idx="1"/>
+          </p:nvPr>
+        </p:nvSpPr>
+        <p:spPr/>
+        <p:txBody>
+          <a:bodyPr/>
+          <a:lstStyle/>
+          <a:p>
+            <a:r>
+              <a:rPr lang="en-US" altLang="ko-KR" dirty="0" smtClean="0"/>
+              <a:t>Refactoring</a:t>
+            </a:r>
+          </a:p>
+          <a:p>
+            <a:pPr lvl="1"/>
+            <a:r>
+              <a:rPr lang="en-US" altLang="ko-KR" dirty="0" smtClean="0"/>
+              <a:t>Polymorphic Shape</a:t>
+            </a:r>
+          </a:p>
+          <a:p>
+            <a:pPr lvl="1"/>
+            <a:r>
+              <a:rPr lang="en-US" altLang="ko-KR" dirty="0" smtClean="0"/>
+              <a:t>Polymorphic Transformer</a:t>
+            </a:r>
+            <a:endParaRPr lang="ko-KR" altLang="en-US" dirty="0"/>
+          </a:p>
+        </p:txBody>
+      </p:sp>
+      <p:sp>
+        <p:nvSpPr>
+          <p:cNvPr id="3" name="내용 개체 틀 2"/>
+          <p:cNvSpPr>
+            <a:spLocks noGrp="1"/>
+          </p:cNvSpPr>
+          <p:nvPr>
+            <p:ph sz="half" idx="2"/>
+          </p:nvPr>
+        </p:nvSpPr>
+        <p:spPr/>
+        <p:txBody>
+          <a:bodyPr/>
+          <a:lstStyle/>
+          <a:p>
+            <a:endParaRPr lang="ko-KR" altLang="en-US"/>
+          </a:p>
+        </p:txBody>
+      </p:sp>
+      <p:sp>
+        <p:nvSpPr>
+          <p:cNvPr id="4" name="바닥글 개체 틀 3"/>
+          <p:cNvSpPr>
+            <a:spLocks noGrp="1"/>
+          </p:cNvSpPr>
+          <p:nvPr>
+            <p:ph type="ftr" sz="quarter" idx="10"/>
+          </p:nvPr>
+        </p:nvSpPr>
+        <p:spPr/>
+        <p:txBody>
+          <a:bodyPr/>
+          <a:lstStyle/>
+          <a:p>
+            <a:pPr>
+              <a:buFont typeface="맑은 고딕" panose="020B0503020000020004" pitchFamily="50" charset="-127"/>
+              <a:buChar char="ⓒ"/>
+            </a:pPr>
+            <a:r>
+              <a:rPr lang="en-US" altLang="ko-KR" smtClean="0"/>
+              <a:t>Sungwoon Choi 2021</a:t>
+            </a:r>
+            <a:endParaRPr lang="en-US" altLang="ko-KR" dirty="0"/>
+          </a:p>
+        </p:txBody>
+      </p:sp>
+      <p:sp>
+        <p:nvSpPr>
+          <p:cNvPr id="5" name="슬라이드 번호 개체 틀 4"/>
+          <p:cNvSpPr>
+            <a:spLocks noGrp="1"/>
+          </p:cNvSpPr>
+          <p:nvPr>
+            <p:ph type="sldNum" sz="quarter" idx="11"/>
+          </p:nvPr>
+        </p:nvSpPr>
+        <p:spPr/>
+        <p:txBody>
+          <a:bodyPr/>
+          <a:lstStyle/>
+          <a:p>
+            <a:fld id="{AA4216F1-165B-4DFF-BD92-3D8E849D7D48}" type="slidenum">
+              <a:rPr lang="en-US" altLang="ko-KR" smtClean="0"/>
+              <a:pPr/>
+              <a:t>37</a:t>
+            </a:fld>
+            <a:endParaRPr lang="en-US" altLang="ko-KR" dirty="0"/>
+          </a:p>
+        </p:txBody>
+      </p:sp>
+      <p:sp>
+        <p:nvSpPr>
+          <p:cNvPr id="6" name="직사각형 5"/>
+          <p:cNvSpPr/>
+          <p:nvPr/>
+        </p:nvSpPr>
+        <p:spPr bwMode="auto">
+          <a:xfrm>
+            <a:off x="1042789" y="1720180"/>
+            <a:ext cx="915910" cy="1259450"/>
+          </a:xfrm>
+          <a:prstGeom prst="rect">
+            <a:avLst/>
+          </a:prstGeom>
+          <a:solidFill>
+            <a:schemeClr val="accent3">
+              <a:lumMod val="20000"/>
+              <a:lumOff val="80000"/>
+            </a:schemeClr>
+          </a:solidFill>
+          <a:ln w="9525" cap="flat" cmpd="sng" algn="ctr">
+            <a:solidFill>
+              <a:schemeClr val="accent3">
+                <a:lumMod val="75000"/>
+              </a:schemeClr>
+            </a:solidFill>
+            <a:prstDash val="solid"/>
+            <a:round/>
+            <a:headEnd type="none" w="med" len="med"/>
+            <a:tailEnd type="none" w="med" len="med"/>
+          </a:ln>
+          <a:effectLst/>
+        </p:spPr>
+        <p:txBody>
+          <a:bodyPr vert="horz" wrap="square" lIns="91440" tIns="45720" rIns="91440" bIns="45720" numCol="1" rtlCol="0" anchor="ctr" anchorCtr="0" compatLnSpc="1">
+            <a:prstTxWarp prst="textNoShape">
+              <a:avLst/>
+            </a:prstTxWarp>
+          </a:bodyPr>
+          <a:lstStyle/>
+          <a:p>
+            <a:pPr marL="0" marR="0" indent="0" algn="ctr" defTabSz="914400" rtl="0" eaLnBrk="1" fontAlgn="base" latinLnBrk="0" hangingPunct="1">
+              <a:lnSpc>
+                <a:spcPct val="100000"/>
+              </a:lnSpc>
+              <a:spcBef>
+                <a:spcPct val="0"/>
+              </a:spcBef>
+              <a:spcAft>
+                <a:spcPct val="0"/>
+              </a:spcAft>
+              <a:buClrTx/>
+              <a:buSzTx/>
+              <a:buFontTx/>
+              <a:buNone/>
+              <a:tabLst/>
+            </a:pPr>
+            <a:endParaRPr kumimoji="0" lang="ko-KR" altLang="en-US" sz="1400" b="0" i="0" u="none" strike="noStrike" cap="none" normalizeH="0" baseline="0" smtClean="0">
+              <a:ln>
+                <a:noFill/>
+              </a:ln>
+              <a:solidFill>
+                <a:schemeClr val="tx1"/>
+              </a:solidFill>
+              <a:effectLst/>
+              <a:latin typeface="Arial" charset="0"/>
+            </a:endParaRPr>
+          </a:p>
+        </p:txBody>
+      </p:sp>
+      <p:sp>
+        <p:nvSpPr>
+          <p:cNvPr id="7" name="타원 6"/>
+          <p:cNvSpPr/>
+          <p:nvPr/>
+        </p:nvSpPr>
+        <p:spPr bwMode="auto">
+          <a:xfrm>
+            <a:off x="2122909" y="1720180"/>
+            <a:ext cx="999174" cy="1259450"/>
+          </a:xfrm>
+          <a:prstGeom prst="ellipse">
+            <a:avLst/>
+          </a:prstGeom>
+          <a:solidFill>
+            <a:schemeClr val="accent3">
+              <a:lumMod val="20000"/>
+              <a:lumOff val="80000"/>
+            </a:schemeClr>
+          </a:solidFill>
+          <a:ln w="9525" cap="flat" cmpd="sng" algn="ctr">
+            <a:solidFill>
+              <a:schemeClr val="accent3">
+                <a:lumMod val="75000"/>
+              </a:schemeClr>
+            </a:solidFill>
+            <a:prstDash val="solid"/>
+            <a:round/>
+            <a:headEnd type="none" w="med" len="med"/>
+            <a:tailEnd type="none" w="med" len="med"/>
+          </a:ln>
+          <a:effectLst/>
+        </p:spPr>
+        <p:txBody>
+          <a:bodyPr vert="horz" wrap="square" lIns="91440" tIns="45720" rIns="91440" bIns="45720" numCol="1" rtlCol="0" anchor="ctr" anchorCtr="0" compatLnSpc="1">
+            <a:prstTxWarp prst="textNoShape">
+              <a:avLst/>
+            </a:prstTxWarp>
+          </a:bodyPr>
+          <a:lstStyle/>
+          <a:p>
+            <a:pPr marL="0" marR="0" indent="0" algn="ctr" defTabSz="914400" rtl="0" eaLnBrk="1" fontAlgn="base" latinLnBrk="0" hangingPunct="1">
+              <a:lnSpc>
+                <a:spcPct val="100000"/>
+              </a:lnSpc>
+              <a:spcBef>
+                <a:spcPct val="0"/>
+              </a:spcBef>
+              <a:spcAft>
+                <a:spcPct val="0"/>
+              </a:spcAft>
+              <a:buClrTx/>
+              <a:buSzTx/>
+              <a:buFontTx/>
+              <a:buNone/>
+              <a:tabLst/>
+            </a:pPr>
+            <a:endParaRPr kumimoji="0" lang="ko-KR" altLang="en-US" sz="1400" b="0" i="0" u="none" strike="noStrike" cap="none" normalizeH="0" baseline="0" smtClean="0">
+              <a:ln>
+                <a:noFill/>
+              </a:ln>
+              <a:solidFill>
+                <a:schemeClr val="tx1"/>
+              </a:solidFill>
+              <a:effectLst/>
+              <a:latin typeface="Arial" charset="0"/>
+            </a:endParaRPr>
+          </a:p>
+        </p:txBody>
+      </p:sp>
+      <p:sp>
+        <p:nvSpPr>
+          <p:cNvPr id="8" name="자유형 7"/>
+          <p:cNvSpPr/>
+          <p:nvPr/>
+        </p:nvSpPr>
+        <p:spPr bwMode="auto">
+          <a:xfrm>
+            <a:off x="3195484" y="1799302"/>
+            <a:ext cx="943649" cy="1217021"/>
+          </a:xfrm>
+          <a:custGeom>
+            <a:avLst/>
+            <a:gdLst>
+              <a:gd name="connsiteX0" fmla="*/ 186813 w 816077"/>
+              <a:gd name="connsiteY0" fmla="*/ 0 h 904568"/>
+              <a:gd name="connsiteX1" fmla="*/ 786581 w 816077"/>
+              <a:gd name="connsiteY1" fmla="*/ 9832 h 904568"/>
+              <a:gd name="connsiteX2" fmla="*/ 816077 w 816077"/>
+              <a:gd name="connsiteY2" fmla="*/ 786581 h 904568"/>
+              <a:gd name="connsiteX3" fmla="*/ 334297 w 816077"/>
+              <a:gd name="connsiteY3" fmla="*/ 904568 h 904568"/>
+              <a:gd name="connsiteX4" fmla="*/ 108155 w 816077"/>
+              <a:gd name="connsiteY4" fmla="*/ 462116 h 904568"/>
+              <a:gd name="connsiteX5" fmla="*/ 0 w 816077"/>
+              <a:gd name="connsiteY5" fmla="*/ 196645 h 904568"/>
+            </a:gdLst>
+            <a:ahLst/>
+            <a:cxnLst>
+              <a:cxn ang="0">
+                <a:pos x="connsiteX0" y="connsiteY0"/>
+              </a:cxn>
+              <a:cxn ang="0">
+                <a:pos x="connsiteX1" y="connsiteY1"/>
+              </a:cxn>
+              <a:cxn ang="0">
+                <a:pos x="connsiteX2" y="connsiteY2"/>
+              </a:cxn>
+              <a:cxn ang="0">
+                <a:pos x="connsiteX3" y="connsiteY3"/>
+              </a:cxn>
+              <a:cxn ang="0">
+                <a:pos x="connsiteX4" y="connsiteY4"/>
+              </a:cxn>
+              <a:cxn ang="0">
+                <a:pos x="connsiteX5" y="connsiteY5"/>
+              </a:cxn>
+            </a:cxnLst>
+            <a:rect l="l" t="t" r="r" b="b"/>
+            <a:pathLst>
+              <a:path w="816077" h="904568">
+                <a:moveTo>
+                  <a:pt x="186813" y="0"/>
+                </a:moveTo>
+                <a:lnTo>
+                  <a:pt x="786581" y="9832"/>
+                </a:lnTo>
+                <a:lnTo>
+                  <a:pt x="816077" y="786581"/>
+                </a:lnTo>
+                <a:lnTo>
+                  <a:pt x="334297" y="904568"/>
+                </a:lnTo>
+                <a:lnTo>
+                  <a:pt x="108155" y="462116"/>
+                </a:lnTo>
+                <a:lnTo>
+                  <a:pt x="0" y="196645"/>
+                </a:lnTo>
+              </a:path>
+            </a:pathLst>
+          </a:custGeom>
+          <a:noFill/>
+          <a:ln w="9525" cap="flat" cmpd="sng" algn="ctr">
+            <a:solidFill>
+              <a:schemeClr val="accent3">
+                <a:lumMod val="75000"/>
+              </a:schemeClr>
+            </a:solidFill>
+            <a:prstDash val="solid"/>
+            <a:round/>
+            <a:headEnd type="none" w="med" len="med"/>
+            <a:tailEnd type="none" w="med" len="med"/>
+          </a:ln>
+          <a:effectLst/>
+        </p:spPr>
+        <p:txBody>
+          <a:bodyPr vert="horz" wrap="square" lIns="91440" tIns="45720" rIns="91440" bIns="45720" numCol="1" rtlCol="0" anchor="t" anchorCtr="0" compatLnSpc="1">
+            <a:prstTxWarp prst="textNoShape">
+              <a:avLst/>
+            </a:prstTxWarp>
+          </a:bodyPr>
+          <a:lstStyle/>
+          <a:p>
+            <a:pPr marL="0" marR="0" indent="0" algn="l" defTabSz="914400" rtl="0" eaLnBrk="1" fontAlgn="base" latinLnBrk="0" hangingPunct="1">
+              <a:lnSpc>
+                <a:spcPct val="100000"/>
+              </a:lnSpc>
+              <a:spcBef>
+                <a:spcPct val="0"/>
+              </a:spcBef>
+              <a:spcAft>
+                <a:spcPct val="0"/>
+              </a:spcAft>
+              <a:buClrTx/>
+              <a:buSzTx/>
+              <a:buFontTx/>
+              <a:buNone/>
+              <a:tabLst/>
+            </a:pPr>
+            <a:endParaRPr kumimoji="0" lang="ko-KR" altLang="en-US" sz="2400" b="0" i="0" u="none" strike="noStrike" cap="none" normalizeH="0" baseline="0" smtClean="0">
+              <a:ln>
+                <a:noFill/>
+              </a:ln>
+              <a:solidFill>
+                <a:schemeClr val="tx1"/>
+              </a:solidFill>
+              <a:effectLst/>
+              <a:latin typeface="Arial" charset="0"/>
+            </a:endParaRPr>
+          </a:p>
+        </p:txBody>
+      </p:sp>
+      <p:sp>
+        <p:nvSpPr>
+          <p:cNvPr id="9" name="직사각형 8"/>
+          <p:cNvSpPr/>
+          <p:nvPr/>
+        </p:nvSpPr>
+        <p:spPr bwMode="auto">
+          <a:xfrm>
+            <a:off x="826765" y="1936204"/>
+            <a:ext cx="3456384" cy="208909"/>
+          </a:xfrm>
+          <a:prstGeom prst="rect">
+            <a:avLst/>
+          </a:prstGeom>
+          <a:solidFill>
+            <a:schemeClr val="accent1">
+              <a:lumMod val="20000"/>
+              <a:lumOff val="80000"/>
+            </a:schemeClr>
+          </a:solidFill>
+          <a:ln w="9525" cap="flat" cmpd="sng" algn="ctr">
+            <a:solidFill>
+              <a:schemeClr val="accent2">
+                <a:lumMod val="75000"/>
+              </a:schemeClr>
+            </a:solidFill>
+            <a:prstDash val="solid"/>
+            <a:round/>
+            <a:headEnd type="none" w="med" len="med"/>
+            <a:tailEnd type="none" w="med" len="med"/>
+          </a:ln>
+          <a:effectLst/>
+        </p:spPr>
+        <p:txBody>
+          <a:bodyPr vert="horz" wrap="square" lIns="91440" tIns="45720" rIns="91440" bIns="45720" numCol="1" rtlCol="0" anchor="ctr" anchorCtr="0" compatLnSpc="1">
+            <a:prstTxWarp prst="textNoShape">
+              <a:avLst/>
+            </a:prstTxWarp>
+          </a:bodyPr>
+          <a:lstStyle/>
+          <a:p>
+            <a:pPr marL="0" marR="0" indent="0" algn="ctr" defTabSz="914400" rtl="0" eaLnBrk="1" fontAlgn="base" latinLnBrk="0" hangingPunct="1">
+              <a:lnSpc>
+                <a:spcPct val="100000"/>
+              </a:lnSpc>
+              <a:spcBef>
+                <a:spcPct val="0"/>
+              </a:spcBef>
+              <a:spcAft>
+                <a:spcPct val="0"/>
+              </a:spcAft>
+              <a:buClrTx/>
+              <a:buSzTx/>
+              <a:buFontTx/>
+              <a:buNone/>
+              <a:tabLst/>
+            </a:pPr>
+            <a:r>
+              <a:rPr kumimoji="0" lang="en-US" altLang="ko-KR" sz="1400" b="0" i="0" u="none" strike="noStrike" cap="none" normalizeH="0" baseline="0" dirty="0" smtClean="0">
+                <a:ln>
+                  <a:noFill/>
+                </a:ln>
+                <a:solidFill>
+                  <a:schemeClr val="tx1"/>
+                </a:solidFill>
+                <a:effectLst/>
+                <a:latin typeface="Arial" charset="0"/>
+              </a:rPr>
+              <a:t>Draw</a:t>
+            </a:r>
+            <a:endParaRPr kumimoji="0" lang="ko-KR" altLang="en-US" sz="1400" b="0" i="0" u="none" strike="noStrike" cap="none" normalizeH="0" baseline="0" dirty="0" smtClean="0">
+              <a:ln>
+                <a:noFill/>
+              </a:ln>
+              <a:solidFill>
+                <a:schemeClr val="tx1"/>
+              </a:solidFill>
+              <a:effectLst/>
+              <a:latin typeface="Arial" charset="0"/>
+            </a:endParaRPr>
+          </a:p>
+        </p:txBody>
+      </p:sp>
+      <p:sp>
+        <p:nvSpPr>
+          <p:cNvPr id="11" name="직사각형 10"/>
+          <p:cNvSpPr/>
+          <p:nvPr/>
+        </p:nvSpPr>
+        <p:spPr bwMode="auto">
+          <a:xfrm>
+            <a:off x="826765" y="2215582"/>
+            <a:ext cx="3456384" cy="208909"/>
+          </a:xfrm>
+          <a:prstGeom prst="rect">
+            <a:avLst/>
+          </a:prstGeom>
+          <a:solidFill>
+            <a:schemeClr val="accent2">
+              <a:lumMod val="20000"/>
+              <a:lumOff val="80000"/>
+            </a:schemeClr>
+          </a:solidFill>
+          <a:ln w="9525" cap="flat" cmpd="sng" algn="ctr">
+            <a:solidFill>
+              <a:schemeClr val="accent2">
+                <a:lumMod val="75000"/>
+              </a:schemeClr>
+            </a:solidFill>
+            <a:prstDash val="solid"/>
+            <a:round/>
+            <a:headEnd type="none" w="med" len="med"/>
+            <a:tailEnd type="none" w="med" len="med"/>
+          </a:ln>
+          <a:effectLst/>
+        </p:spPr>
+        <p:txBody>
+          <a:bodyPr vert="horz" wrap="square" lIns="91440" tIns="45720" rIns="91440" bIns="45720" numCol="1" rtlCol="0" anchor="ctr" anchorCtr="0" compatLnSpc="1">
+            <a:prstTxWarp prst="textNoShape">
+              <a:avLst/>
+            </a:prstTxWarp>
+          </a:bodyPr>
+          <a:lstStyle/>
+          <a:p>
+            <a:pPr marL="0" marR="0" indent="0" algn="ctr" defTabSz="914400" rtl="0" eaLnBrk="1" fontAlgn="base" latinLnBrk="0" hangingPunct="1">
+              <a:lnSpc>
+                <a:spcPct val="100000"/>
+              </a:lnSpc>
+              <a:spcBef>
+                <a:spcPct val="0"/>
+              </a:spcBef>
+              <a:spcAft>
+                <a:spcPct val="0"/>
+              </a:spcAft>
+              <a:buClrTx/>
+              <a:buSzTx/>
+              <a:buFontTx/>
+              <a:buNone/>
+              <a:tabLst/>
+            </a:pPr>
+            <a:r>
+              <a:rPr kumimoji="0" lang="en-US" altLang="ko-KR" sz="1400" b="0" i="0" u="none" strike="noStrike" cap="none" normalizeH="0" baseline="0" dirty="0" smtClean="0">
+                <a:ln>
+                  <a:noFill/>
+                </a:ln>
+                <a:solidFill>
+                  <a:schemeClr val="tx1"/>
+                </a:solidFill>
+                <a:effectLst/>
+                <a:latin typeface="Arial" charset="0"/>
+              </a:rPr>
+              <a:t>Move</a:t>
+            </a:r>
+            <a:endParaRPr kumimoji="0" lang="ko-KR" altLang="en-US" sz="1400" b="0" i="0" u="none" strike="noStrike" cap="none" normalizeH="0" baseline="0" dirty="0" smtClean="0">
+              <a:ln>
+                <a:noFill/>
+              </a:ln>
+              <a:solidFill>
+                <a:schemeClr val="tx1"/>
+              </a:solidFill>
+              <a:effectLst/>
+              <a:latin typeface="Arial" charset="0"/>
+            </a:endParaRPr>
+          </a:p>
+        </p:txBody>
+      </p:sp>
+      <p:sp>
+        <p:nvSpPr>
+          <p:cNvPr id="12" name="직사각형 11"/>
+          <p:cNvSpPr/>
+          <p:nvPr/>
+        </p:nvSpPr>
+        <p:spPr bwMode="auto">
+          <a:xfrm>
+            <a:off x="818113" y="2499772"/>
+            <a:ext cx="3456384" cy="208909"/>
+          </a:xfrm>
+          <a:prstGeom prst="rect">
+            <a:avLst/>
+          </a:prstGeom>
+          <a:solidFill>
+            <a:schemeClr val="accent2">
+              <a:lumMod val="20000"/>
+              <a:lumOff val="80000"/>
+            </a:schemeClr>
+          </a:solidFill>
+          <a:ln w="9525" cap="flat" cmpd="sng" algn="ctr">
+            <a:solidFill>
+              <a:schemeClr val="accent2">
+                <a:lumMod val="75000"/>
+              </a:schemeClr>
+            </a:solidFill>
+            <a:prstDash val="solid"/>
+            <a:round/>
+            <a:headEnd type="none" w="med" len="med"/>
+            <a:tailEnd type="none" w="med" len="med"/>
+          </a:ln>
+          <a:effectLst/>
+        </p:spPr>
+        <p:txBody>
+          <a:bodyPr vert="horz" wrap="square" lIns="91440" tIns="45720" rIns="91440" bIns="45720" numCol="1" rtlCol="0" anchor="ctr" anchorCtr="0" compatLnSpc="1">
+            <a:prstTxWarp prst="textNoShape">
+              <a:avLst/>
+            </a:prstTxWarp>
+          </a:bodyPr>
+          <a:lstStyle/>
+          <a:p>
+            <a:pPr marL="0" marR="0" indent="0" algn="ctr" defTabSz="914400" rtl="0" eaLnBrk="1" fontAlgn="base" latinLnBrk="0" hangingPunct="1">
+              <a:lnSpc>
+                <a:spcPct val="100000"/>
+              </a:lnSpc>
+              <a:spcBef>
+                <a:spcPct val="0"/>
+              </a:spcBef>
+              <a:spcAft>
+                <a:spcPct val="0"/>
+              </a:spcAft>
+              <a:buClrTx/>
+              <a:buSzTx/>
+              <a:buFontTx/>
+              <a:buNone/>
+              <a:tabLst/>
+            </a:pPr>
+            <a:r>
+              <a:rPr kumimoji="0" lang="en-US" altLang="ko-KR" sz="1400" b="0" i="0" u="none" strike="noStrike" cap="none" normalizeH="0" baseline="0" dirty="0" smtClean="0">
+                <a:ln>
+                  <a:noFill/>
+                </a:ln>
+                <a:solidFill>
+                  <a:schemeClr val="tx1"/>
+                </a:solidFill>
+                <a:effectLst/>
+                <a:latin typeface="Arial" charset="0"/>
+              </a:rPr>
+              <a:t>Resize</a:t>
+            </a:r>
+            <a:endParaRPr kumimoji="0" lang="ko-KR" altLang="en-US" sz="1400" b="0" i="0" u="none" strike="noStrike" cap="none" normalizeH="0" baseline="0" dirty="0" smtClean="0">
+              <a:ln>
+                <a:noFill/>
+              </a:ln>
+              <a:solidFill>
+                <a:schemeClr val="tx1"/>
+              </a:solidFill>
+              <a:effectLst/>
+              <a:latin typeface="Arial" charset="0"/>
+            </a:endParaRPr>
+          </a:p>
+        </p:txBody>
+      </p:sp>
+    </p:spTree>
+    <p:extLst>
+      <p:ext uri="{BB962C8B-B14F-4D97-AF65-F5344CB8AC3E}">
+        <p14:creationId xmlns:p14="http://schemas.microsoft.com/office/powerpoint/2010/main" val="954524033"/>
       </p:ext>
     </p:extLst>
   </p:cSld>

--- a/graphicsEditorA/강의진행A.pptx
+++ b/graphicsEditorA/강의진행A.pptx
@@ -5,7 +5,7 @@
     <p:sldMasterId id="2147483648" r:id="rId1"/>
   </p:sldMasterIdLst>
   <p:notesMasterIdLst>
-    <p:notesMasterId r:id="rId39"/>
+    <p:notesMasterId r:id="rId41"/>
   </p:notesMasterIdLst>
   <p:sldIdLst>
     <p:sldId id="256" r:id="rId2"/>
@@ -45,6 +45,8 @@
     <p:sldId id="329" r:id="rId36"/>
     <p:sldId id="330" r:id="rId37"/>
     <p:sldId id="331" r:id="rId38"/>
+    <p:sldId id="332" r:id="rId39"/>
+    <p:sldId id="333" r:id="rId40"/>
   </p:sldIdLst>
   <p:sldSz cx="10150475" cy="7616825"/>
   <p:notesSz cx="6797675" cy="9928225"/>
@@ -5878,7 +5880,7 @@
             <a:fld id="{6D61DB4D-25AF-4EE9-B3EB-9D14CE91ACF1}" type="datetimeFigureOut">
               <a:rPr lang="ko-KR" altLang="en-US" smtClean="0"/>
               <a:pPr/>
-              <a:t>2022-05-18</a:t>
+              <a:t>2022-05-23</a:t>
             </a:fld>
             <a:endParaRPr lang="ko-KR" altLang="en-US" dirty="0"/>
           </a:p>
@@ -39699,7 +39701,7 @@
           <a:bodyPr/>
           <a:lstStyle/>
           <a:p>
-            <a:endParaRPr lang="ko-KR" altLang="en-US"/>
+            <a:endParaRPr lang="ko-KR" altLang="en-US" dirty="0"/>
           </a:p>
         </p:txBody>
       </p:sp>
@@ -40270,6 +40272,2203 @@
     <p:extLst>
       <p:ext uri="{BB962C8B-B14F-4D97-AF65-F5344CB8AC3E}">
         <p14:creationId xmlns:p14="http://schemas.microsoft.com/office/powerpoint/2010/main" val="954524033"/>
+      </p:ext>
+    </p:extLst>
+  </p:cSld>
+  <p:clrMapOvr>
+    <a:masterClrMapping/>
+  </p:clrMapOvr>
+</p:sld>
+</file>
+
+<file path=ppt/slides/slide38.xml><?xml version="1.0" encoding="utf-8"?>
+<p:sld xmlns:a="http://schemas.openxmlformats.org/drawingml/2006/main" xmlns:r="http://schemas.openxmlformats.org/officeDocument/2006/relationships" xmlns:p="http://schemas.openxmlformats.org/presentationml/2006/main">
+  <p:cSld>
+    <p:spTree>
+      <p:nvGrpSpPr>
+        <p:cNvPr id="1" name=""/>
+        <p:cNvGrpSpPr/>
+        <p:nvPr/>
+      </p:nvGrpSpPr>
+      <p:grpSpPr>
+        <a:xfrm>
+          <a:off x="0" y="0"/>
+          <a:ext cx="0" cy="0"/>
+          <a:chOff x="0" y="0"/>
+          <a:chExt cx="0" cy="0"/>
+        </a:xfrm>
+      </p:grpSpPr>
+      <p:sp>
+        <p:nvSpPr>
+          <p:cNvPr id="6" name="제목 5"/>
+          <p:cNvSpPr>
+            <a:spLocks noGrp="1"/>
+          </p:cNvSpPr>
+          <p:nvPr>
+            <p:ph type="title"/>
+          </p:nvPr>
+        </p:nvSpPr>
+        <p:spPr/>
+        <p:txBody>
+          <a:bodyPr/>
+          <a:lstStyle/>
+          <a:p>
+            <a:r>
+              <a:rPr lang="en-US" altLang="ko-KR" dirty="0" smtClean="0"/>
+              <a:t>2022-05-23</a:t>
+            </a:r>
+            <a:endParaRPr lang="ko-KR" altLang="en-US" dirty="0"/>
+          </a:p>
+        </p:txBody>
+      </p:sp>
+      <p:sp>
+        <p:nvSpPr>
+          <p:cNvPr id="7" name="내용 개체 틀 6"/>
+          <p:cNvSpPr>
+            <a:spLocks noGrp="1"/>
+          </p:cNvSpPr>
+          <p:nvPr>
+            <p:ph sz="half" idx="1"/>
+          </p:nvPr>
+        </p:nvSpPr>
+        <p:spPr/>
+        <p:txBody>
+          <a:bodyPr/>
+          <a:lstStyle/>
+          <a:p>
+            <a:r>
+              <a:rPr lang="ko-KR" altLang="en-US" dirty="0" smtClean="0"/>
+              <a:t>진행</a:t>
+            </a:r>
+            <a:endParaRPr lang="en-US" altLang="ko-KR" dirty="0" smtClean="0"/>
+          </a:p>
+          <a:p>
+            <a:pPr lvl="1"/>
+            <a:r>
+              <a:rPr lang="en-US" altLang="ko-KR" dirty="0" smtClean="0"/>
+              <a:t>Transformation</a:t>
+            </a:r>
+          </a:p>
+          <a:p>
+            <a:pPr lvl="2"/>
+            <a:r>
+              <a:rPr lang="en-US" altLang="ko-KR" dirty="0" smtClean="0"/>
+              <a:t>Translate</a:t>
+            </a:r>
+          </a:p>
+          <a:p>
+            <a:pPr lvl="2"/>
+            <a:r>
+              <a:rPr lang="en-US" altLang="ko-KR" dirty="0" smtClean="0"/>
+              <a:t>Scale</a:t>
+            </a:r>
+            <a:endParaRPr lang="ko-KR" altLang="en-US" dirty="0"/>
+          </a:p>
+        </p:txBody>
+      </p:sp>
+      <p:sp>
+        <p:nvSpPr>
+          <p:cNvPr id="8" name="내용 개체 틀 7"/>
+          <p:cNvSpPr>
+            <a:spLocks noGrp="1"/>
+          </p:cNvSpPr>
+          <p:nvPr>
+            <p:ph sz="half" idx="2"/>
+          </p:nvPr>
+        </p:nvSpPr>
+        <p:spPr/>
+        <p:txBody>
+          <a:bodyPr/>
+          <a:lstStyle/>
+          <a:p>
+            <a:r>
+              <a:rPr lang="ko-KR" altLang="en-US" dirty="0" smtClean="0"/>
+              <a:t>과</a:t>
+            </a:r>
+            <a:r>
+              <a:rPr lang="ko-KR" altLang="en-US" dirty="0" smtClean="0"/>
+              <a:t>제</a:t>
+            </a:r>
+            <a:endParaRPr lang="en-US" altLang="ko-KR" dirty="0" smtClean="0"/>
+          </a:p>
+          <a:p>
+            <a:pPr lvl="1"/>
+            <a:r>
+              <a:rPr lang="en-US" altLang="ko-KR" dirty="0" smtClean="0"/>
+              <a:t>Resize</a:t>
+            </a:r>
+          </a:p>
+          <a:p>
+            <a:pPr lvl="1"/>
+            <a:r>
+              <a:rPr lang="en-US" altLang="ko-KR" dirty="0" smtClean="0"/>
+              <a:t>Rotate</a:t>
+            </a:r>
+            <a:endParaRPr lang="ko-KR" altLang="en-US" dirty="0"/>
+          </a:p>
+        </p:txBody>
+      </p:sp>
+      <p:sp>
+        <p:nvSpPr>
+          <p:cNvPr id="4" name="바닥글 개체 틀 3"/>
+          <p:cNvSpPr>
+            <a:spLocks noGrp="1"/>
+          </p:cNvSpPr>
+          <p:nvPr>
+            <p:ph type="ftr" sz="quarter" idx="10"/>
+          </p:nvPr>
+        </p:nvSpPr>
+        <p:spPr/>
+        <p:txBody>
+          <a:bodyPr/>
+          <a:lstStyle/>
+          <a:p>
+            <a:pPr>
+              <a:buFont typeface="맑은 고딕" panose="020B0503020000020004" pitchFamily="50" charset="-127"/>
+              <a:buChar char="ⓒ"/>
+            </a:pPr>
+            <a:r>
+              <a:rPr lang="en-US" altLang="ko-KR" smtClean="0"/>
+              <a:t>Sungwoon Choi 2021</a:t>
+            </a:r>
+            <a:endParaRPr lang="en-US" altLang="ko-KR" dirty="0"/>
+          </a:p>
+        </p:txBody>
+      </p:sp>
+      <p:sp>
+        <p:nvSpPr>
+          <p:cNvPr id="5" name="슬라이드 번호 개체 틀 4"/>
+          <p:cNvSpPr>
+            <a:spLocks noGrp="1"/>
+          </p:cNvSpPr>
+          <p:nvPr>
+            <p:ph type="sldNum" sz="quarter" idx="11"/>
+          </p:nvPr>
+        </p:nvSpPr>
+        <p:spPr/>
+        <p:txBody>
+          <a:bodyPr/>
+          <a:lstStyle/>
+          <a:p>
+            <a:fld id="{AA4216F1-165B-4DFF-BD92-3D8E849D7D48}" type="slidenum">
+              <a:rPr lang="en-US" altLang="ko-KR" smtClean="0"/>
+              <a:pPr/>
+              <a:t>38</a:t>
+            </a:fld>
+            <a:endParaRPr lang="en-US" altLang="ko-KR" dirty="0"/>
+          </a:p>
+        </p:txBody>
+      </p:sp>
+      <p:sp>
+        <p:nvSpPr>
+          <p:cNvPr id="9" name="직사각형 8"/>
+          <p:cNvSpPr/>
+          <p:nvPr/>
+        </p:nvSpPr>
+        <p:spPr bwMode="auto">
+          <a:xfrm>
+            <a:off x="1410374" y="3153226"/>
+            <a:ext cx="915910" cy="1259450"/>
+          </a:xfrm>
+          <a:prstGeom prst="rect">
+            <a:avLst/>
+          </a:prstGeom>
+          <a:solidFill>
+            <a:schemeClr val="accent3">
+              <a:lumMod val="20000"/>
+              <a:lumOff val="80000"/>
+            </a:schemeClr>
+          </a:solidFill>
+          <a:ln w="9525" cap="flat" cmpd="sng" algn="ctr">
+            <a:solidFill>
+              <a:schemeClr val="accent3">
+                <a:lumMod val="75000"/>
+              </a:schemeClr>
+            </a:solidFill>
+            <a:prstDash val="solid"/>
+            <a:round/>
+            <a:headEnd type="none" w="med" len="med"/>
+            <a:tailEnd type="none" w="med" len="med"/>
+          </a:ln>
+          <a:effectLst/>
+        </p:spPr>
+        <p:txBody>
+          <a:bodyPr vert="horz" wrap="square" lIns="91440" tIns="45720" rIns="91440" bIns="45720" numCol="1" rtlCol="0" anchor="ctr" anchorCtr="0" compatLnSpc="1">
+            <a:prstTxWarp prst="textNoShape">
+              <a:avLst/>
+            </a:prstTxWarp>
+          </a:bodyPr>
+          <a:lstStyle/>
+          <a:p>
+            <a:pPr marL="0" marR="0" indent="0" algn="ctr" defTabSz="914400" rtl="0" eaLnBrk="1" fontAlgn="base" latinLnBrk="0" hangingPunct="1">
+              <a:lnSpc>
+                <a:spcPct val="100000"/>
+              </a:lnSpc>
+              <a:spcBef>
+                <a:spcPct val="0"/>
+              </a:spcBef>
+              <a:spcAft>
+                <a:spcPct val="0"/>
+              </a:spcAft>
+              <a:buClrTx/>
+              <a:buSzTx/>
+              <a:buFontTx/>
+              <a:buNone/>
+              <a:tabLst/>
+            </a:pPr>
+            <a:endParaRPr kumimoji="0" lang="ko-KR" altLang="en-US" sz="1400" b="0" i="0" u="none" strike="noStrike" cap="none" normalizeH="0" baseline="0" smtClean="0">
+              <a:ln>
+                <a:noFill/>
+              </a:ln>
+              <a:solidFill>
+                <a:schemeClr val="tx1"/>
+              </a:solidFill>
+              <a:effectLst/>
+              <a:latin typeface="Arial" charset="0"/>
+            </a:endParaRPr>
+          </a:p>
+        </p:txBody>
+      </p:sp>
+      <p:sp>
+        <p:nvSpPr>
+          <p:cNvPr id="10" name="타원 9"/>
+          <p:cNvSpPr/>
+          <p:nvPr/>
+        </p:nvSpPr>
+        <p:spPr bwMode="auto">
+          <a:xfrm>
+            <a:off x="2490494" y="3153226"/>
+            <a:ext cx="999174" cy="1259450"/>
+          </a:xfrm>
+          <a:prstGeom prst="ellipse">
+            <a:avLst/>
+          </a:prstGeom>
+          <a:solidFill>
+            <a:schemeClr val="accent3">
+              <a:lumMod val="20000"/>
+              <a:lumOff val="80000"/>
+            </a:schemeClr>
+          </a:solidFill>
+          <a:ln w="9525" cap="flat" cmpd="sng" algn="ctr">
+            <a:solidFill>
+              <a:schemeClr val="accent3">
+                <a:lumMod val="75000"/>
+              </a:schemeClr>
+            </a:solidFill>
+            <a:prstDash val="solid"/>
+            <a:round/>
+            <a:headEnd type="none" w="med" len="med"/>
+            <a:tailEnd type="none" w="med" len="med"/>
+          </a:ln>
+          <a:effectLst/>
+        </p:spPr>
+        <p:txBody>
+          <a:bodyPr vert="horz" wrap="square" lIns="91440" tIns="45720" rIns="91440" bIns="45720" numCol="1" rtlCol="0" anchor="ctr" anchorCtr="0" compatLnSpc="1">
+            <a:prstTxWarp prst="textNoShape">
+              <a:avLst/>
+            </a:prstTxWarp>
+          </a:bodyPr>
+          <a:lstStyle/>
+          <a:p>
+            <a:pPr marL="0" marR="0" indent="0" algn="ctr" defTabSz="914400" rtl="0" eaLnBrk="1" fontAlgn="base" latinLnBrk="0" hangingPunct="1">
+              <a:lnSpc>
+                <a:spcPct val="100000"/>
+              </a:lnSpc>
+              <a:spcBef>
+                <a:spcPct val="0"/>
+              </a:spcBef>
+              <a:spcAft>
+                <a:spcPct val="0"/>
+              </a:spcAft>
+              <a:buClrTx/>
+              <a:buSzTx/>
+              <a:buFontTx/>
+              <a:buNone/>
+              <a:tabLst/>
+            </a:pPr>
+            <a:endParaRPr kumimoji="0" lang="ko-KR" altLang="en-US" sz="1400" b="0" i="0" u="none" strike="noStrike" cap="none" normalizeH="0" baseline="0" smtClean="0">
+              <a:ln>
+                <a:noFill/>
+              </a:ln>
+              <a:solidFill>
+                <a:schemeClr val="tx1"/>
+              </a:solidFill>
+              <a:effectLst/>
+              <a:latin typeface="Arial" charset="0"/>
+            </a:endParaRPr>
+          </a:p>
+        </p:txBody>
+      </p:sp>
+      <p:sp>
+        <p:nvSpPr>
+          <p:cNvPr id="11" name="자유형 10"/>
+          <p:cNvSpPr/>
+          <p:nvPr/>
+        </p:nvSpPr>
+        <p:spPr bwMode="auto">
+          <a:xfrm>
+            <a:off x="3563069" y="3232348"/>
+            <a:ext cx="943649" cy="1217021"/>
+          </a:xfrm>
+          <a:custGeom>
+            <a:avLst/>
+            <a:gdLst>
+              <a:gd name="connsiteX0" fmla="*/ 186813 w 816077"/>
+              <a:gd name="connsiteY0" fmla="*/ 0 h 904568"/>
+              <a:gd name="connsiteX1" fmla="*/ 786581 w 816077"/>
+              <a:gd name="connsiteY1" fmla="*/ 9832 h 904568"/>
+              <a:gd name="connsiteX2" fmla="*/ 816077 w 816077"/>
+              <a:gd name="connsiteY2" fmla="*/ 786581 h 904568"/>
+              <a:gd name="connsiteX3" fmla="*/ 334297 w 816077"/>
+              <a:gd name="connsiteY3" fmla="*/ 904568 h 904568"/>
+              <a:gd name="connsiteX4" fmla="*/ 108155 w 816077"/>
+              <a:gd name="connsiteY4" fmla="*/ 462116 h 904568"/>
+              <a:gd name="connsiteX5" fmla="*/ 0 w 816077"/>
+              <a:gd name="connsiteY5" fmla="*/ 196645 h 904568"/>
+            </a:gdLst>
+            <a:ahLst/>
+            <a:cxnLst>
+              <a:cxn ang="0">
+                <a:pos x="connsiteX0" y="connsiteY0"/>
+              </a:cxn>
+              <a:cxn ang="0">
+                <a:pos x="connsiteX1" y="connsiteY1"/>
+              </a:cxn>
+              <a:cxn ang="0">
+                <a:pos x="connsiteX2" y="connsiteY2"/>
+              </a:cxn>
+              <a:cxn ang="0">
+                <a:pos x="connsiteX3" y="connsiteY3"/>
+              </a:cxn>
+              <a:cxn ang="0">
+                <a:pos x="connsiteX4" y="connsiteY4"/>
+              </a:cxn>
+              <a:cxn ang="0">
+                <a:pos x="connsiteX5" y="connsiteY5"/>
+              </a:cxn>
+            </a:cxnLst>
+            <a:rect l="l" t="t" r="r" b="b"/>
+            <a:pathLst>
+              <a:path w="816077" h="904568">
+                <a:moveTo>
+                  <a:pt x="186813" y="0"/>
+                </a:moveTo>
+                <a:lnTo>
+                  <a:pt x="786581" y="9832"/>
+                </a:lnTo>
+                <a:lnTo>
+                  <a:pt x="816077" y="786581"/>
+                </a:lnTo>
+                <a:lnTo>
+                  <a:pt x="334297" y="904568"/>
+                </a:lnTo>
+                <a:lnTo>
+                  <a:pt x="108155" y="462116"/>
+                </a:lnTo>
+                <a:lnTo>
+                  <a:pt x="0" y="196645"/>
+                </a:lnTo>
+              </a:path>
+            </a:pathLst>
+          </a:custGeom>
+          <a:noFill/>
+          <a:ln w="9525" cap="flat" cmpd="sng" algn="ctr">
+            <a:solidFill>
+              <a:schemeClr val="accent3">
+                <a:lumMod val="75000"/>
+              </a:schemeClr>
+            </a:solidFill>
+            <a:prstDash val="solid"/>
+            <a:round/>
+            <a:headEnd type="none" w="med" len="med"/>
+            <a:tailEnd type="none" w="med" len="med"/>
+          </a:ln>
+          <a:effectLst/>
+        </p:spPr>
+        <p:txBody>
+          <a:bodyPr vert="horz" wrap="square" lIns="91440" tIns="45720" rIns="91440" bIns="45720" numCol="1" rtlCol="0" anchor="t" anchorCtr="0" compatLnSpc="1">
+            <a:prstTxWarp prst="textNoShape">
+              <a:avLst/>
+            </a:prstTxWarp>
+          </a:bodyPr>
+          <a:lstStyle/>
+          <a:p>
+            <a:pPr marL="0" marR="0" indent="0" algn="l" defTabSz="914400" rtl="0" eaLnBrk="1" fontAlgn="base" latinLnBrk="0" hangingPunct="1">
+              <a:lnSpc>
+                <a:spcPct val="100000"/>
+              </a:lnSpc>
+              <a:spcBef>
+                <a:spcPct val="0"/>
+              </a:spcBef>
+              <a:spcAft>
+                <a:spcPct val="0"/>
+              </a:spcAft>
+              <a:buClrTx/>
+              <a:buSzTx/>
+              <a:buFontTx/>
+              <a:buNone/>
+              <a:tabLst/>
+            </a:pPr>
+            <a:endParaRPr kumimoji="0" lang="ko-KR" altLang="en-US" sz="2400" b="0" i="0" u="none" strike="noStrike" cap="none" normalizeH="0" baseline="0" smtClean="0">
+              <a:ln>
+                <a:noFill/>
+              </a:ln>
+              <a:solidFill>
+                <a:schemeClr val="tx1"/>
+              </a:solidFill>
+              <a:effectLst/>
+              <a:latin typeface="Arial" charset="0"/>
+            </a:endParaRPr>
+          </a:p>
+        </p:txBody>
+      </p:sp>
+      <p:sp>
+        <p:nvSpPr>
+          <p:cNvPr id="12" name="직사각형 11"/>
+          <p:cNvSpPr/>
+          <p:nvPr/>
+        </p:nvSpPr>
+        <p:spPr bwMode="auto">
+          <a:xfrm>
+            <a:off x="1194350" y="3369250"/>
+            <a:ext cx="3456384" cy="208909"/>
+          </a:xfrm>
+          <a:prstGeom prst="rect">
+            <a:avLst/>
+          </a:prstGeom>
+          <a:solidFill>
+            <a:schemeClr val="accent1">
+              <a:lumMod val="20000"/>
+              <a:lumOff val="80000"/>
+            </a:schemeClr>
+          </a:solidFill>
+          <a:ln w="9525" cap="flat" cmpd="sng" algn="ctr">
+            <a:solidFill>
+              <a:schemeClr val="accent2">
+                <a:lumMod val="75000"/>
+              </a:schemeClr>
+            </a:solidFill>
+            <a:prstDash val="solid"/>
+            <a:round/>
+            <a:headEnd type="none" w="med" len="med"/>
+            <a:tailEnd type="none" w="med" len="med"/>
+          </a:ln>
+          <a:effectLst/>
+        </p:spPr>
+        <p:txBody>
+          <a:bodyPr vert="horz" wrap="square" lIns="91440" tIns="45720" rIns="91440" bIns="45720" numCol="1" rtlCol="0" anchor="ctr" anchorCtr="0" compatLnSpc="1">
+            <a:prstTxWarp prst="textNoShape">
+              <a:avLst/>
+            </a:prstTxWarp>
+          </a:bodyPr>
+          <a:lstStyle/>
+          <a:p>
+            <a:pPr marL="0" marR="0" indent="0" algn="ctr" defTabSz="914400" rtl="0" eaLnBrk="1" fontAlgn="base" latinLnBrk="0" hangingPunct="1">
+              <a:lnSpc>
+                <a:spcPct val="100000"/>
+              </a:lnSpc>
+              <a:spcBef>
+                <a:spcPct val="0"/>
+              </a:spcBef>
+              <a:spcAft>
+                <a:spcPct val="0"/>
+              </a:spcAft>
+              <a:buClrTx/>
+              <a:buSzTx/>
+              <a:buFontTx/>
+              <a:buNone/>
+              <a:tabLst/>
+            </a:pPr>
+            <a:r>
+              <a:rPr kumimoji="0" lang="en-US" altLang="ko-KR" sz="1400" b="0" i="0" u="none" strike="noStrike" cap="none" normalizeH="0" baseline="0" dirty="0" smtClean="0">
+                <a:ln>
+                  <a:noFill/>
+                </a:ln>
+                <a:solidFill>
+                  <a:schemeClr val="tx1"/>
+                </a:solidFill>
+                <a:effectLst/>
+                <a:latin typeface="Arial" charset="0"/>
+              </a:rPr>
+              <a:t>Draw</a:t>
+            </a:r>
+            <a:endParaRPr kumimoji="0" lang="ko-KR" altLang="en-US" sz="1400" b="0" i="0" u="none" strike="noStrike" cap="none" normalizeH="0" baseline="0" dirty="0" smtClean="0">
+              <a:ln>
+                <a:noFill/>
+              </a:ln>
+              <a:solidFill>
+                <a:schemeClr val="tx1"/>
+              </a:solidFill>
+              <a:effectLst/>
+              <a:latin typeface="Arial" charset="0"/>
+            </a:endParaRPr>
+          </a:p>
+        </p:txBody>
+      </p:sp>
+      <p:sp>
+        <p:nvSpPr>
+          <p:cNvPr id="13" name="직사각형 12"/>
+          <p:cNvSpPr/>
+          <p:nvPr/>
+        </p:nvSpPr>
+        <p:spPr bwMode="auto">
+          <a:xfrm>
+            <a:off x="1194350" y="3648628"/>
+            <a:ext cx="3456384" cy="208909"/>
+          </a:xfrm>
+          <a:prstGeom prst="rect">
+            <a:avLst/>
+          </a:prstGeom>
+          <a:solidFill>
+            <a:schemeClr val="accent2">
+              <a:lumMod val="20000"/>
+              <a:lumOff val="80000"/>
+            </a:schemeClr>
+          </a:solidFill>
+          <a:ln w="9525" cap="flat" cmpd="sng" algn="ctr">
+            <a:solidFill>
+              <a:schemeClr val="accent2">
+                <a:lumMod val="75000"/>
+              </a:schemeClr>
+            </a:solidFill>
+            <a:prstDash val="solid"/>
+            <a:round/>
+            <a:headEnd type="none" w="med" len="med"/>
+            <a:tailEnd type="none" w="med" len="med"/>
+          </a:ln>
+          <a:effectLst/>
+        </p:spPr>
+        <p:txBody>
+          <a:bodyPr vert="horz" wrap="square" lIns="91440" tIns="45720" rIns="91440" bIns="45720" numCol="1" rtlCol="0" anchor="ctr" anchorCtr="0" compatLnSpc="1">
+            <a:prstTxWarp prst="textNoShape">
+              <a:avLst/>
+            </a:prstTxWarp>
+          </a:bodyPr>
+          <a:lstStyle/>
+          <a:p>
+            <a:pPr marL="0" marR="0" indent="0" algn="ctr" defTabSz="914400" rtl="0" eaLnBrk="1" fontAlgn="base" latinLnBrk="0" hangingPunct="1">
+              <a:lnSpc>
+                <a:spcPct val="100000"/>
+              </a:lnSpc>
+              <a:spcBef>
+                <a:spcPct val="0"/>
+              </a:spcBef>
+              <a:spcAft>
+                <a:spcPct val="0"/>
+              </a:spcAft>
+              <a:buClrTx/>
+              <a:buSzTx/>
+              <a:buFontTx/>
+              <a:buNone/>
+              <a:tabLst/>
+            </a:pPr>
+            <a:r>
+              <a:rPr kumimoji="0" lang="en-US" altLang="ko-KR" sz="1400" b="0" i="0" u="none" strike="noStrike" cap="none" normalizeH="0" baseline="0" dirty="0" smtClean="0">
+                <a:ln>
+                  <a:noFill/>
+                </a:ln>
+                <a:solidFill>
+                  <a:schemeClr val="tx1"/>
+                </a:solidFill>
+                <a:effectLst/>
+                <a:latin typeface="Arial" charset="0"/>
+              </a:rPr>
+              <a:t>Move</a:t>
+            </a:r>
+            <a:endParaRPr kumimoji="0" lang="ko-KR" altLang="en-US" sz="1400" b="0" i="0" u="none" strike="noStrike" cap="none" normalizeH="0" baseline="0" dirty="0" smtClean="0">
+              <a:ln>
+                <a:noFill/>
+              </a:ln>
+              <a:solidFill>
+                <a:schemeClr val="tx1"/>
+              </a:solidFill>
+              <a:effectLst/>
+              <a:latin typeface="Arial" charset="0"/>
+            </a:endParaRPr>
+          </a:p>
+        </p:txBody>
+      </p:sp>
+      <p:sp>
+        <p:nvSpPr>
+          <p:cNvPr id="14" name="직사각형 13"/>
+          <p:cNvSpPr/>
+          <p:nvPr/>
+        </p:nvSpPr>
+        <p:spPr bwMode="auto">
+          <a:xfrm>
+            <a:off x="1185698" y="3932818"/>
+            <a:ext cx="3456384" cy="208909"/>
+          </a:xfrm>
+          <a:prstGeom prst="rect">
+            <a:avLst/>
+          </a:prstGeom>
+          <a:solidFill>
+            <a:schemeClr val="accent2">
+              <a:lumMod val="20000"/>
+              <a:lumOff val="80000"/>
+            </a:schemeClr>
+          </a:solidFill>
+          <a:ln w="9525" cap="flat" cmpd="sng" algn="ctr">
+            <a:solidFill>
+              <a:schemeClr val="accent2">
+                <a:lumMod val="75000"/>
+              </a:schemeClr>
+            </a:solidFill>
+            <a:prstDash val="solid"/>
+            <a:round/>
+            <a:headEnd type="none" w="med" len="med"/>
+            <a:tailEnd type="none" w="med" len="med"/>
+          </a:ln>
+          <a:effectLst/>
+        </p:spPr>
+        <p:txBody>
+          <a:bodyPr vert="horz" wrap="square" lIns="91440" tIns="45720" rIns="91440" bIns="45720" numCol="1" rtlCol="0" anchor="ctr" anchorCtr="0" compatLnSpc="1">
+            <a:prstTxWarp prst="textNoShape">
+              <a:avLst/>
+            </a:prstTxWarp>
+          </a:bodyPr>
+          <a:lstStyle/>
+          <a:p>
+            <a:pPr marL="0" marR="0" indent="0" algn="ctr" defTabSz="914400" rtl="0" eaLnBrk="1" fontAlgn="base" latinLnBrk="0" hangingPunct="1">
+              <a:lnSpc>
+                <a:spcPct val="100000"/>
+              </a:lnSpc>
+              <a:spcBef>
+                <a:spcPct val="0"/>
+              </a:spcBef>
+              <a:spcAft>
+                <a:spcPct val="0"/>
+              </a:spcAft>
+              <a:buClrTx/>
+              <a:buSzTx/>
+              <a:buFontTx/>
+              <a:buNone/>
+              <a:tabLst/>
+            </a:pPr>
+            <a:r>
+              <a:rPr kumimoji="0" lang="en-US" altLang="ko-KR" sz="1400" b="0" i="0" u="none" strike="noStrike" cap="none" normalizeH="0" baseline="0" dirty="0" smtClean="0">
+                <a:ln>
+                  <a:noFill/>
+                </a:ln>
+                <a:solidFill>
+                  <a:schemeClr val="tx1"/>
+                </a:solidFill>
+                <a:effectLst/>
+                <a:latin typeface="Arial" charset="0"/>
+              </a:rPr>
+              <a:t>Resize</a:t>
+            </a:r>
+            <a:endParaRPr kumimoji="0" lang="ko-KR" altLang="en-US" sz="1400" b="0" i="0" u="none" strike="noStrike" cap="none" normalizeH="0" baseline="0" dirty="0" smtClean="0">
+              <a:ln>
+                <a:noFill/>
+              </a:ln>
+              <a:solidFill>
+                <a:schemeClr val="tx1"/>
+              </a:solidFill>
+              <a:effectLst/>
+              <a:latin typeface="Arial" charset="0"/>
+            </a:endParaRPr>
+          </a:p>
+        </p:txBody>
+      </p:sp>
+    </p:spTree>
+    <p:extLst>
+      <p:ext uri="{BB962C8B-B14F-4D97-AF65-F5344CB8AC3E}">
+        <p14:creationId xmlns:p14="http://schemas.microsoft.com/office/powerpoint/2010/main" val="2667234197"/>
+      </p:ext>
+    </p:extLst>
+  </p:cSld>
+  <p:clrMapOvr>
+    <a:masterClrMapping/>
+  </p:clrMapOvr>
+</p:sld>
+</file>
+
+<file path=ppt/slides/slide39.xml><?xml version="1.0" encoding="utf-8"?>
+<p:sld xmlns:a="http://schemas.openxmlformats.org/drawingml/2006/main" xmlns:r="http://schemas.openxmlformats.org/officeDocument/2006/relationships" xmlns:p="http://schemas.openxmlformats.org/presentationml/2006/main">
+  <p:cSld>
+    <p:spTree>
+      <p:nvGrpSpPr>
+        <p:cNvPr id="1" name=""/>
+        <p:cNvGrpSpPr/>
+        <p:nvPr/>
+      </p:nvGrpSpPr>
+      <p:grpSpPr>
+        <a:xfrm>
+          <a:off x="0" y="0"/>
+          <a:ext cx="0" cy="0"/>
+          <a:chOff x="0" y="0"/>
+          <a:chExt cx="0" cy="0"/>
+        </a:xfrm>
+      </p:grpSpPr>
+      <p:sp>
+        <p:nvSpPr>
+          <p:cNvPr id="7" name="내용 개체 틀 6"/>
+          <p:cNvSpPr>
+            <a:spLocks noGrp="1"/>
+          </p:cNvSpPr>
+          <p:nvPr>
+            <p:ph sz="half" idx="1"/>
+          </p:nvPr>
+        </p:nvSpPr>
+        <p:spPr/>
+        <p:txBody>
+          <a:bodyPr/>
+          <a:lstStyle/>
+          <a:p>
+            <a:pPr lvl="1"/>
+            <a:r>
+              <a:rPr lang="en-US" altLang="ko-KR" dirty="0"/>
+              <a:t>Resize</a:t>
+            </a:r>
+          </a:p>
+          <a:p>
+            <a:pPr lvl="2"/>
+            <a:r>
+              <a:rPr lang="en-US" altLang="ko-KR" dirty="0"/>
+              <a:t>Resize Anchor </a:t>
+            </a:r>
+            <a:r>
+              <a:rPr lang="ko-KR" altLang="en-US" dirty="0"/>
+              <a:t>찾기</a:t>
+            </a:r>
+            <a:endParaRPr lang="en-US" altLang="ko-KR" dirty="0"/>
+          </a:p>
+          <a:p>
+            <a:pPr lvl="3"/>
+            <a:r>
+              <a:rPr lang="en-US" altLang="ko-KR" dirty="0"/>
+              <a:t>Selected Anchor</a:t>
+            </a:r>
+            <a:r>
+              <a:rPr lang="ko-KR" altLang="en-US" dirty="0"/>
+              <a:t>의 대각선 </a:t>
+            </a:r>
+            <a:r>
+              <a:rPr lang="en-US" altLang="ko-KR" dirty="0"/>
+              <a:t>Anchor</a:t>
+            </a:r>
+          </a:p>
+          <a:p>
+            <a:pPr lvl="2"/>
+            <a:r>
+              <a:rPr lang="en-US" altLang="ko-KR" dirty="0"/>
+              <a:t>Width/Height </a:t>
+            </a:r>
+            <a:r>
+              <a:rPr lang="ko-KR" altLang="en-US" dirty="0"/>
+              <a:t>의 배율</a:t>
+            </a:r>
+            <a:endParaRPr lang="en-US" altLang="ko-KR" dirty="0"/>
+          </a:p>
+          <a:p>
+            <a:pPr lvl="3"/>
+            <a:r>
+              <a:rPr lang="en-US" altLang="ko-KR" dirty="0"/>
+              <a:t>h</a:t>
+            </a:r>
+            <a:r>
+              <a:rPr lang="en-US" altLang="ko-KR" dirty="0" smtClean="0"/>
+              <a:t>2/h1</a:t>
+            </a:r>
+            <a:endParaRPr lang="ko-KR" altLang="en-US" dirty="0"/>
+          </a:p>
+          <a:p>
+            <a:endParaRPr lang="ko-KR" altLang="en-US" dirty="0"/>
+          </a:p>
+        </p:txBody>
+      </p:sp>
+      <p:sp>
+        <p:nvSpPr>
+          <p:cNvPr id="5" name="바닥글 개체 틀 4"/>
+          <p:cNvSpPr>
+            <a:spLocks noGrp="1"/>
+          </p:cNvSpPr>
+          <p:nvPr>
+            <p:ph type="ftr" sz="quarter" idx="10"/>
+          </p:nvPr>
+        </p:nvSpPr>
+        <p:spPr/>
+        <p:txBody>
+          <a:bodyPr/>
+          <a:lstStyle/>
+          <a:p>
+            <a:pPr>
+              <a:buFont typeface="맑은 고딕" panose="020B0503020000020004" pitchFamily="50" charset="-127"/>
+              <a:buChar char="ⓒ"/>
+            </a:pPr>
+            <a:r>
+              <a:rPr lang="en-US" altLang="ko-KR" smtClean="0"/>
+              <a:t>Sungwoon Choi 2021</a:t>
+            </a:r>
+            <a:endParaRPr lang="en-US" altLang="ko-KR" dirty="0"/>
+          </a:p>
+        </p:txBody>
+      </p:sp>
+      <p:sp>
+        <p:nvSpPr>
+          <p:cNvPr id="6" name="슬라이드 번호 개체 틀 5"/>
+          <p:cNvSpPr>
+            <a:spLocks noGrp="1"/>
+          </p:cNvSpPr>
+          <p:nvPr>
+            <p:ph type="sldNum" sz="quarter" idx="11"/>
+          </p:nvPr>
+        </p:nvSpPr>
+        <p:spPr/>
+        <p:txBody>
+          <a:bodyPr/>
+          <a:lstStyle/>
+          <a:p>
+            <a:fld id="{AA4216F1-165B-4DFF-BD92-3D8E849D7D48}" type="slidenum">
+              <a:rPr lang="en-US" altLang="ko-KR" smtClean="0"/>
+              <a:pPr/>
+              <a:t>39</a:t>
+            </a:fld>
+            <a:endParaRPr lang="en-US" altLang="ko-KR" dirty="0"/>
+          </a:p>
+        </p:txBody>
+      </p:sp>
+      <p:sp>
+        <p:nvSpPr>
+          <p:cNvPr id="9" name="직사각형 8"/>
+          <p:cNvSpPr/>
+          <p:nvPr/>
+        </p:nvSpPr>
+        <p:spPr bwMode="auto">
+          <a:xfrm>
+            <a:off x="2482949" y="2512268"/>
+            <a:ext cx="1588702" cy="1768169"/>
+          </a:xfrm>
+          <a:prstGeom prst="rect">
+            <a:avLst/>
+          </a:prstGeom>
+          <a:solidFill>
+            <a:schemeClr val="accent3">
+              <a:lumMod val="20000"/>
+              <a:lumOff val="80000"/>
+            </a:schemeClr>
+          </a:solidFill>
+          <a:ln w="9525" cap="flat" cmpd="sng" algn="ctr">
+            <a:solidFill>
+              <a:schemeClr val="accent3">
+                <a:lumMod val="75000"/>
+              </a:schemeClr>
+            </a:solidFill>
+            <a:prstDash val="solid"/>
+            <a:round/>
+            <a:headEnd type="none" w="med" len="med"/>
+            <a:tailEnd type="none" w="med" len="med"/>
+          </a:ln>
+          <a:effectLst/>
+        </p:spPr>
+        <p:txBody>
+          <a:bodyPr vert="horz" wrap="square" lIns="91440" tIns="45720" rIns="91440" bIns="45720" numCol="1" rtlCol="0" anchor="ctr" anchorCtr="0" compatLnSpc="1">
+            <a:prstTxWarp prst="textNoShape">
+              <a:avLst/>
+            </a:prstTxWarp>
+          </a:bodyPr>
+          <a:lstStyle/>
+          <a:p>
+            <a:pPr marL="0" marR="0" indent="0" algn="ctr" defTabSz="914400" rtl="0" eaLnBrk="1" fontAlgn="base" latinLnBrk="0" hangingPunct="1">
+              <a:lnSpc>
+                <a:spcPct val="100000"/>
+              </a:lnSpc>
+              <a:spcBef>
+                <a:spcPct val="0"/>
+              </a:spcBef>
+              <a:spcAft>
+                <a:spcPct val="0"/>
+              </a:spcAft>
+              <a:buClrTx/>
+              <a:buSzTx/>
+              <a:buFontTx/>
+              <a:buNone/>
+              <a:tabLst/>
+            </a:pPr>
+            <a:endParaRPr kumimoji="0" lang="ko-KR" altLang="en-US" sz="1400" b="0" i="0" u="none" strike="noStrike" cap="none" normalizeH="0" baseline="0" smtClean="0">
+              <a:ln>
+                <a:noFill/>
+              </a:ln>
+              <a:solidFill>
+                <a:schemeClr val="tx1"/>
+              </a:solidFill>
+              <a:effectLst/>
+              <a:latin typeface="Arial" charset="0"/>
+            </a:endParaRPr>
+          </a:p>
+        </p:txBody>
+      </p:sp>
+      <p:sp>
+        <p:nvSpPr>
+          <p:cNvPr id="10" name="직사각형 9"/>
+          <p:cNvSpPr/>
+          <p:nvPr/>
+        </p:nvSpPr>
+        <p:spPr bwMode="auto">
+          <a:xfrm>
+            <a:off x="2510707" y="2512269"/>
+            <a:ext cx="1152128" cy="1240472"/>
+          </a:xfrm>
+          <a:prstGeom prst="rect">
+            <a:avLst/>
+          </a:prstGeom>
+          <a:solidFill>
+            <a:schemeClr val="accent3">
+              <a:lumMod val="20000"/>
+              <a:lumOff val="80000"/>
+            </a:schemeClr>
+          </a:solidFill>
+          <a:ln w="9525" cap="flat" cmpd="sng" algn="ctr">
+            <a:solidFill>
+              <a:schemeClr val="accent3">
+                <a:lumMod val="75000"/>
+              </a:schemeClr>
+            </a:solidFill>
+            <a:prstDash val="solid"/>
+            <a:round/>
+            <a:headEnd type="none" w="med" len="med"/>
+            <a:tailEnd type="none" w="med" len="med"/>
+          </a:ln>
+          <a:effectLst/>
+        </p:spPr>
+        <p:txBody>
+          <a:bodyPr vert="horz" wrap="square" lIns="91440" tIns="45720" rIns="91440" bIns="45720" numCol="1" rtlCol="0" anchor="ctr" anchorCtr="0" compatLnSpc="1">
+            <a:prstTxWarp prst="textNoShape">
+              <a:avLst/>
+            </a:prstTxWarp>
+          </a:bodyPr>
+          <a:lstStyle/>
+          <a:p>
+            <a:pPr marL="0" marR="0" indent="0" algn="ctr" defTabSz="914400" rtl="0" eaLnBrk="1" fontAlgn="base" latinLnBrk="0" hangingPunct="1">
+              <a:lnSpc>
+                <a:spcPct val="100000"/>
+              </a:lnSpc>
+              <a:spcBef>
+                <a:spcPct val="0"/>
+              </a:spcBef>
+              <a:spcAft>
+                <a:spcPct val="0"/>
+              </a:spcAft>
+              <a:buClrTx/>
+              <a:buSzTx/>
+              <a:buFontTx/>
+              <a:buNone/>
+              <a:tabLst/>
+            </a:pPr>
+            <a:endParaRPr kumimoji="0" lang="ko-KR" altLang="en-US" sz="1400" b="0" i="0" u="none" strike="noStrike" cap="none" normalizeH="0" baseline="0" smtClean="0">
+              <a:ln>
+                <a:noFill/>
+              </a:ln>
+              <a:solidFill>
+                <a:schemeClr val="tx1"/>
+              </a:solidFill>
+              <a:effectLst/>
+              <a:latin typeface="Arial" charset="0"/>
+            </a:endParaRPr>
+          </a:p>
+        </p:txBody>
+      </p:sp>
+      <p:sp>
+        <p:nvSpPr>
+          <p:cNvPr id="11" name="타원 10"/>
+          <p:cNvSpPr/>
+          <p:nvPr/>
+        </p:nvSpPr>
+        <p:spPr bwMode="auto">
+          <a:xfrm>
+            <a:off x="3487797" y="3540115"/>
+            <a:ext cx="249237" cy="288032"/>
+          </a:xfrm>
+          <a:prstGeom prst="ellipse">
+            <a:avLst/>
+          </a:prstGeom>
+          <a:solidFill>
+            <a:srgbClr val="00B0F0"/>
+          </a:solidFill>
+          <a:ln w="9525" cap="flat" cmpd="sng" algn="ctr">
+            <a:solidFill>
+              <a:schemeClr val="accent3">
+                <a:lumMod val="75000"/>
+              </a:schemeClr>
+            </a:solidFill>
+            <a:prstDash val="solid"/>
+            <a:round/>
+            <a:headEnd type="none" w="med" len="med"/>
+            <a:tailEnd type="none" w="med" len="med"/>
+          </a:ln>
+          <a:effectLst/>
+        </p:spPr>
+        <p:txBody>
+          <a:bodyPr vert="horz" wrap="square" lIns="91440" tIns="45720" rIns="91440" bIns="45720" numCol="1" rtlCol="0" anchor="ctr" anchorCtr="0" compatLnSpc="1">
+            <a:prstTxWarp prst="textNoShape">
+              <a:avLst/>
+            </a:prstTxWarp>
+          </a:bodyPr>
+          <a:lstStyle/>
+          <a:p>
+            <a:pPr marL="0" marR="0" indent="0" algn="ctr" defTabSz="914400" rtl="0" eaLnBrk="1" fontAlgn="base" latinLnBrk="0" hangingPunct="1">
+              <a:lnSpc>
+                <a:spcPct val="100000"/>
+              </a:lnSpc>
+              <a:spcBef>
+                <a:spcPct val="0"/>
+              </a:spcBef>
+              <a:spcAft>
+                <a:spcPct val="0"/>
+              </a:spcAft>
+              <a:buClrTx/>
+              <a:buSzTx/>
+              <a:buFontTx/>
+              <a:buNone/>
+              <a:tabLst/>
+            </a:pPr>
+            <a:endParaRPr kumimoji="0" lang="ko-KR" altLang="en-US" sz="1400" b="0" i="0" u="none" strike="noStrike" cap="none" normalizeH="0" baseline="0" smtClean="0">
+              <a:ln>
+                <a:noFill/>
+              </a:ln>
+              <a:solidFill>
+                <a:schemeClr val="tx1"/>
+              </a:solidFill>
+              <a:effectLst/>
+              <a:latin typeface="Arial" charset="0"/>
+            </a:endParaRPr>
+          </a:p>
+        </p:txBody>
+      </p:sp>
+      <p:sp>
+        <p:nvSpPr>
+          <p:cNvPr id="12" name="타원 11"/>
+          <p:cNvSpPr/>
+          <p:nvPr/>
+        </p:nvSpPr>
+        <p:spPr bwMode="auto">
+          <a:xfrm>
+            <a:off x="2410850" y="2379388"/>
+            <a:ext cx="249237" cy="288032"/>
+          </a:xfrm>
+          <a:prstGeom prst="ellipse">
+            <a:avLst/>
+          </a:prstGeom>
+          <a:solidFill>
+            <a:srgbClr val="00B0F0"/>
+          </a:solidFill>
+          <a:ln w="9525" cap="flat" cmpd="sng" algn="ctr">
+            <a:solidFill>
+              <a:schemeClr val="accent3">
+                <a:lumMod val="75000"/>
+              </a:schemeClr>
+            </a:solidFill>
+            <a:prstDash val="solid"/>
+            <a:round/>
+            <a:headEnd type="none" w="med" len="med"/>
+            <a:tailEnd type="none" w="med" len="med"/>
+          </a:ln>
+          <a:effectLst/>
+        </p:spPr>
+        <p:txBody>
+          <a:bodyPr vert="horz" wrap="square" lIns="91440" tIns="45720" rIns="91440" bIns="45720" numCol="1" rtlCol="0" anchor="ctr" anchorCtr="0" compatLnSpc="1">
+            <a:prstTxWarp prst="textNoShape">
+              <a:avLst/>
+            </a:prstTxWarp>
+          </a:bodyPr>
+          <a:lstStyle/>
+          <a:p>
+            <a:pPr marL="0" marR="0" indent="0" algn="ctr" defTabSz="914400" rtl="0" eaLnBrk="1" fontAlgn="base" latinLnBrk="0" hangingPunct="1">
+              <a:lnSpc>
+                <a:spcPct val="100000"/>
+              </a:lnSpc>
+              <a:spcBef>
+                <a:spcPct val="0"/>
+              </a:spcBef>
+              <a:spcAft>
+                <a:spcPct val="0"/>
+              </a:spcAft>
+              <a:buClrTx/>
+              <a:buSzTx/>
+              <a:buFontTx/>
+              <a:buNone/>
+              <a:tabLst/>
+            </a:pPr>
+            <a:endParaRPr kumimoji="0" lang="ko-KR" altLang="en-US" sz="1400" b="0" i="0" u="none" strike="noStrike" cap="none" normalizeH="0" baseline="0" smtClean="0">
+              <a:ln>
+                <a:noFill/>
+              </a:ln>
+              <a:solidFill>
+                <a:schemeClr val="tx1"/>
+              </a:solidFill>
+              <a:effectLst/>
+              <a:latin typeface="Arial" charset="0"/>
+            </a:endParaRPr>
+          </a:p>
+        </p:txBody>
+      </p:sp>
+      <p:sp>
+        <p:nvSpPr>
+          <p:cNvPr id="15" name="타원 14"/>
+          <p:cNvSpPr/>
+          <p:nvPr/>
+        </p:nvSpPr>
+        <p:spPr bwMode="auto">
+          <a:xfrm>
+            <a:off x="3922845" y="4064414"/>
+            <a:ext cx="249237" cy="288032"/>
+          </a:xfrm>
+          <a:prstGeom prst="ellipse">
+            <a:avLst/>
+          </a:prstGeom>
+          <a:solidFill>
+            <a:schemeClr val="accent3">
+              <a:lumMod val="75000"/>
+            </a:schemeClr>
+          </a:solidFill>
+          <a:ln w="9525" cap="flat" cmpd="sng" algn="ctr">
+            <a:solidFill>
+              <a:schemeClr val="accent3">
+                <a:lumMod val="75000"/>
+              </a:schemeClr>
+            </a:solidFill>
+            <a:prstDash val="solid"/>
+            <a:round/>
+            <a:headEnd type="none" w="med" len="med"/>
+            <a:tailEnd type="none" w="med" len="med"/>
+          </a:ln>
+          <a:effectLst/>
+        </p:spPr>
+        <p:txBody>
+          <a:bodyPr vert="horz" wrap="square" lIns="91440" tIns="45720" rIns="91440" bIns="45720" numCol="1" rtlCol="0" anchor="ctr" anchorCtr="0" compatLnSpc="1">
+            <a:prstTxWarp prst="textNoShape">
+              <a:avLst/>
+            </a:prstTxWarp>
+          </a:bodyPr>
+          <a:lstStyle/>
+          <a:p>
+            <a:pPr marL="0" marR="0" indent="0" algn="ctr" defTabSz="914400" rtl="0" eaLnBrk="1" fontAlgn="base" latinLnBrk="0" hangingPunct="1">
+              <a:lnSpc>
+                <a:spcPct val="100000"/>
+              </a:lnSpc>
+              <a:spcBef>
+                <a:spcPct val="0"/>
+              </a:spcBef>
+              <a:spcAft>
+                <a:spcPct val="0"/>
+              </a:spcAft>
+              <a:buClrTx/>
+              <a:buSzTx/>
+              <a:buFontTx/>
+              <a:buNone/>
+              <a:tabLst/>
+            </a:pPr>
+            <a:endParaRPr kumimoji="0" lang="ko-KR" altLang="en-US" sz="1400" b="0" i="0" u="none" strike="noStrike" cap="none" normalizeH="0" baseline="0" smtClean="0">
+              <a:ln>
+                <a:noFill/>
+              </a:ln>
+              <a:solidFill>
+                <a:schemeClr val="tx1"/>
+              </a:solidFill>
+              <a:effectLst/>
+              <a:latin typeface="Arial" charset="0"/>
+            </a:endParaRPr>
+          </a:p>
+        </p:txBody>
+      </p:sp>
+      <p:cxnSp>
+        <p:nvCxnSpPr>
+          <p:cNvPr id="16" name="직선 화살표 연결선 15"/>
+          <p:cNvCxnSpPr>
+            <a:stCxn id="11" idx="5"/>
+          </p:cNvCxnSpPr>
+          <p:nvPr/>
+        </p:nvCxnSpPr>
+        <p:spPr bwMode="auto">
+          <a:xfrm>
+            <a:off x="3700534" y="3785966"/>
+            <a:ext cx="180516" cy="186197"/>
+          </a:xfrm>
+          <a:prstGeom prst="straightConnector1">
+            <a:avLst/>
+          </a:prstGeom>
+          <a:solidFill>
+            <a:schemeClr val="accent1"/>
+          </a:solidFill>
+          <a:ln w="9525" cap="flat" cmpd="sng" algn="ctr">
+            <a:solidFill>
+              <a:schemeClr val="tx1"/>
+            </a:solidFill>
+            <a:prstDash val="solid"/>
+            <a:round/>
+            <a:headEnd type="none" w="med" len="med"/>
+            <a:tailEnd type="triangle"/>
+          </a:ln>
+          <a:effectLst/>
+          <a:extLst>
+            <a:ext uri="{AF507438-7753-43E0-B8FC-AC1667EBCBE1}">
+              <a14:hiddenEffects xmlns:a14="http://schemas.microsoft.com/office/drawing/2010/main">
+                <a:effectLst>
+                  <a:outerShdw dist="35921" dir="2700000" algn="ctr" rotWithShape="0">
+                    <a:schemeClr val="bg2"/>
+                  </a:outerShdw>
+                </a:effectLst>
+              </a14:hiddenEffects>
+            </a:ext>
+          </a:extLst>
+        </p:spPr>
+      </p:cxnSp>
+      <p:sp>
+        <p:nvSpPr>
+          <p:cNvPr id="17" name="왼쪽 중괄호 16"/>
+          <p:cNvSpPr/>
+          <p:nvPr/>
+        </p:nvSpPr>
+        <p:spPr bwMode="auto">
+          <a:xfrm>
+            <a:off x="1981878" y="2512268"/>
+            <a:ext cx="308385" cy="1240474"/>
+          </a:xfrm>
+          <a:prstGeom prst="leftBrace">
+            <a:avLst/>
+          </a:prstGeom>
+          <a:solidFill>
+            <a:schemeClr val="accent1"/>
+          </a:solidFill>
+          <a:ln w="9525" cap="flat" cmpd="sng" algn="ctr">
+            <a:solidFill>
+              <a:schemeClr val="tx1"/>
+            </a:solidFill>
+            <a:prstDash val="solid"/>
+            <a:round/>
+            <a:headEnd type="none" w="med" len="med"/>
+            <a:tailEnd type="none" w="med" len="med"/>
+          </a:ln>
+          <a:effectLst/>
+          <a:extLst>
+            <a:ext uri="{AF507438-7753-43E0-B8FC-AC1667EBCBE1}">
+              <a14:hiddenEffects xmlns:a14="http://schemas.microsoft.com/office/drawing/2010/main">
+                <a:effectLst>
+                  <a:outerShdw dist="35921" dir="2700000" algn="ctr" rotWithShape="0">
+                    <a:schemeClr val="bg2"/>
+                  </a:outerShdw>
+                </a:effectLst>
+              </a14:hiddenEffects>
+            </a:ext>
+          </a:extLst>
+        </p:spPr>
+        <p:txBody>
+          <a:bodyPr vert="horz" wrap="square" lIns="91440" tIns="45720" rIns="91440" bIns="45720" numCol="1" rtlCol="0" anchor="t" anchorCtr="0" compatLnSpc="1">
+            <a:prstTxWarp prst="textNoShape">
+              <a:avLst/>
+            </a:prstTxWarp>
+          </a:bodyPr>
+          <a:lstStyle/>
+          <a:p>
+            <a:pPr marL="0" marR="0" indent="0" algn="l" defTabSz="914400" rtl="0" eaLnBrk="1" fontAlgn="base" latinLnBrk="0" hangingPunct="1">
+              <a:lnSpc>
+                <a:spcPct val="100000"/>
+              </a:lnSpc>
+              <a:spcBef>
+                <a:spcPct val="0"/>
+              </a:spcBef>
+              <a:spcAft>
+                <a:spcPct val="0"/>
+              </a:spcAft>
+              <a:buClrTx/>
+              <a:buSzTx/>
+              <a:buFontTx/>
+              <a:buNone/>
+              <a:tabLst/>
+            </a:pPr>
+            <a:endParaRPr kumimoji="0" lang="ko-KR" altLang="en-US" sz="2400" b="0" i="0" u="none" strike="noStrike" cap="none" normalizeH="0" baseline="0" smtClean="0">
+              <a:ln>
+                <a:noFill/>
+              </a:ln>
+              <a:solidFill>
+                <a:schemeClr val="tx1"/>
+              </a:solidFill>
+              <a:effectLst/>
+              <a:latin typeface="Arial" charset="0"/>
+            </a:endParaRPr>
+          </a:p>
+        </p:txBody>
+      </p:sp>
+      <p:sp>
+        <p:nvSpPr>
+          <p:cNvPr id="18" name="왼쪽 중괄호 17"/>
+          <p:cNvSpPr/>
+          <p:nvPr/>
+        </p:nvSpPr>
+        <p:spPr bwMode="auto">
+          <a:xfrm>
+            <a:off x="1498331" y="2528138"/>
+            <a:ext cx="236220" cy="1752299"/>
+          </a:xfrm>
+          <a:prstGeom prst="leftBrace">
+            <a:avLst/>
+          </a:prstGeom>
+          <a:solidFill>
+            <a:schemeClr val="accent1"/>
+          </a:solidFill>
+          <a:ln w="9525" cap="flat" cmpd="sng" algn="ctr">
+            <a:solidFill>
+              <a:schemeClr val="tx1"/>
+            </a:solidFill>
+            <a:prstDash val="solid"/>
+            <a:round/>
+            <a:headEnd type="none" w="med" len="med"/>
+            <a:tailEnd type="none" w="med" len="med"/>
+          </a:ln>
+          <a:effectLst/>
+          <a:extLst>
+            <a:ext uri="{AF507438-7753-43E0-B8FC-AC1667EBCBE1}">
+              <a14:hiddenEffects xmlns:a14="http://schemas.microsoft.com/office/drawing/2010/main">
+                <a:effectLst>
+                  <a:outerShdw dist="35921" dir="2700000" algn="ctr" rotWithShape="0">
+                    <a:schemeClr val="bg2"/>
+                  </a:outerShdw>
+                </a:effectLst>
+              </a14:hiddenEffects>
+            </a:ext>
+          </a:extLst>
+        </p:spPr>
+        <p:txBody>
+          <a:bodyPr vert="horz" wrap="square" lIns="91440" tIns="45720" rIns="91440" bIns="45720" numCol="1" rtlCol="0" anchor="t" anchorCtr="0" compatLnSpc="1">
+            <a:prstTxWarp prst="textNoShape">
+              <a:avLst/>
+            </a:prstTxWarp>
+          </a:bodyPr>
+          <a:lstStyle/>
+          <a:p>
+            <a:pPr marL="0" marR="0" indent="0" algn="l" defTabSz="914400" rtl="0" eaLnBrk="1" fontAlgn="base" latinLnBrk="0" hangingPunct="1">
+              <a:lnSpc>
+                <a:spcPct val="100000"/>
+              </a:lnSpc>
+              <a:spcBef>
+                <a:spcPct val="0"/>
+              </a:spcBef>
+              <a:spcAft>
+                <a:spcPct val="0"/>
+              </a:spcAft>
+              <a:buClrTx/>
+              <a:buSzTx/>
+              <a:buFontTx/>
+              <a:buNone/>
+              <a:tabLst/>
+            </a:pPr>
+            <a:endParaRPr kumimoji="0" lang="ko-KR" altLang="en-US" sz="2400" b="0" i="0" u="none" strike="noStrike" cap="none" normalizeH="0" baseline="0" smtClean="0">
+              <a:ln>
+                <a:noFill/>
+              </a:ln>
+              <a:solidFill>
+                <a:schemeClr val="tx1"/>
+              </a:solidFill>
+              <a:effectLst/>
+              <a:latin typeface="Arial" charset="0"/>
+            </a:endParaRPr>
+          </a:p>
+        </p:txBody>
+      </p:sp>
+      <p:sp>
+        <p:nvSpPr>
+          <p:cNvPr id="19" name="타원 18"/>
+          <p:cNvSpPr/>
+          <p:nvPr/>
+        </p:nvSpPr>
+        <p:spPr bwMode="auto">
+          <a:xfrm>
+            <a:off x="1631081" y="2856523"/>
+            <a:ext cx="542351" cy="551964"/>
+          </a:xfrm>
+          <a:prstGeom prst="ellipse">
+            <a:avLst/>
+          </a:prstGeom>
+          <a:noFill/>
+          <a:ln w="9525" cap="flat" cmpd="sng" algn="ctr">
+            <a:noFill/>
+            <a:prstDash val="solid"/>
+            <a:round/>
+            <a:headEnd type="none" w="med" len="med"/>
+            <a:tailEnd type="none" w="med" len="med"/>
+          </a:ln>
+          <a:effectLst/>
+        </p:spPr>
+        <p:txBody>
+          <a:bodyPr vert="horz" wrap="square" lIns="91440" tIns="45720" rIns="91440" bIns="45720" numCol="1" rtlCol="0" anchor="ctr" anchorCtr="0" compatLnSpc="1">
+            <a:prstTxWarp prst="textNoShape">
+              <a:avLst/>
+            </a:prstTxWarp>
+          </a:bodyPr>
+          <a:lstStyle/>
+          <a:p>
+            <a:pPr marL="0" marR="0" indent="0" algn="ctr" defTabSz="914400" rtl="0" eaLnBrk="1" fontAlgn="base" latinLnBrk="0" hangingPunct="1">
+              <a:lnSpc>
+                <a:spcPct val="100000"/>
+              </a:lnSpc>
+              <a:spcBef>
+                <a:spcPct val="0"/>
+              </a:spcBef>
+              <a:spcAft>
+                <a:spcPct val="0"/>
+              </a:spcAft>
+              <a:buClrTx/>
+              <a:buSzTx/>
+              <a:buFontTx/>
+              <a:buNone/>
+              <a:tabLst/>
+            </a:pPr>
+            <a:r>
+              <a:rPr kumimoji="0" lang="en-US" altLang="ko-KR" sz="1400" b="0" i="0" u="none" strike="noStrike" cap="none" normalizeH="0" baseline="0" dirty="0" smtClean="0">
+                <a:ln>
+                  <a:noFill/>
+                </a:ln>
+                <a:solidFill>
+                  <a:schemeClr val="tx1"/>
+                </a:solidFill>
+                <a:effectLst/>
+                <a:latin typeface="Arial" charset="0"/>
+              </a:rPr>
+              <a:t>h1</a:t>
+            </a:r>
+            <a:endParaRPr kumimoji="0" lang="ko-KR" altLang="en-US" sz="1400" b="0" i="0" u="none" strike="noStrike" cap="none" normalizeH="0" baseline="0" dirty="0" smtClean="0">
+              <a:ln>
+                <a:noFill/>
+              </a:ln>
+              <a:solidFill>
+                <a:schemeClr val="tx1"/>
+              </a:solidFill>
+              <a:effectLst/>
+              <a:latin typeface="Arial" charset="0"/>
+            </a:endParaRPr>
+          </a:p>
+        </p:txBody>
+      </p:sp>
+      <p:sp>
+        <p:nvSpPr>
+          <p:cNvPr id="20" name="타원 19"/>
+          <p:cNvSpPr/>
+          <p:nvPr/>
+        </p:nvSpPr>
+        <p:spPr bwMode="auto">
+          <a:xfrm>
+            <a:off x="1071873" y="3075498"/>
+            <a:ext cx="542351" cy="551964"/>
+          </a:xfrm>
+          <a:prstGeom prst="ellipse">
+            <a:avLst/>
+          </a:prstGeom>
+          <a:noFill/>
+          <a:ln w="9525" cap="flat" cmpd="sng" algn="ctr">
+            <a:noFill/>
+            <a:prstDash val="solid"/>
+            <a:round/>
+            <a:headEnd type="none" w="med" len="med"/>
+            <a:tailEnd type="none" w="med" len="med"/>
+          </a:ln>
+          <a:effectLst/>
+        </p:spPr>
+        <p:txBody>
+          <a:bodyPr vert="horz" wrap="square" lIns="91440" tIns="45720" rIns="91440" bIns="45720" numCol="1" rtlCol="0" anchor="ctr" anchorCtr="0" compatLnSpc="1">
+            <a:prstTxWarp prst="textNoShape">
+              <a:avLst/>
+            </a:prstTxWarp>
+          </a:bodyPr>
+          <a:lstStyle/>
+          <a:p>
+            <a:pPr marL="0" marR="0" indent="0" algn="ctr" defTabSz="914400" rtl="0" eaLnBrk="1" fontAlgn="base" latinLnBrk="0" hangingPunct="1">
+              <a:lnSpc>
+                <a:spcPct val="100000"/>
+              </a:lnSpc>
+              <a:spcBef>
+                <a:spcPct val="0"/>
+              </a:spcBef>
+              <a:spcAft>
+                <a:spcPct val="0"/>
+              </a:spcAft>
+              <a:buClrTx/>
+              <a:buSzTx/>
+              <a:buFontTx/>
+              <a:buNone/>
+              <a:tabLst/>
+            </a:pPr>
+            <a:r>
+              <a:rPr kumimoji="0" lang="en-US" altLang="ko-KR" sz="1400" b="0" i="0" u="none" strike="noStrike" cap="none" normalizeH="0" baseline="0" dirty="0" smtClean="0">
+                <a:ln>
+                  <a:noFill/>
+                </a:ln>
+                <a:solidFill>
+                  <a:schemeClr val="tx1"/>
+                </a:solidFill>
+                <a:effectLst/>
+                <a:latin typeface="Arial" charset="0"/>
+              </a:rPr>
+              <a:t>h2</a:t>
+            </a:r>
+            <a:endParaRPr kumimoji="0" lang="ko-KR" altLang="en-US" sz="1400" b="0" i="0" u="none" strike="noStrike" cap="none" normalizeH="0" baseline="0" dirty="0" smtClean="0">
+              <a:ln>
+                <a:noFill/>
+              </a:ln>
+              <a:solidFill>
+                <a:schemeClr val="tx1"/>
+              </a:solidFill>
+              <a:effectLst/>
+              <a:latin typeface="Arial" charset="0"/>
+            </a:endParaRPr>
+          </a:p>
+        </p:txBody>
+      </p:sp>
+      <p:grpSp>
+        <p:nvGrpSpPr>
+          <p:cNvPr id="52" name="그룹 51"/>
+          <p:cNvGrpSpPr/>
+          <p:nvPr/>
+        </p:nvGrpSpPr>
+        <p:grpSpPr>
+          <a:xfrm>
+            <a:off x="6094714" y="2307379"/>
+            <a:ext cx="1780503" cy="1973058"/>
+            <a:chOff x="6094714" y="1520800"/>
+            <a:chExt cx="1780503" cy="1973058"/>
+          </a:xfrm>
+        </p:grpSpPr>
+        <p:grpSp>
+          <p:nvGrpSpPr>
+            <p:cNvPr id="49" name="그룹 48"/>
+            <p:cNvGrpSpPr/>
+            <p:nvPr/>
+          </p:nvGrpSpPr>
+          <p:grpSpPr>
+            <a:xfrm>
+              <a:off x="6094714" y="1520800"/>
+              <a:ext cx="1761232" cy="1973058"/>
+              <a:chOff x="5493926" y="2292043"/>
+              <a:chExt cx="1761232" cy="1973058"/>
+            </a:xfrm>
+          </p:grpSpPr>
+          <p:sp>
+            <p:nvSpPr>
+              <p:cNvPr id="22" name="직사각형 21"/>
+              <p:cNvSpPr/>
+              <p:nvPr/>
+            </p:nvSpPr>
+            <p:spPr bwMode="auto">
+              <a:xfrm>
+                <a:off x="5566025" y="2424923"/>
+                <a:ext cx="1588702" cy="1768169"/>
+              </a:xfrm>
+              <a:prstGeom prst="rect">
+                <a:avLst/>
+              </a:prstGeom>
+              <a:solidFill>
+                <a:schemeClr val="accent3">
+                  <a:lumMod val="20000"/>
+                  <a:lumOff val="80000"/>
+                </a:schemeClr>
+              </a:solidFill>
+              <a:ln w="9525" cap="flat" cmpd="sng" algn="ctr">
+                <a:solidFill>
+                  <a:schemeClr val="accent3">
+                    <a:lumMod val="75000"/>
+                  </a:schemeClr>
+                </a:solidFill>
+                <a:prstDash val="solid"/>
+                <a:round/>
+                <a:headEnd type="none" w="med" len="med"/>
+                <a:tailEnd type="none" w="med" len="med"/>
+              </a:ln>
+              <a:effectLst/>
+            </p:spPr>
+            <p:txBody>
+              <a:bodyPr vert="horz" wrap="square" lIns="91440" tIns="45720" rIns="91440" bIns="45720" numCol="1" rtlCol="0" anchor="ctr" anchorCtr="0" compatLnSpc="1">
+                <a:prstTxWarp prst="textNoShape">
+                  <a:avLst/>
+                </a:prstTxWarp>
+              </a:bodyPr>
+              <a:lstStyle/>
+              <a:p>
+                <a:pPr marL="0" marR="0" indent="0" algn="ctr" defTabSz="914400" rtl="0" eaLnBrk="1" fontAlgn="base" latinLnBrk="0" hangingPunct="1">
+                  <a:lnSpc>
+                    <a:spcPct val="100000"/>
+                  </a:lnSpc>
+                  <a:spcBef>
+                    <a:spcPct val="0"/>
+                  </a:spcBef>
+                  <a:spcAft>
+                    <a:spcPct val="0"/>
+                  </a:spcAft>
+                  <a:buClrTx/>
+                  <a:buSzTx/>
+                  <a:buFontTx/>
+                  <a:buNone/>
+                  <a:tabLst/>
+                </a:pPr>
+                <a:endParaRPr kumimoji="0" lang="ko-KR" altLang="en-US" sz="1400" b="0" i="0" u="none" strike="noStrike" cap="none" normalizeH="0" baseline="0" smtClean="0">
+                  <a:ln>
+                    <a:noFill/>
+                  </a:ln>
+                  <a:solidFill>
+                    <a:schemeClr val="tx1"/>
+                  </a:solidFill>
+                  <a:effectLst/>
+                  <a:latin typeface="Arial" charset="0"/>
+                </a:endParaRPr>
+              </a:p>
+            </p:txBody>
+          </p:sp>
+          <p:sp>
+            <p:nvSpPr>
+              <p:cNvPr id="23" name="직사각형 22"/>
+              <p:cNvSpPr/>
+              <p:nvPr/>
+            </p:nvSpPr>
+            <p:spPr bwMode="auto">
+              <a:xfrm>
+                <a:off x="5997683" y="2952620"/>
+                <a:ext cx="1152128" cy="1240472"/>
+              </a:xfrm>
+              <a:prstGeom prst="rect">
+                <a:avLst/>
+              </a:prstGeom>
+              <a:solidFill>
+                <a:schemeClr val="accent3">
+                  <a:lumMod val="20000"/>
+                  <a:lumOff val="80000"/>
+                </a:schemeClr>
+              </a:solidFill>
+              <a:ln w="9525" cap="flat" cmpd="sng" algn="ctr">
+                <a:solidFill>
+                  <a:schemeClr val="accent3">
+                    <a:lumMod val="75000"/>
+                  </a:schemeClr>
+                </a:solidFill>
+                <a:prstDash val="solid"/>
+                <a:round/>
+                <a:headEnd type="none" w="med" len="med"/>
+                <a:tailEnd type="none" w="med" len="med"/>
+              </a:ln>
+              <a:effectLst/>
+            </p:spPr>
+            <p:txBody>
+              <a:bodyPr vert="horz" wrap="square" lIns="91440" tIns="45720" rIns="91440" bIns="45720" numCol="1" rtlCol="0" anchor="ctr" anchorCtr="0" compatLnSpc="1">
+                <a:prstTxWarp prst="textNoShape">
+                  <a:avLst/>
+                </a:prstTxWarp>
+              </a:bodyPr>
+              <a:lstStyle/>
+              <a:p>
+                <a:pPr marL="0" marR="0" indent="0" algn="ctr" defTabSz="914400" rtl="0" eaLnBrk="1" fontAlgn="base" latinLnBrk="0" hangingPunct="1">
+                  <a:lnSpc>
+                    <a:spcPct val="100000"/>
+                  </a:lnSpc>
+                  <a:spcBef>
+                    <a:spcPct val="0"/>
+                  </a:spcBef>
+                  <a:spcAft>
+                    <a:spcPct val="0"/>
+                  </a:spcAft>
+                  <a:buClrTx/>
+                  <a:buSzTx/>
+                  <a:buFontTx/>
+                  <a:buNone/>
+                  <a:tabLst/>
+                </a:pPr>
+                <a:endParaRPr kumimoji="0" lang="ko-KR" altLang="en-US" sz="1400" b="0" i="0" u="none" strike="noStrike" cap="none" normalizeH="0" baseline="0" smtClean="0">
+                  <a:ln>
+                    <a:noFill/>
+                  </a:ln>
+                  <a:solidFill>
+                    <a:schemeClr val="tx1"/>
+                  </a:solidFill>
+                  <a:effectLst/>
+                  <a:latin typeface="Arial" charset="0"/>
+                </a:endParaRPr>
+              </a:p>
+            </p:txBody>
+          </p:sp>
+          <p:sp>
+            <p:nvSpPr>
+              <p:cNvPr id="24" name="타원 23"/>
+              <p:cNvSpPr/>
+              <p:nvPr/>
+            </p:nvSpPr>
+            <p:spPr bwMode="auto">
+              <a:xfrm>
+                <a:off x="5868148" y="2844137"/>
+                <a:ext cx="249237" cy="288032"/>
+              </a:xfrm>
+              <a:prstGeom prst="ellipse">
+                <a:avLst/>
+              </a:prstGeom>
+              <a:solidFill>
+                <a:srgbClr val="00B0F0"/>
+              </a:solidFill>
+              <a:ln w="9525" cap="flat" cmpd="sng" algn="ctr">
+                <a:solidFill>
+                  <a:schemeClr val="accent3">
+                    <a:lumMod val="75000"/>
+                  </a:schemeClr>
+                </a:solidFill>
+                <a:prstDash val="solid"/>
+                <a:round/>
+                <a:headEnd type="none" w="med" len="med"/>
+                <a:tailEnd type="none" w="med" len="med"/>
+              </a:ln>
+              <a:effectLst/>
+            </p:spPr>
+            <p:txBody>
+              <a:bodyPr vert="horz" wrap="square" lIns="91440" tIns="45720" rIns="91440" bIns="45720" numCol="1" rtlCol="0" anchor="ctr" anchorCtr="0" compatLnSpc="1">
+                <a:prstTxWarp prst="textNoShape">
+                  <a:avLst/>
+                </a:prstTxWarp>
+              </a:bodyPr>
+              <a:lstStyle/>
+              <a:p>
+                <a:pPr marL="0" marR="0" indent="0" algn="ctr" defTabSz="914400" rtl="0" eaLnBrk="1" fontAlgn="base" latinLnBrk="0" hangingPunct="1">
+                  <a:lnSpc>
+                    <a:spcPct val="100000"/>
+                  </a:lnSpc>
+                  <a:spcBef>
+                    <a:spcPct val="0"/>
+                  </a:spcBef>
+                  <a:spcAft>
+                    <a:spcPct val="0"/>
+                  </a:spcAft>
+                  <a:buClrTx/>
+                  <a:buSzTx/>
+                  <a:buFontTx/>
+                  <a:buNone/>
+                  <a:tabLst/>
+                </a:pPr>
+                <a:endParaRPr kumimoji="0" lang="ko-KR" altLang="en-US" sz="1400" b="0" i="0" u="none" strike="noStrike" cap="none" normalizeH="0" baseline="0" smtClean="0">
+                  <a:ln>
+                    <a:noFill/>
+                  </a:ln>
+                  <a:solidFill>
+                    <a:schemeClr val="tx1"/>
+                  </a:solidFill>
+                  <a:effectLst/>
+                  <a:latin typeface="Arial" charset="0"/>
+                </a:endParaRPr>
+              </a:p>
+            </p:txBody>
+          </p:sp>
+          <p:sp>
+            <p:nvSpPr>
+              <p:cNvPr id="25" name="타원 24"/>
+              <p:cNvSpPr/>
+              <p:nvPr/>
+            </p:nvSpPr>
+            <p:spPr bwMode="auto">
+              <a:xfrm>
+                <a:off x="5493926" y="2292043"/>
+                <a:ext cx="249237" cy="288032"/>
+              </a:xfrm>
+              <a:prstGeom prst="ellipse">
+                <a:avLst/>
+              </a:prstGeom>
+              <a:solidFill>
+                <a:srgbClr val="00B0F0"/>
+              </a:solidFill>
+              <a:ln w="9525" cap="flat" cmpd="sng" algn="ctr">
+                <a:solidFill>
+                  <a:schemeClr val="accent3">
+                    <a:lumMod val="75000"/>
+                  </a:schemeClr>
+                </a:solidFill>
+                <a:prstDash val="solid"/>
+                <a:round/>
+                <a:headEnd type="none" w="med" len="med"/>
+                <a:tailEnd type="none" w="med" len="med"/>
+              </a:ln>
+              <a:effectLst/>
+            </p:spPr>
+            <p:txBody>
+              <a:bodyPr vert="horz" wrap="square" lIns="91440" tIns="45720" rIns="91440" bIns="45720" numCol="1" rtlCol="0" anchor="ctr" anchorCtr="0" compatLnSpc="1">
+                <a:prstTxWarp prst="textNoShape">
+                  <a:avLst/>
+                </a:prstTxWarp>
+              </a:bodyPr>
+              <a:lstStyle/>
+              <a:p>
+                <a:pPr marL="0" marR="0" indent="0" algn="ctr" defTabSz="914400" rtl="0" eaLnBrk="1" fontAlgn="base" latinLnBrk="0" hangingPunct="1">
+                  <a:lnSpc>
+                    <a:spcPct val="100000"/>
+                  </a:lnSpc>
+                  <a:spcBef>
+                    <a:spcPct val="0"/>
+                  </a:spcBef>
+                  <a:spcAft>
+                    <a:spcPct val="0"/>
+                  </a:spcAft>
+                  <a:buClrTx/>
+                  <a:buSzTx/>
+                  <a:buFontTx/>
+                  <a:buNone/>
+                  <a:tabLst/>
+                </a:pPr>
+                <a:endParaRPr kumimoji="0" lang="ko-KR" altLang="en-US" sz="1400" b="0" i="0" u="none" strike="noStrike" cap="none" normalizeH="0" baseline="0" smtClean="0">
+                  <a:ln>
+                    <a:noFill/>
+                  </a:ln>
+                  <a:solidFill>
+                    <a:schemeClr val="tx1"/>
+                  </a:solidFill>
+                  <a:effectLst/>
+                  <a:latin typeface="Arial" charset="0"/>
+                </a:endParaRPr>
+              </a:p>
+            </p:txBody>
+          </p:sp>
+          <p:sp>
+            <p:nvSpPr>
+              <p:cNvPr id="28" name="타원 27"/>
+              <p:cNvSpPr/>
+              <p:nvPr/>
+            </p:nvSpPr>
+            <p:spPr bwMode="auto">
+              <a:xfrm>
+                <a:off x="7005921" y="3977069"/>
+                <a:ext cx="249237" cy="288032"/>
+              </a:xfrm>
+              <a:prstGeom prst="ellipse">
+                <a:avLst/>
+              </a:prstGeom>
+              <a:solidFill>
+                <a:schemeClr val="accent3">
+                  <a:lumMod val="75000"/>
+                </a:schemeClr>
+              </a:solidFill>
+              <a:ln w="9525" cap="flat" cmpd="sng" algn="ctr">
+                <a:solidFill>
+                  <a:schemeClr val="accent3">
+                    <a:lumMod val="75000"/>
+                  </a:schemeClr>
+                </a:solidFill>
+                <a:prstDash val="solid"/>
+                <a:round/>
+                <a:headEnd type="none" w="med" len="med"/>
+                <a:tailEnd type="none" w="med" len="med"/>
+              </a:ln>
+              <a:effectLst/>
+            </p:spPr>
+            <p:txBody>
+              <a:bodyPr vert="horz" wrap="square" lIns="91440" tIns="45720" rIns="91440" bIns="45720" numCol="1" rtlCol="0" anchor="ctr" anchorCtr="0" compatLnSpc="1">
+                <a:prstTxWarp prst="textNoShape">
+                  <a:avLst/>
+                </a:prstTxWarp>
+              </a:bodyPr>
+              <a:lstStyle/>
+              <a:p>
+                <a:pPr marL="0" marR="0" indent="0" algn="ctr" defTabSz="914400" rtl="0" eaLnBrk="1" fontAlgn="base" latinLnBrk="0" hangingPunct="1">
+                  <a:lnSpc>
+                    <a:spcPct val="100000"/>
+                  </a:lnSpc>
+                  <a:spcBef>
+                    <a:spcPct val="0"/>
+                  </a:spcBef>
+                  <a:spcAft>
+                    <a:spcPct val="0"/>
+                  </a:spcAft>
+                  <a:buClrTx/>
+                  <a:buSzTx/>
+                  <a:buFontTx/>
+                  <a:buNone/>
+                  <a:tabLst/>
+                </a:pPr>
+                <a:endParaRPr kumimoji="0" lang="ko-KR" altLang="en-US" sz="1400" b="0" i="0" u="none" strike="noStrike" cap="none" normalizeH="0" baseline="0" smtClean="0">
+                  <a:ln>
+                    <a:noFill/>
+                  </a:ln>
+                  <a:solidFill>
+                    <a:schemeClr val="tx1"/>
+                  </a:solidFill>
+                  <a:effectLst/>
+                  <a:latin typeface="Arial" charset="0"/>
+                </a:endParaRPr>
+              </a:p>
+            </p:txBody>
+          </p:sp>
+          <p:cxnSp>
+            <p:nvCxnSpPr>
+              <p:cNvPr id="29" name="직선 화살표 연결선 28"/>
+              <p:cNvCxnSpPr>
+                <a:stCxn id="24" idx="1"/>
+                <a:endCxn id="25" idx="5"/>
+              </p:cNvCxnSpPr>
+              <p:nvPr/>
+            </p:nvCxnSpPr>
+            <p:spPr bwMode="auto">
+              <a:xfrm flipH="1" flipV="1">
+                <a:off x="5706663" y="2537894"/>
+                <a:ext cx="197985" cy="348424"/>
+              </a:xfrm>
+              <a:prstGeom prst="straightConnector1">
+                <a:avLst/>
+              </a:prstGeom>
+              <a:solidFill>
+                <a:schemeClr val="accent1"/>
+              </a:solidFill>
+              <a:ln w="9525" cap="flat" cmpd="sng" algn="ctr">
+                <a:solidFill>
+                  <a:schemeClr val="tx1"/>
+                </a:solidFill>
+                <a:prstDash val="solid"/>
+                <a:round/>
+                <a:headEnd type="none" w="med" len="med"/>
+                <a:tailEnd type="triangle"/>
+              </a:ln>
+              <a:effectLst/>
+              <a:extLst>
+                <a:ext uri="{AF507438-7753-43E0-B8FC-AC1667EBCBE1}">
+                  <a14:hiddenEffects xmlns:a14="http://schemas.microsoft.com/office/drawing/2010/main">
+                    <a:effectLst>
+                      <a:outerShdw dist="35921" dir="2700000" algn="ctr" rotWithShape="0">
+                        <a:schemeClr val="bg2"/>
+                      </a:outerShdw>
+                    </a:effectLst>
+                  </a14:hiddenEffects>
+                </a:ext>
+              </a:extLst>
+            </p:spPr>
+          </p:cxnSp>
+        </p:grpSp>
+        <p:sp>
+          <p:nvSpPr>
+            <p:cNvPr id="50" name="타원 49"/>
+            <p:cNvSpPr/>
+            <p:nvPr/>
+          </p:nvSpPr>
+          <p:spPr bwMode="auto">
+            <a:xfrm>
+              <a:off x="7625980" y="2636124"/>
+              <a:ext cx="249237" cy="288032"/>
+            </a:xfrm>
+            <a:prstGeom prst="ellipse">
+              <a:avLst/>
+            </a:prstGeom>
+            <a:solidFill>
+              <a:schemeClr val="accent5">
+                <a:lumMod val="20000"/>
+                <a:lumOff val="80000"/>
+              </a:schemeClr>
+            </a:solidFill>
+            <a:ln w="9525" cap="flat" cmpd="sng" algn="ctr">
+              <a:solidFill>
+                <a:schemeClr val="accent3">
+                  <a:lumMod val="75000"/>
+                </a:schemeClr>
+              </a:solidFill>
+              <a:prstDash val="solid"/>
+              <a:round/>
+              <a:headEnd type="none" w="med" len="med"/>
+              <a:tailEnd type="none" w="med" len="med"/>
+            </a:ln>
+            <a:effectLst/>
+          </p:spPr>
+          <p:txBody>
+            <a:bodyPr vert="horz" wrap="square" lIns="91440" tIns="45720" rIns="91440" bIns="45720" numCol="1" rtlCol="0" anchor="ctr" anchorCtr="0" compatLnSpc="1">
+              <a:prstTxWarp prst="textNoShape">
+                <a:avLst/>
+              </a:prstTxWarp>
+            </a:bodyPr>
+            <a:lstStyle/>
+            <a:p>
+              <a:pPr marL="0" marR="0" indent="0" algn="ctr" defTabSz="914400" rtl="0" eaLnBrk="1" fontAlgn="base" latinLnBrk="0" hangingPunct="1">
+                <a:lnSpc>
+                  <a:spcPct val="100000"/>
+                </a:lnSpc>
+                <a:spcBef>
+                  <a:spcPct val="0"/>
+                </a:spcBef>
+                <a:spcAft>
+                  <a:spcPct val="0"/>
+                </a:spcAft>
+                <a:buClrTx/>
+                <a:buSzTx/>
+                <a:buFontTx/>
+                <a:buNone/>
+                <a:tabLst/>
+              </a:pPr>
+              <a:endParaRPr kumimoji="0" lang="ko-KR" altLang="en-US" sz="1400" b="0" i="0" u="none" strike="noStrike" cap="none" normalizeH="0" baseline="0" smtClean="0">
+                <a:ln>
+                  <a:noFill/>
+                </a:ln>
+                <a:solidFill>
+                  <a:schemeClr val="tx1"/>
+                </a:solidFill>
+                <a:effectLst/>
+                <a:latin typeface="Arial" charset="0"/>
+              </a:endParaRPr>
+            </a:p>
+          </p:txBody>
+        </p:sp>
+        <p:sp>
+          <p:nvSpPr>
+            <p:cNvPr id="51" name="타원 50"/>
+            <p:cNvSpPr/>
+            <p:nvPr/>
+          </p:nvSpPr>
+          <p:spPr bwMode="auto">
+            <a:xfrm>
+              <a:off x="6473043" y="2636124"/>
+              <a:ext cx="249237" cy="288032"/>
+            </a:xfrm>
+            <a:prstGeom prst="ellipse">
+              <a:avLst/>
+            </a:prstGeom>
+            <a:solidFill>
+              <a:schemeClr val="accent5">
+                <a:lumMod val="20000"/>
+                <a:lumOff val="80000"/>
+              </a:schemeClr>
+            </a:solidFill>
+            <a:ln w="9525" cap="flat" cmpd="sng" algn="ctr">
+              <a:solidFill>
+                <a:schemeClr val="accent3">
+                  <a:lumMod val="75000"/>
+                </a:schemeClr>
+              </a:solidFill>
+              <a:prstDash val="solid"/>
+              <a:round/>
+              <a:headEnd type="none" w="med" len="med"/>
+              <a:tailEnd type="none" w="med" len="med"/>
+            </a:ln>
+            <a:effectLst/>
+          </p:spPr>
+          <p:txBody>
+            <a:bodyPr vert="horz" wrap="square" lIns="91440" tIns="45720" rIns="91440" bIns="45720" numCol="1" rtlCol="0" anchor="ctr" anchorCtr="0" compatLnSpc="1">
+              <a:prstTxWarp prst="textNoShape">
+                <a:avLst/>
+              </a:prstTxWarp>
+            </a:bodyPr>
+            <a:lstStyle/>
+            <a:p>
+              <a:pPr marL="0" marR="0" indent="0" algn="ctr" defTabSz="914400" rtl="0" eaLnBrk="1" fontAlgn="base" latinLnBrk="0" hangingPunct="1">
+                <a:lnSpc>
+                  <a:spcPct val="100000"/>
+                </a:lnSpc>
+                <a:spcBef>
+                  <a:spcPct val="0"/>
+                </a:spcBef>
+                <a:spcAft>
+                  <a:spcPct val="0"/>
+                </a:spcAft>
+                <a:buClrTx/>
+                <a:buSzTx/>
+                <a:buFontTx/>
+                <a:buNone/>
+                <a:tabLst/>
+              </a:pPr>
+              <a:endParaRPr kumimoji="0" lang="ko-KR" altLang="en-US" sz="1400" b="0" i="0" u="none" strike="noStrike" cap="none" normalizeH="0" baseline="0" smtClean="0">
+                <a:ln>
+                  <a:noFill/>
+                </a:ln>
+                <a:solidFill>
+                  <a:schemeClr val="tx1"/>
+                </a:solidFill>
+                <a:effectLst/>
+                <a:latin typeface="Arial" charset="0"/>
+              </a:endParaRPr>
+            </a:p>
+          </p:txBody>
+        </p:sp>
+      </p:grpSp>
+      <p:grpSp>
+        <p:nvGrpSpPr>
+          <p:cNvPr id="48" name="그룹 47"/>
+          <p:cNvGrpSpPr/>
+          <p:nvPr/>
+        </p:nvGrpSpPr>
+        <p:grpSpPr>
+          <a:xfrm>
+            <a:off x="6116272" y="2430878"/>
+            <a:ext cx="2168426" cy="1931382"/>
+            <a:chOff x="6044027" y="1288132"/>
+            <a:chExt cx="2168426" cy="1931382"/>
+          </a:xfrm>
+        </p:grpSpPr>
+        <p:cxnSp>
+          <p:nvCxnSpPr>
+            <p:cNvPr id="39" name="직선 화살표 연결선 38"/>
+            <p:cNvCxnSpPr/>
+            <p:nvPr/>
+          </p:nvCxnSpPr>
+          <p:spPr bwMode="auto">
+            <a:xfrm>
+              <a:off x="6044027" y="1288132"/>
+              <a:ext cx="2168426" cy="0"/>
+            </a:xfrm>
+            <a:prstGeom prst="straightConnector1">
+              <a:avLst/>
+            </a:prstGeom>
+            <a:solidFill>
+              <a:schemeClr val="accent1"/>
+            </a:solidFill>
+            <a:ln w="38100" cap="flat" cmpd="sng" algn="ctr">
+              <a:solidFill>
+                <a:schemeClr val="accent1"/>
+              </a:solidFill>
+              <a:prstDash val="solid"/>
+              <a:round/>
+              <a:headEnd type="none" w="med" len="med"/>
+              <a:tailEnd type="triangle"/>
+            </a:ln>
+            <a:effectLst/>
+            <a:extLst>
+              <a:ext uri="{AF507438-7753-43E0-B8FC-AC1667EBCBE1}">
+                <a14:hiddenEffects xmlns:a14="http://schemas.microsoft.com/office/drawing/2010/main">
+                  <a:effectLst>
+                    <a:outerShdw dist="35921" dir="2700000" algn="ctr" rotWithShape="0">
+                      <a:schemeClr val="bg2"/>
+                    </a:outerShdw>
+                  </a:effectLst>
+                </a14:hiddenEffects>
+              </a:ext>
+            </a:extLst>
+          </p:spPr>
+        </p:cxnSp>
+        <p:cxnSp>
+          <p:nvCxnSpPr>
+            <p:cNvPr id="40" name="직선 화살표 연결선 39"/>
+            <p:cNvCxnSpPr/>
+            <p:nvPr/>
+          </p:nvCxnSpPr>
+          <p:spPr bwMode="auto">
+            <a:xfrm>
+              <a:off x="6044027" y="1288132"/>
+              <a:ext cx="21763" cy="1931382"/>
+            </a:xfrm>
+            <a:prstGeom prst="straightConnector1">
+              <a:avLst/>
+            </a:prstGeom>
+            <a:solidFill>
+              <a:schemeClr val="accent1"/>
+            </a:solidFill>
+            <a:ln w="38100" cap="flat" cmpd="sng" algn="ctr">
+              <a:solidFill>
+                <a:schemeClr val="accent1"/>
+              </a:solidFill>
+              <a:prstDash val="solid"/>
+              <a:round/>
+              <a:headEnd type="none" w="med" len="med"/>
+              <a:tailEnd type="triangle"/>
+            </a:ln>
+            <a:effectLst/>
+            <a:extLst>
+              <a:ext uri="{AF507438-7753-43E0-B8FC-AC1667EBCBE1}">
+                <a14:hiddenEffects xmlns:a14="http://schemas.microsoft.com/office/drawing/2010/main">
+                  <a:effectLst>
+                    <a:outerShdw dist="35921" dir="2700000" algn="ctr" rotWithShape="0">
+                      <a:schemeClr val="bg2"/>
+                    </a:outerShdw>
+                  </a:effectLst>
+                </a14:hiddenEffects>
+              </a:ext>
+            </a:extLst>
+          </p:spPr>
+        </p:cxnSp>
+      </p:grpSp>
+    </p:spTree>
+    <p:extLst>
+      <p:ext uri="{BB962C8B-B14F-4D97-AF65-F5344CB8AC3E}">
+        <p14:creationId xmlns:p14="http://schemas.microsoft.com/office/powerpoint/2010/main" val="1290429987"/>
       </p:ext>
     </p:extLst>
   </p:cSld>

--- a/graphicsEditorA/강의진행A.pptx
+++ b/graphicsEditorA/강의진행A.pptx
@@ -5,7 +5,7 @@
     <p:sldMasterId id="2147483648" r:id="rId1"/>
   </p:sldMasterIdLst>
   <p:notesMasterIdLst>
-    <p:notesMasterId r:id="rId41"/>
+    <p:notesMasterId r:id="rId44"/>
   </p:notesMasterIdLst>
   <p:sldIdLst>
     <p:sldId id="256" r:id="rId2"/>
@@ -47,6 +47,9 @@
     <p:sldId id="331" r:id="rId38"/>
     <p:sldId id="332" r:id="rId39"/>
     <p:sldId id="333" r:id="rId40"/>
+    <p:sldId id="334" r:id="rId41"/>
+    <p:sldId id="336" r:id="rId42"/>
+    <p:sldId id="335" r:id="rId43"/>
   </p:sldIdLst>
   <p:sldSz cx="10150475" cy="7616825"/>
   <p:notesSz cx="6797675" cy="9928225"/>
@@ -5880,7 +5883,7 @@
             <a:fld id="{6D61DB4D-25AF-4EE9-B3EB-9D14CE91ACF1}" type="datetimeFigureOut">
               <a:rPr lang="ko-KR" altLang="en-US" smtClean="0"/>
               <a:pPr/>
-              <a:t>2022-05-23</a:t>
+              <a:t>2022-05-25</a:t>
             </a:fld>
             <a:endParaRPr lang="ko-KR" altLang="en-US" dirty="0"/>
           </a:p>
@@ -40383,11 +40386,7 @@
           <a:p>
             <a:r>
               <a:rPr lang="ko-KR" altLang="en-US" dirty="0" smtClean="0"/>
-              <a:t>과</a:t>
-            </a:r>
-            <a:r>
-              <a:rPr lang="ko-KR" altLang="en-US" dirty="0" smtClean="0"/>
-              <a:t>제</a:t>
+              <a:t>과제</a:t>
             </a:r>
             <a:endParaRPr lang="en-US" altLang="ko-KR" dirty="0" smtClean="0"/>
           </a:p>
@@ -43322,6 +43321,2745 @@
     <p:extLst>
       <p:ext uri="{BB962C8B-B14F-4D97-AF65-F5344CB8AC3E}">
         <p14:creationId xmlns:p14="http://schemas.microsoft.com/office/powerpoint/2010/main" val="3959364432"/>
+      </p:ext>
+    </p:extLst>
+  </p:cSld>
+  <p:clrMapOvr>
+    <a:masterClrMapping/>
+  </p:clrMapOvr>
+</p:sld>
+</file>
+
+<file path=ppt/slides/slide40.xml><?xml version="1.0" encoding="utf-8"?>
+<p:sld xmlns:a="http://schemas.openxmlformats.org/drawingml/2006/main" xmlns:r="http://schemas.openxmlformats.org/officeDocument/2006/relationships" xmlns:p="http://schemas.openxmlformats.org/presentationml/2006/main">
+  <p:cSld>
+    <p:spTree>
+      <p:nvGrpSpPr>
+        <p:cNvPr id="1" name=""/>
+        <p:cNvGrpSpPr/>
+        <p:nvPr/>
+      </p:nvGrpSpPr>
+      <p:grpSpPr>
+        <a:xfrm>
+          <a:off x="0" y="0"/>
+          <a:ext cx="0" cy="0"/>
+          <a:chOff x="0" y="0"/>
+          <a:chExt cx="0" cy="0"/>
+        </a:xfrm>
+      </p:grpSpPr>
+      <p:sp>
+        <p:nvSpPr>
+          <p:cNvPr id="5" name="제목 4"/>
+          <p:cNvSpPr>
+            <a:spLocks noGrp="1"/>
+          </p:cNvSpPr>
+          <p:nvPr>
+            <p:ph type="title"/>
+          </p:nvPr>
+        </p:nvSpPr>
+        <p:spPr/>
+        <p:txBody>
+          <a:bodyPr/>
+          <a:lstStyle/>
+          <a:p>
+            <a:r>
+              <a:rPr lang="en-US" altLang="ko-KR" dirty="0" smtClean="0"/>
+              <a:t>2022-05-25</a:t>
+            </a:r>
+            <a:endParaRPr lang="ko-KR" altLang="en-US" dirty="0"/>
+          </a:p>
+        </p:txBody>
+      </p:sp>
+      <p:sp>
+        <p:nvSpPr>
+          <p:cNvPr id="6" name="내용 개체 틀 5"/>
+          <p:cNvSpPr>
+            <a:spLocks noGrp="1"/>
+          </p:cNvSpPr>
+          <p:nvPr>
+            <p:ph sz="half" idx="1"/>
+          </p:nvPr>
+        </p:nvSpPr>
+        <p:spPr/>
+        <p:txBody>
+          <a:bodyPr/>
+          <a:lstStyle/>
+          <a:p>
+            <a:r>
+              <a:rPr lang="ko-KR" altLang="en-US" dirty="0" smtClean="0"/>
+              <a:t>진행</a:t>
+            </a:r>
+            <a:endParaRPr lang="en-US" altLang="ko-KR" dirty="0" smtClean="0"/>
+          </a:p>
+          <a:p>
+            <a:pPr lvl="1"/>
+            <a:r>
+              <a:rPr lang="en-US" altLang="ko-KR" dirty="0" smtClean="0"/>
+              <a:t>Affine Transform</a:t>
+            </a:r>
+          </a:p>
+          <a:p>
+            <a:pPr lvl="2"/>
+            <a:r>
+              <a:rPr lang="en-US" altLang="ko-KR" dirty="0" smtClean="0"/>
+              <a:t>Translate</a:t>
+            </a:r>
+          </a:p>
+          <a:p>
+            <a:pPr lvl="2"/>
+            <a:r>
+              <a:rPr lang="en-US" altLang="ko-KR" dirty="0" smtClean="0"/>
+              <a:t>Scale</a:t>
+            </a:r>
+          </a:p>
+          <a:p>
+            <a:pPr lvl="2"/>
+            <a:r>
+              <a:rPr lang="en-US" altLang="ko-KR" dirty="0" smtClean="0"/>
+              <a:t>Rotate</a:t>
+            </a:r>
+            <a:endParaRPr lang="ko-KR" altLang="en-US" dirty="0"/>
+          </a:p>
+        </p:txBody>
+      </p:sp>
+      <p:sp>
+        <p:nvSpPr>
+          <p:cNvPr id="7" name="내용 개체 틀 6"/>
+          <p:cNvSpPr>
+            <a:spLocks noGrp="1"/>
+          </p:cNvSpPr>
+          <p:nvPr>
+            <p:ph sz="half" idx="2"/>
+          </p:nvPr>
+        </p:nvSpPr>
+        <p:spPr/>
+        <p:txBody>
+          <a:bodyPr/>
+          <a:lstStyle/>
+          <a:p>
+            <a:r>
+              <a:rPr lang="ko-KR" altLang="en-US" dirty="0" smtClean="0"/>
+              <a:t>과제</a:t>
+            </a:r>
+            <a:endParaRPr lang="en-US" altLang="ko-KR" dirty="0" smtClean="0"/>
+          </a:p>
+          <a:p>
+            <a:pPr lvl="1"/>
+            <a:r>
+              <a:rPr lang="en-US" altLang="ko-KR" dirty="0"/>
+              <a:t>Affine Transform</a:t>
+            </a:r>
+          </a:p>
+          <a:p>
+            <a:pPr lvl="2"/>
+            <a:r>
+              <a:rPr lang="en-US" altLang="ko-KR" dirty="0"/>
+              <a:t>Translate</a:t>
+            </a:r>
+          </a:p>
+          <a:p>
+            <a:pPr lvl="2"/>
+            <a:r>
+              <a:rPr lang="en-US" altLang="ko-KR" dirty="0"/>
+              <a:t>Scale</a:t>
+            </a:r>
+          </a:p>
+          <a:p>
+            <a:pPr lvl="2"/>
+            <a:r>
+              <a:rPr lang="en-US" altLang="ko-KR" dirty="0"/>
+              <a:t>Rotate</a:t>
+            </a:r>
+            <a:endParaRPr lang="ko-KR" altLang="en-US" dirty="0"/>
+          </a:p>
+          <a:p>
+            <a:pPr lvl="1"/>
+            <a:endParaRPr lang="ko-KR" altLang="en-US" dirty="0"/>
+          </a:p>
+        </p:txBody>
+      </p:sp>
+      <p:sp>
+        <p:nvSpPr>
+          <p:cNvPr id="3" name="바닥글 개체 틀 2"/>
+          <p:cNvSpPr>
+            <a:spLocks noGrp="1"/>
+          </p:cNvSpPr>
+          <p:nvPr>
+            <p:ph type="ftr" sz="quarter" idx="10"/>
+          </p:nvPr>
+        </p:nvSpPr>
+        <p:spPr/>
+        <p:txBody>
+          <a:bodyPr/>
+          <a:lstStyle/>
+          <a:p>
+            <a:pPr>
+              <a:buFont typeface="맑은 고딕" panose="020B0503020000020004" pitchFamily="50" charset="-127"/>
+              <a:buChar char="ⓒ"/>
+            </a:pPr>
+            <a:r>
+              <a:rPr lang="en-US" altLang="ko-KR" smtClean="0"/>
+              <a:t>Sungwoon Choi 2021</a:t>
+            </a:r>
+            <a:endParaRPr lang="en-US" altLang="ko-KR" dirty="0"/>
+          </a:p>
+        </p:txBody>
+      </p:sp>
+      <p:sp>
+        <p:nvSpPr>
+          <p:cNvPr id="4" name="슬라이드 번호 개체 틀 3"/>
+          <p:cNvSpPr>
+            <a:spLocks noGrp="1"/>
+          </p:cNvSpPr>
+          <p:nvPr>
+            <p:ph type="sldNum" sz="quarter" idx="11"/>
+          </p:nvPr>
+        </p:nvSpPr>
+        <p:spPr/>
+        <p:txBody>
+          <a:bodyPr/>
+          <a:lstStyle/>
+          <a:p>
+            <a:fld id="{AA4216F1-165B-4DFF-BD92-3D8E849D7D48}" type="slidenum">
+              <a:rPr lang="en-US" altLang="ko-KR" smtClean="0"/>
+              <a:pPr/>
+              <a:t>40</a:t>
+            </a:fld>
+            <a:endParaRPr lang="en-US" altLang="ko-KR" dirty="0"/>
+          </a:p>
+        </p:txBody>
+      </p:sp>
+    </p:spTree>
+    <p:extLst>
+      <p:ext uri="{BB962C8B-B14F-4D97-AF65-F5344CB8AC3E}">
+        <p14:creationId xmlns:p14="http://schemas.microsoft.com/office/powerpoint/2010/main" val="2026864220"/>
+      </p:ext>
+    </p:extLst>
+  </p:cSld>
+  <p:clrMapOvr>
+    <a:masterClrMapping/>
+  </p:clrMapOvr>
+</p:sld>
+</file>
+
+<file path=ppt/slides/slide41.xml><?xml version="1.0" encoding="utf-8"?>
+<p:sld xmlns:a="http://schemas.openxmlformats.org/drawingml/2006/main" xmlns:r="http://schemas.openxmlformats.org/officeDocument/2006/relationships" xmlns:p="http://schemas.openxmlformats.org/presentationml/2006/main">
+  <p:cSld>
+    <p:spTree>
+      <p:nvGrpSpPr>
+        <p:cNvPr id="1" name=""/>
+        <p:cNvGrpSpPr/>
+        <p:nvPr/>
+      </p:nvGrpSpPr>
+      <p:grpSpPr>
+        <a:xfrm>
+          <a:off x="0" y="0"/>
+          <a:ext cx="0" cy="0"/>
+          <a:chOff x="0" y="0"/>
+          <a:chExt cx="0" cy="0"/>
+        </a:xfrm>
+      </p:grpSpPr>
+      <p:sp>
+        <p:nvSpPr>
+          <p:cNvPr id="7" name="내용 개체 틀 6"/>
+          <p:cNvSpPr>
+            <a:spLocks noGrp="1"/>
+          </p:cNvSpPr>
+          <p:nvPr>
+            <p:ph sz="half" idx="1"/>
+          </p:nvPr>
+        </p:nvSpPr>
+        <p:spPr/>
+        <p:txBody>
+          <a:bodyPr/>
+          <a:lstStyle/>
+          <a:p>
+            <a:r>
+              <a:rPr lang="en-US" altLang="ko-KR" dirty="0" smtClean="0"/>
+              <a:t>Resizing</a:t>
+            </a:r>
+          </a:p>
+          <a:p>
+            <a:pPr lvl="1"/>
+            <a:r>
+              <a:rPr lang="en-US" altLang="ko-KR" dirty="0" smtClean="0"/>
+              <a:t>SE/NW</a:t>
+            </a:r>
+          </a:p>
+          <a:p>
+            <a:pPr lvl="2"/>
+            <a:r>
+              <a:rPr lang="en-US" altLang="ko-KR" dirty="0" smtClean="0"/>
+              <a:t>W1 = </a:t>
+            </a:r>
+            <a:r>
+              <a:rPr lang="en-US" altLang="ko-KR" dirty="0" err="1" smtClean="0"/>
+              <a:t>px</a:t>
+            </a:r>
+            <a:r>
+              <a:rPr lang="en-US" altLang="ko-KR" dirty="0" smtClean="0"/>
+              <a:t>-cx;</a:t>
+            </a:r>
+          </a:p>
+          <a:p>
+            <a:pPr lvl="2"/>
+            <a:r>
+              <a:rPr lang="en-US" altLang="ko-KR" dirty="0" smtClean="0"/>
+              <a:t>W2 </a:t>
+            </a:r>
+            <a:r>
+              <a:rPr lang="en-US" altLang="ko-KR" dirty="0"/>
+              <a:t>= </a:t>
+            </a:r>
+            <a:r>
+              <a:rPr lang="en-US" altLang="ko-KR" dirty="0" smtClean="0"/>
+              <a:t>x-cx;</a:t>
+            </a:r>
+          </a:p>
+          <a:p>
+            <a:pPr lvl="2"/>
+            <a:r>
+              <a:rPr lang="en-US" altLang="ko-KR" dirty="0" smtClean="0"/>
+              <a:t>h1 = </a:t>
+            </a:r>
+            <a:r>
+              <a:rPr lang="en-US" altLang="ko-KR" dirty="0" err="1" smtClean="0"/>
+              <a:t>py</a:t>
+            </a:r>
+            <a:r>
+              <a:rPr lang="en-US" altLang="ko-KR" dirty="0" smtClean="0"/>
+              <a:t>-cy;</a:t>
+            </a:r>
+          </a:p>
+          <a:p>
+            <a:pPr lvl="2"/>
+            <a:r>
+              <a:rPr lang="en-US" altLang="ko-KR" dirty="0"/>
+              <a:t>h</a:t>
+            </a:r>
+            <a:r>
+              <a:rPr lang="en-US" altLang="ko-KR" dirty="0" smtClean="0"/>
+              <a:t>2 = y-cy</a:t>
+            </a:r>
+          </a:p>
+          <a:p>
+            <a:pPr lvl="2"/>
+            <a:endParaRPr lang="en-US" altLang="ko-KR" dirty="0"/>
+          </a:p>
+          <a:p>
+            <a:pPr lvl="2"/>
+            <a:r>
+              <a:rPr lang="en-US" altLang="ko-KR" dirty="0" err="1" smtClean="0"/>
+              <a:t>xScale</a:t>
+            </a:r>
+            <a:r>
+              <a:rPr lang="en-US" altLang="ko-KR" dirty="0" smtClean="0"/>
+              <a:t> = w2/w1;</a:t>
+            </a:r>
+          </a:p>
+          <a:p>
+            <a:pPr lvl="2"/>
+            <a:r>
+              <a:rPr lang="en-US" altLang="ko-KR" dirty="0" err="1" smtClean="0"/>
+              <a:t>yScale</a:t>
+            </a:r>
+            <a:r>
+              <a:rPr lang="en-US" altLang="ko-KR" dirty="0" smtClean="0"/>
+              <a:t> </a:t>
+            </a:r>
+            <a:r>
+              <a:rPr lang="en-US" altLang="ko-KR" dirty="0"/>
+              <a:t>= </a:t>
+            </a:r>
+            <a:r>
+              <a:rPr lang="en-US" altLang="ko-KR" dirty="0" smtClean="0"/>
+              <a:t>h2/h1</a:t>
+            </a:r>
+            <a:r>
+              <a:rPr lang="en-US" altLang="ko-KR" dirty="0"/>
+              <a:t>;</a:t>
+            </a:r>
+          </a:p>
+          <a:p>
+            <a:pPr lvl="2"/>
+            <a:endParaRPr lang="en-US" altLang="ko-KR" dirty="0"/>
+          </a:p>
+          <a:p>
+            <a:pPr lvl="2"/>
+            <a:endParaRPr lang="en-US" altLang="ko-KR" dirty="0" smtClean="0"/>
+          </a:p>
+          <a:p>
+            <a:pPr lvl="1"/>
+            <a:endParaRPr lang="ko-KR" altLang="en-US" dirty="0"/>
+          </a:p>
+        </p:txBody>
+      </p:sp>
+      <p:sp>
+        <p:nvSpPr>
+          <p:cNvPr id="8" name="내용 개체 틀 7"/>
+          <p:cNvSpPr>
+            <a:spLocks noGrp="1"/>
+          </p:cNvSpPr>
+          <p:nvPr>
+            <p:ph sz="half" idx="2"/>
+          </p:nvPr>
+        </p:nvSpPr>
+        <p:spPr/>
+        <p:txBody>
+          <a:bodyPr/>
+          <a:lstStyle/>
+          <a:p>
+            <a:endParaRPr lang="en-US" altLang="ko-KR" dirty="0" smtClean="0"/>
+          </a:p>
+          <a:p>
+            <a:pPr lvl="1"/>
+            <a:r>
+              <a:rPr lang="en-US" altLang="ko-KR" dirty="0" smtClean="0"/>
+              <a:t>EE/WW</a:t>
+            </a:r>
+            <a:endParaRPr lang="ko-KR" altLang="en-US" dirty="0"/>
+          </a:p>
+        </p:txBody>
+      </p:sp>
+      <p:sp>
+        <p:nvSpPr>
+          <p:cNvPr id="5" name="바닥글 개체 틀 4"/>
+          <p:cNvSpPr>
+            <a:spLocks noGrp="1"/>
+          </p:cNvSpPr>
+          <p:nvPr>
+            <p:ph type="ftr" sz="quarter" idx="10"/>
+          </p:nvPr>
+        </p:nvSpPr>
+        <p:spPr/>
+        <p:txBody>
+          <a:bodyPr/>
+          <a:lstStyle/>
+          <a:p>
+            <a:pPr>
+              <a:buFont typeface="맑은 고딕" panose="020B0503020000020004" pitchFamily="50" charset="-127"/>
+              <a:buChar char="ⓒ"/>
+            </a:pPr>
+            <a:r>
+              <a:rPr lang="en-US" altLang="ko-KR" smtClean="0"/>
+              <a:t>Sungwoon Choi 2021</a:t>
+            </a:r>
+            <a:endParaRPr lang="en-US" altLang="ko-KR" dirty="0"/>
+          </a:p>
+        </p:txBody>
+      </p:sp>
+      <p:sp>
+        <p:nvSpPr>
+          <p:cNvPr id="6" name="슬라이드 번호 개체 틀 5"/>
+          <p:cNvSpPr>
+            <a:spLocks noGrp="1"/>
+          </p:cNvSpPr>
+          <p:nvPr>
+            <p:ph type="sldNum" sz="quarter" idx="11"/>
+          </p:nvPr>
+        </p:nvSpPr>
+        <p:spPr/>
+        <p:txBody>
+          <a:bodyPr/>
+          <a:lstStyle/>
+          <a:p>
+            <a:fld id="{AA4216F1-165B-4DFF-BD92-3D8E849D7D48}" type="slidenum">
+              <a:rPr lang="en-US" altLang="ko-KR" smtClean="0"/>
+              <a:pPr/>
+              <a:t>41</a:t>
+            </a:fld>
+            <a:endParaRPr lang="en-US" altLang="ko-KR" dirty="0"/>
+          </a:p>
+        </p:txBody>
+      </p:sp>
+      <p:sp>
+        <p:nvSpPr>
+          <p:cNvPr id="9" name="직사각형 8"/>
+          <p:cNvSpPr/>
+          <p:nvPr/>
+        </p:nvSpPr>
+        <p:spPr bwMode="auto">
+          <a:xfrm>
+            <a:off x="2050901" y="4384476"/>
+            <a:ext cx="1656432" cy="1802708"/>
+          </a:xfrm>
+          <a:prstGeom prst="rect">
+            <a:avLst/>
+          </a:prstGeom>
+          <a:solidFill>
+            <a:schemeClr val="accent3">
+              <a:lumMod val="40000"/>
+              <a:lumOff val="60000"/>
+            </a:schemeClr>
+          </a:solidFill>
+          <a:ln w="9525" cap="flat" cmpd="sng" algn="ctr">
+            <a:solidFill>
+              <a:schemeClr val="accent3">
+                <a:lumMod val="75000"/>
+              </a:schemeClr>
+            </a:solidFill>
+            <a:prstDash val="solid"/>
+            <a:round/>
+            <a:headEnd type="none" w="med" len="med"/>
+            <a:tailEnd type="none" w="med" len="med"/>
+          </a:ln>
+          <a:effectLst/>
+        </p:spPr>
+        <p:txBody>
+          <a:bodyPr vert="horz" wrap="square" lIns="91440" tIns="45720" rIns="91440" bIns="45720" numCol="1" rtlCol="0" anchor="ctr" anchorCtr="0" compatLnSpc="1">
+            <a:prstTxWarp prst="textNoShape">
+              <a:avLst/>
+            </a:prstTxWarp>
+          </a:bodyPr>
+          <a:lstStyle/>
+          <a:p>
+            <a:pPr marL="0" marR="0" indent="0" algn="ctr" defTabSz="914400" rtl="0" eaLnBrk="1" fontAlgn="base" latinLnBrk="0" hangingPunct="1">
+              <a:lnSpc>
+                <a:spcPct val="100000"/>
+              </a:lnSpc>
+              <a:spcBef>
+                <a:spcPct val="0"/>
+              </a:spcBef>
+              <a:spcAft>
+                <a:spcPct val="0"/>
+              </a:spcAft>
+              <a:buClrTx/>
+              <a:buSzTx/>
+              <a:buFontTx/>
+              <a:buNone/>
+              <a:tabLst/>
+            </a:pPr>
+            <a:endParaRPr kumimoji="0" lang="ko-KR" altLang="en-US" sz="1400" b="0" i="0" u="none" strike="noStrike" cap="none" normalizeH="0" baseline="0" smtClean="0">
+              <a:ln>
+                <a:noFill/>
+              </a:ln>
+              <a:solidFill>
+                <a:schemeClr val="tx1"/>
+              </a:solidFill>
+              <a:effectLst/>
+              <a:latin typeface="Arial" charset="0"/>
+            </a:endParaRPr>
+          </a:p>
+        </p:txBody>
+      </p:sp>
+      <p:sp>
+        <p:nvSpPr>
+          <p:cNvPr id="10" name="직사각형 9"/>
+          <p:cNvSpPr/>
+          <p:nvPr/>
+        </p:nvSpPr>
+        <p:spPr bwMode="auto">
+          <a:xfrm>
+            <a:off x="2050132" y="4396979"/>
+            <a:ext cx="1152128" cy="1240472"/>
+          </a:xfrm>
+          <a:prstGeom prst="rect">
+            <a:avLst/>
+          </a:prstGeom>
+          <a:solidFill>
+            <a:schemeClr val="accent3">
+              <a:lumMod val="20000"/>
+              <a:lumOff val="80000"/>
+            </a:schemeClr>
+          </a:solidFill>
+          <a:ln w="9525" cap="flat" cmpd="sng" algn="ctr">
+            <a:solidFill>
+              <a:schemeClr val="accent3">
+                <a:lumMod val="75000"/>
+              </a:schemeClr>
+            </a:solidFill>
+            <a:prstDash val="solid"/>
+            <a:round/>
+            <a:headEnd type="none" w="med" len="med"/>
+            <a:tailEnd type="none" w="med" len="med"/>
+          </a:ln>
+          <a:effectLst/>
+        </p:spPr>
+        <p:txBody>
+          <a:bodyPr vert="horz" wrap="square" lIns="91440" tIns="45720" rIns="91440" bIns="45720" numCol="1" rtlCol="0" anchor="ctr" anchorCtr="0" compatLnSpc="1">
+            <a:prstTxWarp prst="textNoShape">
+              <a:avLst/>
+            </a:prstTxWarp>
+          </a:bodyPr>
+          <a:lstStyle/>
+          <a:p>
+            <a:pPr marL="0" marR="0" indent="0" algn="ctr" defTabSz="914400" rtl="0" eaLnBrk="1" fontAlgn="base" latinLnBrk="0" hangingPunct="1">
+              <a:lnSpc>
+                <a:spcPct val="100000"/>
+              </a:lnSpc>
+              <a:spcBef>
+                <a:spcPct val="0"/>
+              </a:spcBef>
+              <a:spcAft>
+                <a:spcPct val="0"/>
+              </a:spcAft>
+              <a:buClrTx/>
+              <a:buSzTx/>
+              <a:buFontTx/>
+              <a:buNone/>
+              <a:tabLst/>
+            </a:pPr>
+            <a:endParaRPr kumimoji="0" lang="ko-KR" altLang="en-US" sz="1400" b="0" i="0" u="none" strike="noStrike" cap="none" normalizeH="0" baseline="0" smtClean="0">
+              <a:ln>
+                <a:noFill/>
+              </a:ln>
+              <a:solidFill>
+                <a:schemeClr val="tx1"/>
+              </a:solidFill>
+              <a:effectLst/>
+              <a:latin typeface="Arial" charset="0"/>
+            </a:endParaRPr>
+          </a:p>
+        </p:txBody>
+      </p:sp>
+      <p:sp>
+        <p:nvSpPr>
+          <p:cNvPr id="11" name="타원 10"/>
+          <p:cNvSpPr/>
+          <p:nvPr/>
+        </p:nvSpPr>
+        <p:spPr bwMode="auto">
+          <a:xfrm>
+            <a:off x="3055749" y="5446861"/>
+            <a:ext cx="249237" cy="288032"/>
+          </a:xfrm>
+          <a:prstGeom prst="ellipse">
+            <a:avLst/>
+          </a:prstGeom>
+          <a:solidFill>
+            <a:schemeClr val="accent3">
+              <a:lumMod val="75000"/>
+            </a:schemeClr>
+          </a:solidFill>
+          <a:ln w="9525" cap="flat" cmpd="sng" algn="ctr">
+            <a:solidFill>
+              <a:schemeClr val="accent3">
+                <a:lumMod val="75000"/>
+              </a:schemeClr>
+            </a:solidFill>
+            <a:prstDash val="solid"/>
+            <a:round/>
+            <a:headEnd type="none" w="med" len="med"/>
+            <a:tailEnd type="none" w="med" len="med"/>
+          </a:ln>
+          <a:effectLst/>
+        </p:spPr>
+        <p:txBody>
+          <a:bodyPr vert="horz" wrap="square" lIns="91440" tIns="45720" rIns="91440" bIns="45720" numCol="1" rtlCol="0" anchor="ctr" anchorCtr="0" compatLnSpc="1">
+            <a:prstTxWarp prst="textNoShape">
+              <a:avLst/>
+            </a:prstTxWarp>
+          </a:bodyPr>
+          <a:lstStyle/>
+          <a:p>
+            <a:pPr marL="0" marR="0" indent="0" algn="ctr" defTabSz="914400" rtl="0" eaLnBrk="1" fontAlgn="base" latinLnBrk="0" hangingPunct="1">
+              <a:lnSpc>
+                <a:spcPct val="100000"/>
+              </a:lnSpc>
+              <a:spcBef>
+                <a:spcPct val="0"/>
+              </a:spcBef>
+              <a:spcAft>
+                <a:spcPct val="0"/>
+              </a:spcAft>
+              <a:buClrTx/>
+              <a:buSzTx/>
+              <a:buFontTx/>
+              <a:buNone/>
+              <a:tabLst/>
+            </a:pPr>
+            <a:endParaRPr kumimoji="0" lang="ko-KR" altLang="en-US" sz="1400" b="0" i="0" u="none" strike="noStrike" cap="none" normalizeH="0" baseline="0" smtClean="0">
+              <a:ln>
+                <a:noFill/>
+              </a:ln>
+              <a:solidFill>
+                <a:schemeClr val="tx1"/>
+              </a:solidFill>
+              <a:effectLst/>
+              <a:latin typeface="Arial" charset="0"/>
+            </a:endParaRPr>
+          </a:p>
+        </p:txBody>
+      </p:sp>
+      <p:sp>
+        <p:nvSpPr>
+          <p:cNvPr id="12" name="타원 11"/>
+          <p:cNvSpPr/>
+          <p:nvPr/>
+        </p:nvSpPr>
+        <p:spPr bwMode="auto">
+          <a:xfrm>
+            <a:off x="1978802" y="4286134"/>
+            <a:ext cx="249237" cy="288032"/>
+          </a:xfrm>
+          <a:prstGeom prst="ellipse">
+            <a:avLst/>
+          </a:prstGeom>
+          <a:solidFill>
+            <a:srgbClr val="00B0F0"/>
+          </a:solidFill>
+          <a:ln w="9525" cap="flat" cmpd="sng" algn="ctr">
+            <a:solidFill>
+              <a:schemeClr val="accent3">
+                <a:lumMod val="75000"/>
+              </a:schemeClr>
+            </a:solidFill>
+            <a:prstDash val="solid"/>
+            <a:round/>
+            <a:headEnd type="none" w="med" len="med"/>
+            <a:tailEnd type="none" w="med" len="med"/>
+          </a:ln>
+          <a:effectLst/>
+        </p:spPr>
+        <p:txBody>
+          <a:bodyPr vert="horz" wrap="square" lIns="91440" tIns="45720" rIns="91440" bIns="45720" numCol="1" rtlCol="0" anchor="ctr" anchorCtr="0" compatLnSpc="1">
+            <a:prstTxWarp prst="textNoShape">
+              <a:avLst/>
+            </a:prstTxWarp>
+          </a:bodyPr>
+          <a:lstStyle/>
+          <a:p>
+            <a:pPr marL="0" marR="0" indent="0" algn="ctr" defTabSz="914400" rtl="0" eaLnBrk="1" fontAlgn="base" latinLnBrk="0" hangingPunct="1">
+              <a:lnSpc>
+                <a:spcPct val="100000"/>
+              </a:lnSpc>
+              <a:spcBef>
+                <a:spcPct val="0"/>
+              </a:spcBef>
+              <a:spcAft>
+                <a:spcPct val="0"/>
+              </a:spcAft>
+              <a:buClrTx/>
+              <a:buSzTx/>
+              <a:buFontTx/>
+              <a:buNone/>
+              <a:tabLst/>
+            </a:pPr>
+            <a:endParaRPr kumimoji="0" lang="ko-KR" altLang="en-US" sz="1400" b="0" i="0" u="none" strike="noStrike" cap="none" normalizeH="0" baseline="0" smtClean="0">
+              <a:ln>
+                <a:noFill/>
+              </a:ln>
+              <a:solidFill>
+                <a:schemeClr val="tx1"/>
+              </a:solidFill>
+              <a:effectLst/>
+              <a:latin typeface="Arial" charset="0"/>
+            </a:endParaRPr>
+          </a:p>
+        </p:txBody>
+      </p:sp>
+      <p:sp>
+        <p:nvSpPr>
+          <p:cNvPr id="13" name="타원 12"/>
+          <p:cNvSpPr/>
+          <p:nvPr/>
+        </p:nvSpPr>
+        <p:spPr bwMode="auto">
+          <a:xfrm>
+            <a:off x="3490797" y="5971160"/>
+            <a:ext cx="249237" cy="288032"/>
+          </a:xfrm>
+          <a:prstGeom prst="ellipse">
+            <a:avLst/>
+          </a:prstGeom>
+          <a:solidFill>
+            <a:schemeClr val="accent3">
+              <a:lumMod val="75000"/>
+            </a:schemeClr>
+          </a:solidFill>
+          <a:ln w="9525" cap="flat" cmpd="sng" algn="ctr">
+            <a:solidFill>
+              <a:schemeClr val="accent3">
+                <a:lumMod val="75000"/>
+              </a:schemeClr>
+            </a:solidFill>
+            <a:prstDash val="solid"/>
+            <a:round/>
+            <a:headEnd type="none" w="med" len="med"/>
+            <a:tailEnd type="none" w="med" len="med"/>
+          </a:ln>
+          <a:effectLst/>
+        </p:spPr>
+        <p:txBody>
+          <a:bodyPr vert="horz" wrap="square" lIns="91440" tIns="45720" rIns="91440" bIns="45720" numCol="1" rtlCol="0" anchor="ctr" anchorCtr="0" compatLnSpc="1">
+            <a:prstTxWarp prst="textNoShape">
+              <a:avLst/>
+            </a:prstTxWarp>
+          </a:bodyPr>
+          <a:lstStyle/>
+          <a:p>
+            <a:pPr marL="0" marR="0" indent="0" algn="ctr" defTabSz="914400" rtl="0" eaLnBrk="1" fontAlgn="base" latinLnBrk="0" hangingPunct="1">
+              <a:lnSpc>
+                <a:spcPct val="100000"/>
+              </a:lnSpc>
+              <a:spcBef>
+                <a:spcPct val="0"/>
+              </a:spcBef>
+              <a:spcAft>
+                <a:spcPct val="0"/>
+              </a:spcAft>
+              <a:buClrTx/>
+              <a:buSzTx/>
+              <a:buFontTx/>
+              <a:buNone/>
+              <a:tabLst/>
+            </a:pPr>
+            <a:endParaRPr kumimoji="0" lang="ko-KR" altLang="en-US" sz="1400" b="0" i="0" u="none" strike="noStrike" cap="none" normalizeH="0" baseline="0" smtClean="0">
+              <a:ln>
+                <a:noFill/>
+              </a:ln>
+              <a:solidFill>
+                <a:schemeClr val="tx1"/>
+              </a:solidFill>
+              <a:effectLst/>
+              <a:latin typeface="Arial" charset="0"/>
+            </a:endParaRPr>
+          </a:p>
+        </p:txBody>
+      </p:sp>
+      <p:cxnSp>
+        <p:nvCxnSpPr>
+          <p:cNvPr id="14" name="직선 화살표 연결선 13"/>
+          <p:cNvCxnSpPr>
+            <a:stCxn id="11" idx="5"/>
+            <a:endCxn id="13" idx="1"/>
+          </p:cNvCxnSpPr>
+          <p:nvPr/>
+        </p:nvCxnSpPr>
+        <p:spPr bwMode="auto">
+          <a:xfrm>
+            <a:off x="3268486" y="5692712"/>
+            <a:ext cx="258811" cy="320629"/>
+          </a:xfrm>
+          <a:prstGeom prst="straightConnector1">
+            <a:avLst/>
+          </a:prstGeom>
+          <a:solidFill>
+            <a:schemeClr val="accent1"/>
+          </a:solidFill>
+          <a:ln w="9525" cap="flat" cmpd="sng" algn="ctr">
+            <a:solidFill>
+              <a:schemeClr val="tx1"/>
+            </a:solidFill>
+            <a:prstDash val="solid"/>
+            <a:round/>
+            <a:headEnd type="none" w="med" len="med"/>
+            <a:tailEnd type="triangle"/>
+          </a:ln>
+          <a:effectLst/>
+          <a:extLst>
+            <a:ext uri="{AF507438-7753-43E0-B8FC-AC1667EBCBE1}">
+              <a14:hiddenEffects xmlns:a14="http://schemas.microsoft.com/office/drawing/2010/main">
+                <a:effectLst>
+                  <a:outerShdw dist="35921" dir="2700000" algn="ctr" rotWithShape="0">
+                    <a:schemeClr val="bg2"/>
+                  </a:outerShdw>
+                </a:effectLst>
+              </a14:hiddenEffects>
+            </a:ext>
+          </a:extLst>
+        </p:spPr>
+      </p:cxnSp>
+      <p:sp>
+        <p:nvSpPr>
+          <p:cNvPr id="15" name="왼쪽 중괄호 14"/>
+          <p:cNvSpPr/>
+          <p:nvPr/>
+        </p:nvSpPr>
+        <p:spPr bwMode="auto">
+          <a:xfrm>
+            <a:off x="1549830" y="4419014"/>
+            <a:ext cx="308385" cy="1240474"/>
+          </a:xfrm>
+          <a:prstGeom prst="leftBrace">
+            <a:avLst/>
+          </a:prstGeom>
+          <a:noFill/>
+          <a:ln w="9525" cap="flat" cmpd="sng" algn="ctr">
+            <a:solidFill>
+              <a:schemeClr val="tx1"/>
+            </a:solidFill>
+            <a:prstDash val="solid"/>
+            <a:round/>
+            <a:headEnd type="none" w="med" len="med"/>
+            <a:tailEnd type="none" w="med" len="med"/>
+          </a:ln>
+          <a:effectLst/>
+          <a:extLst/>
+        </p:spPr>
+        <p:txBody>
+          <a:bodyPr vert="horz" wrap="square" lIns="91440" tIns="45720" rIns="91440" bIns="45720" numCol="1" rtlCol="0" anchor="t" anchorCtr="0" compatLnSpc="1">
+            <a:prstTxWarp prst="textNoShape">
+              <a:avLst/>
+            </a:prstTxWarp>
+          </a:bodyPr>
+          <a:lstStyle/>
+          <a:p>
+            <a:pPr marL="0" marR="0" indent="0" algn="l" defTabSz="914400" rtl="0" eaLnBrk="1" fontAlgn="base" latinLnBrk="0" hangingPunct="1">
+              <a:lnSpc>
+                <a:spcPct val="100000"/>
+              </a:lnSpc>
+              <a:spcBef>
+                <a:spcPct val="0"/>
+              </a:spcBef>
+              <a:spcAft>
+                <a:spcPct val="0"/>
+              </a:spcAft>
+              <a:buClrTx/>
+              <a:buSzTx/>
+              <a:buFontTx/>
+              <a:buNone/>
+              <a:tabLst/>
+            </a:pPr>
+            <a:endParaRPr kumimoji="0" lang="ko-KR" altLang="en-US" sz="2400" b="0" i="0" u="none" strike="noStrike" cap="none" normalizeH="0" baseline="0" smtClean="0">
+              <a:ln>
+                <a:noFill/>
+              </a:ln>
+              <a:solidFill>
+                <a:schemeClr val="tx1"/>
+              </a:solidFill>
+              <a:effectLst/>
+              <a:latin typeface="Arial" charset="0"/>
+            </a:endParaRPr>
+          </a:p>
+        </p:txBody>
+      </p:sp>
+      <p:sp>
+        <p:nvSpPr>
+          <p:cNvPr id="16" name="왼쪽 중괄호 15"/>
+          <p:cNvSpPr/>
+          <p:nvPr/>
+        </p:nvSpPr>
+        <p:spPr bwMode="auto">
+          <a:xfrm>
+            <a:off x="1066283" y="4434884"/>
+            <a:ext cx="236220" cy="1752299"/>
+          </a:xfrm>
+          <a:prstGeom prst="leftBrace">
+            <a:avLst/>
+          </a:prstGeom>
+          <a:noFill/>
+          <a:ln w="9525" cap="flat" cmpd="sng" algn="ctr">
+            <a:solidFill>
+              <a:schemeClr val="tx1"/>
+            </a:solidFill>
+            <a:prstDash val="solid"/>
+            <a:round/>
+            <a:headEnd type="none" w="med" len="med"/>
+            <a:tailEnd type="none" w="med" len="med"/>
+          </a:ln>
+          <a:effectLst/>
+          <a:extLst/>
+        </p:spPr>
+        <p:txBody>
+          <a:bodyPr vert="horz" wrap="square" lIns="91440" tIns="45720" rIns="91440" bIns="45720" numCol="1" rtlCol="0" anchor="t" anchorCtr="0" compatLnSpc="1">
+            <a:prstTxWarp prst="textNoShape">
+              <a:avLst/>
+            </a:prstTxWarp>
+          </a:bodyPr>
+          <a:lstStyle/>
+          <a:p>
+            <a:pPr marL="0" marR="0" indent="0" algn="l" defTabSz="914400" rtl="0" eaLnBrk="1" fontAlgn="base" latinLnBrk="0" hangingPunct="1">
+              <a:lnSpc>
+                <a:spcPct val="100000"/>
+              </a:lnSpc>
+              <a:spcBef>
+                <a:spcPct val="0"/>
+              </a:spcBef>
+              <a:spcAft>
+                <a:spcPct val="0"/>
+              </a:spcAft>
+              <a:buClrTx/>
+              <a:buSzTx/>
+              <a:buFontTx/>
+              <a:buNone/>
+              <a:tabLst/>
+            </a:pPr>
+            <a:endParaRPr kumimoji="0" lang="ko-KR" altLang="en-US" sz="2400" b="0" i="0" u="none" strike="noStrike" cap="none" normalizeH="0" baseline="0" smtClean="0">
+              <a:ln>
+                <a:noFill/>
+              </a:ln>
+              <a:solidFill>
+                <a:schemeClr val="tx1"/>
+              </a:solidFill>
+              <a:effectLst/>
+              <a:latin typeface="Arial" charset="0"/>
+            </a:endParaRPr>
+          </a:p>
+        </p:txBody>
+      </p:sp>
+      <p:sp>
+        <p:nvSpPr>
+          <p:cNvPr id="17" name="타원 16"/>
+          <p:cNvSpPr/>
+          <p:nvPr/>
+        </p:nvSpPr>
+        <p:spPr bwMode="auto">
+          <a:xfrm>
+            <a:off x="1199033" y="4763269"/>
+            <a:ext cx="542351" cy="551964"/>
+          </a:xfrm>
+          <a:prstGeom prst="ellipse">
+            <a:avLst/>
+          </a:prstGeom>
+          <a:noFill/>
+          <a:ln w="9525" cap="flat" cmpd="sng" algn="ctr">
+            <a:noFill/>
+            <a:prstDash val="solid"/>
+            <a:round/>
+            <a:headEnd type="none" w="med" len="med"/>
+            <a:tailEnd type="none" w="med" len="med"/>
+          </a:ln>
+          <a:effectLst/>
+        </p:spPr>
+        <p:txBody>
+          <a:bodyPr vert="horz" wrap="square" lIns="91440" tIns="45720" rIns="91440" bIns="45720" numCol="1" rtlCol="0" anchor="ctr" anchorCtr="0" compatLnSpc="1">
+            <a:prstTxWarp prst="textNoShape">
+              <a:avLst/>
+            </a:prstTxWarp>
+          </a:bodyPr>
+          <a:lstStyle/>
+          <a:p>
+            <a:pPr marL="0" marR="0" indent="0" algn="ctr" defTabSz="914400" rtl="0" eaLnBrk="1" fontAlgn="base" latinLnBrk="0" hangingPunct="1">
+              <a:lnSpc>
+                <a:spcPct val="100000"/>
+              </a:lnSpc>
+              <a:spcBef>
+                <a:spcPct val="0"/>
+              </a:spcBef>
+              <a:spcAft>
+                <a:spcPct val="0"/>
+              </a:spcAft>
+              <a:buClrTx/>
+              <a:buSzTx/>
+              <a:buFontTx/>
+              <a:buNone/>
+              <a:tabLst/>
+            </a:pPr>
+            <a:r>
+              <a:rPr kumimoji="0" lang="en-US" altLang="ko-KR" sz="1400" b="0" i="0" u="none" strike="noStrike" cap="none" normalizeH="0" baseline="0" dirty="0" smtClean="0">
+                <a:ln>
+                  <a:noFill/>
+                </a:ln>
+                <a:solidFill>
+                  <a:schemeClr val="tx1"/>
+                </a:solidFill>
+                <a:effectLst/>
+                <a:latin typeface="Arial" charset="0"/>
+              </a:rPr>
+              <a:t>h1</a:t>
+            </a:r>
+            <a:endParaRPr kumimoji="0" lang="ko-KR" altLang="en-US" sz="1400" b="0" i="0" u="none" strike="noStrike" cap="none" normalizeH="0" baseline="0" dirty="0" smtClean="0">
+              <a:ln>
+                <a:noFill/>
+              </a:ln>
+              <a:solidFill>
+                <a:schemeClr val="tx1"/>
+              </a:solidFill>
+              <a:effectLst/>
+              <a:latin typeface="Arial" charset="0"/>
+            </a:endParaRPr>
+          </a:p>
+        </p:txBody>
+      </p:sp>
+      <p:sp>
+        <p:nvSpPr>
+          <p:cNvPr id="18" name="타원 17"/>
+          <p:cNvSpPr/>
+          <p:nvPr/>
+        </p:nvSpPr>
+        <p:spPr bwMode="auto">
+          <a:xfrm>
+            <a:off x="639825" y="4982244"/>
+            <a:ext cx="542351" cy="551964"/>
+          </a:xfrm>
+          <a:prstGeom prst="ellipse">
+            <a:avLst/>
+          </a:prstGeom>
+          <a:noFill/>
+          <a:ln w="9525" cap="flat" cmpd="sng" algn="ctr">
+            <a:noFill/>
+            <a:prstDash val="solid"/>
+            <a:round/>
+            <a:headEnd type="none" w="med" len="med"/>
+            <a:tailEnd type="none" w="med" len="med"/>
+          </a:ln>
+          <a:effectLst/>
+        </p:spPr>
+        <p:txBody>
+          <a:bodyPr vert="horz" wrap="square" lIns="91440" tIns="45720" rIns="91440" bIns="45720" numCol="1" rtlCol="0" anchor="ctr" anchorCtr="0" compatLnSpc="1">
+            <a:prstTxWarp prst="textNoShape">
+              <a:avLst/>
+            </a:prstTxWarp>
+          </a:bodyPr>
+          <a:lstStyle/>
+          <a:p>
+            <a:pPr marL="0" marR="0" indent="0" algn="ctr" defTabSz="914400" rtl="0" eaLnBrk="1" fontAlgn="base" latinLnBrk="0" hangingPunct="1">
+              <a:lnSpc>
+                <a:spcPct val="100000"/>
+              </a:lnSpc>
+              <a:spcBef>
+                <a:spcPct val="0"/>
+              </a:spcBef>
+              <a:spcAft>
+                <a:spcPct val="0"/>
+              </a:spcAft>
+              <a:buClrTx/>
+              <a:buSzTx/>
+              <a:buFontTx/>
+              <a:buNone/>
+              <a:tabLst/>
+            </a:pPr>
+            <a:r>
+              <a:rPr kumimoji="0" lang="en-US" altLang="ko-KR" sz="1400" b="0" i="0" u="none" strike="noStrike" cap="none" normalizeH="0" baseline="0" smtClean="0">
+                <a:ln>
+                  <a:noFill/>
+                </a:ln>
+                <a:solidFill>
+                  <a:schemeClr val="tx1"/>
+                </a:solidFill>
+                <a:effectLst/>
+                <a:latin typeface="Arial" charset="0"/>
+              </a:rPr>
+              <a:t>h2</a:t>
+            </a:r>
+            <a:endParaRPr kumimoji="0" lang="ko-KR" altLang="en-US" sz="1400" b="0" i="0" u="none" strike="noStrike" cap="none" normalizeH="0" baseline="0" dirty="0" smtClean="0">
+              <a:ln>
+                <a:noFill/>
+              </a:ln>
+              <a:solidFill>
+                <a:schemeClr val="tx1"/>
+              </a:solidFill>
+              <a:effectLst/>
+              <a:latin typeface="Arial" charset="0"/>
+            </a:endParaRPr>
+          </a:p>
+        </p:txBody>
+      </p:sp>
+      <p:sp>
+        <p:nvSpPr>
+          <p:cNvPr id="19" name="왼쪽 중괄호 18"/>
+          <p:cNvSpPr/>
+          <p:nvPr/>
+        </p:nvSpPr>
+        <p:spPr bwMode="auto">
+          <a:xfrm rot="5400000">
+            <a:off x="2478808" y="3509541"/>
+            <a:ext cx="303005" cy="1206111"/>
+          </a:xfrm>
+          <a:prstGeom prst="leftBrace">
+            <a:avLst>
+              <a:gd name="adj1" fmla="val 43426"/>
+              <a:gd name="adj2" fmla="val 50000"/>
+            </a:avLst>
+          </a:prstGeom>
+          <a:noFill/>
+          <a:ln w="9525" cap="flat" cmpd="sng" algn="ctr">
+            <a:solidFill>
+              <a:schemeClr val="tx1"/>
+            </a:solidFill>
+            <a:prstDash val="solid"/>
+            <a:round/>
+            <a:headEnd type="none" w="med" len="med"/>
+            <a:tailEnd type="none" w="med" len="med"/>
+          </a:ln>
+          <a:effectLst/>
+          <a:extLst/>
+        </p:spPr>
+        <p:txBody>
+          <a:bodyPr vert="horz" wrap="square" lIns="91440" tIns="45720" rIns="91440" bIns="45720" numCol="1" rtlCol="0" anchor="t" anchorCtr="0" compatLnSpc="1">
+            <a:prstTxWarp prst="textNoShape">
+              <a:avLst/>
+            </a:prstTxWarp>
+          </a:bodyPr>
+          <a:lstStyle/>
+          <a:p>
+            <a:pPr marL="0" marR="0" indent="0" algn="l" defTabSz="914400" rtl="0" eaLnBrk="1" fontAlgn="base" latinLnBrk="0" hangingPunct="1">
+              <a:lnSpc>
+                <a:spcPct val="100000"/>
+              </a:lnSpc>
+              <a:spcBef>
+                <a:spcPct val="0"/>
+              </a:spcBef>
+              <a:spcAft>
+                <a:spcPct val="0"/>
+              </a:spcAft>
+              <a:buClrTx/>
+              <a:buSzTx/>
+              <a:buFontTx/>
+              <a:buNone/>
+              <a:tabLst/>
+            </a:pPr>
+            <a:endParaRPr kumimoji="0" lang="ko-KR" altLang="en-US" sz="2400" b="0" i="0" u="none" strike="noStrike" cap="none" normalizeH="0" baseline="0" smtClean="0">
+              <a:ln>
+                <a:noFill/>
+              </a:ln>
+              <a:solidFill>
+                <a:schemeClr val="tx1"/>
+              </a:solidFill>
+              <a:effectLst/>
+              <a:latin typeface="Arial" charset="0"/>
+            </a:endParaRPr>
+          </a:p>
+        </p:txBody>
+      </p:sp>
+      <p:sp>
+        <p:nvSpPr>
+          <p:cNvPr id="20" name="왼쪽 중괄호 19"/>
+          <p:cNvSpPr/>
+          <p:nvPr/>
+        </p:nvSpPr>
+        <p:spPr bwMode="auto">
+          <a:xfrm rot="5400000">
+            <a:off x="2715388" y="2834225"/>
+            <a:ext cx="229128" cy="1619300"/>
+          </a:xfrm>
+          <a:prstGeom prst="leftBrace">
+            <a:avLst>
+              <a:gd name="adj1" fmla="val 43426"/>
+              <a:gd name="adj2" fmla="val 50000"/>
+            </a:avLst>
+          </a:prstGeom>
+          <a:noFill/>
+          <a:ln w="9525" cap="flat" cmpd="sng" algn="ctr">
+            <a:solidFill>
+              <a:schemeClr val="tx1"/>
+            </a:solidFill>
+            <a:prstDash val="solid"/>
+            <a:round/>
+            <a:headEnd type="none" w="med" len="med"/>
+            <a:tailEnd type="none" w="med" len="med"/>
+          </a:ln>
+          <a:effectLst/>
+          <a:extLst/>
+        </p:spPr>
+        <p:txBody>
+          <a:bodyPr vert="horz" wrap="square" lIns="91440" tIns="45720" rIns="91440" bIns="45720" numCol="1" rtlCol="0" anchor="t" anchorCtr="0" compatLnSpc="1">
+            <a:prstTxWarp prst="textNoShape">
+              <a:avLst/>
+            </a:prstTxWarp>
+          </a:bodyPr>
+          <a:lstStyle/>
+          <a:p>
+            <a:pPr marL="0" marR="0" indent="0" algn="l" defTabSz="914400" rtl="0" eaLnBrk="1" fontAlgn="base" latinLnBrk="0" hangingPunct="1">
+              <a:lnSpc>
+                <a:spcPct val="100000"/>
+              </a:lnSpc>
+              <a:spcBef>
+                <a:spcPct val="0"/>
+              </a:spcBef>
+              <a:spcAft>
+                <a:spcPct val="0"/>
+              </a:spcAft>
+              <a:buClrTx/>
+              <a:buSzTx/>
+              <a:buFontTx/>
+              <a:buNone/>
+              <a:tabLst/>
+            </a:pPr>
+            <a:endParaRPr kumimoji="0" lang="ko-KR" altLang="en-US" sz="2400" b="0" i="0" u="none" strike="noStrike" cap="none" normalizeH="0" baseline="0" smtClean="0">
+              <a:ln>
+                <a:noFill/>
+              </a:ln>
+              <a:solidFill>
+                <a:schemeClr val="tx1"/>
+              </a:solidFill>
+              <a:effectLst/>
+              <a:latin typeface="Arial" charset="0"/>
+            </a:endParaRPr>
+          </a:p>
+        </p:txBody>
+      </p:sp>
+      <p:sp>
+        <p:nvSpPr>
+          <p:cNvPr id="21" name="타원 20"/>
+          <p:cNvSpPr/>
+          <p:nvPr/>
+        </p:nvSpPr>
+        <p:spPr bwMode="auto">
+          <a:xfrm>
+            <a:off x="2294210" y="3524628"/>
+            <a:ext cx="672202" cy="551964"/>
+          </a:xfrm>
+          <a:prstGeom prst="ellipse">
+            <a:avLst/>
+          </a:prstGeom>
+          <a:noFill/>
+          <a:ln w="9525" cap="flat" cmpd="sng" algn="ctr">
+            <a:noFill/>
+            <a:prstDash val="solid"/>
+            <a:round/>
+            <a:headEnd type="none" w="med" len="med"/>
+            <a:tailEnd type="none" w="med" len="med"/>
+          </a:ln>
+          <a:effectLst/>
+        </p:spPr>
+        <p:txBody>
+          <a:bodyPr vert="horz" wrap="square" lIns="91440" tIns="45720" rIns="91440" bIns="45720" numCol="1" rtlCol="0" anchor="ctr" anchorCtr="0" compatLnSpc="1">
+            <a:prstTxWarp prst="textNoShape">
+              <a:avLst/>
+            </a:prstTxWarp>
+          </a:bodyPr>
+          <a:lstStyle/>
+          <a:p>
+            <a:pPr marL="0" marR="0" indent="0" algn="ctr" defTabSz="914400" rtl="0" eaLnBrk="1" fontAlgn="base" latinLnBrk="0" hangingPunct="1">
+              <a:lnSpc>
+                <a:spcPct val="100000"/>
+              </a:lnSpc>
+              <a:spcBef>
+                <a:spcPct val="0"/>
+              </a:spcBef>
+              <a:spcAft>
+                <a:spcPct val="0"/>
+              </a:spcAft>
+              <a:buClrTx/>
+              <a:buSzTx/>
+              <a:buFontTx/>
+              <a:buNone/>
+              <a:tabLst/>
+            </a:pPr>
+            <a:r>
+              <a:rPr kumimoji="0" lang="en-US" altLang="ko-KR" sz="1400" b="0" i="0" u="none" strike="noStrike" cap="none" normalizeH="0" baseline="0" dirty="0" smtClean="0">
+                <a:ln>
+                  <a:noFill/>
+                </a:ln>
+                <a:solidFill>
+                  <a:schemeClr val="tx1"/>
+                </a:solidFill>
+                <a:effectLst/>
+                <a:latin typeface="Arial" charset="0"/>
+              </a:rPr>
+              <a:t>w1</a:t>
+            </a:r>
+            <a:endParaRPr kumimoji="0" lang="ko-KR" altLang="en-US" sz="1400" b="0" i="0" u="none" strike="noStrike" cap="none" normalizeH="0" baseline="0" dirty="0" smtClean="0">
+              <a:ln>
+                <a:noFill/>
+              </a:ln>
+              <a:solidFill>
+                <a:schemeClr val="tx1"/>
+              </a:solidFill>
+              <a:effectLst/>
+              <a:latin typeface="Arial" charset="0"/>
+            </a:endParaRPr>
+          </a:p>
+        </p:txBody>
+      </p:sp>
+      <p:sp>
+        <p:nvSpPr>
+          <p:cNvPr id="22" name="타원 21"/>
+          <p:cNvSpPr/>
+          <p:nvPr/>
+        </p:nvSpPr>
+        <p:spPr bwMode="auto">
+          <a:xfrm>
+            <a:off x="2508165" y="3104044"/>
+            <a:ext cx="672202" cy="551964"/>
+          </a:xfrm>
+          <a:prstGeom prst="ellipse">
+            <a:avLst/>
+          </a:prstGeom>
+          <a:noFill/>
+          <a:ln w="9525" cap="flat" cmpd="sng" algn="ctr">
+            <a:noFill/>
+            <a:prstDash val="solid"/>
+            <a:round/>
+            <a:headEnd type="none" w="med" len="med"/>
+            <a:tailEnd type="none" w="med" len="med"/>
+          </a:ln>
+          <a:effectLst/>
+        </p:spPr>
+        <p:txBody>
+          <a:bodyPr vert="horz" wrap="square" lIns="91440" tIns="45720" rIns="91440" bIns="45720" numCol="1" rtlCol="0" anchor="ctr" anchorCtr="0" compatLnSpc="1">
+            <a:prstTxWarp prst="textNoShape">
+              <a:avLst/>
+            </a:prstTxWarp>
+          </a:bodyPr>
+          <a:lstStyle/>
+          <a:p>
+            <a:pPr marL="0" marR="0" indent="0" algn="ctr" defTabSz="914400" rtl="0" eaLnBrk="1" fontAlgn="base" latinLnBrk="0" hangingPunct="1">
+              <a:lnSpc>
+                <a:spcPct val="100000"/>
+              </a:lnSpc>
+              <a:spcBef>
+                <a:spcPct val="0"/>
+              </a:spcBef>
+              <a:spcAft>
+                <a:spcPct val="0"/>
+              </a:spcAft>
+              <a:buClrTx/>
+              <a:buSzTx/>
+              <a:buFontTx/>
+              <a:buNone/>
+              <a:tabLst/>
+            </a:pPr>
+            <a:r>
+              <a:rPr kumimoji="0" lang="en-US" altLang="ko-KR" sz="1400" b="0" i="0" u="none" strike="noStrike" cap="none" normalizeH="0" baseline="0" dirty="0" smtClean="0">
+                <a:ln>
+                  <a:noFill/>
+                </a:ln>
+                <a:solidFill>
+                  <a:schemeClr val="tx1"/>
+                </a:solidFill>
+                <a:effectLst/>
+                <a:latin typeface="Arial" charset="0"/>
+              </a:rPr>
+              <a:t>w2</a:t>
+            </a:r>
+            <a:endParaRPr kumimoji="0" lang="ko-KR" altLang="en-US" sz="1400" b="0" i="0" u="none" strike="noStrike" cap="none" normalizeH="0" baseline="0" dirty="0" smtClean="0">
+              <a:ln>
+                <a:noFill/>
+              </a:ln>
+              <a:solidFill>
+                <a:schemeClr val="tx1"/>
+              </a:solidFill>
+              <a:effectLst/>
+              <a:latin typeface="Arial" charset="0"/>
+            </a:endParaRPr>
+          </a:p>
+        </p:txBody>
+      </p:sp>
+      <p:sp>
+        <p:nvSpPr>
+          <p:cNvPr id="23" name="타원 22"/>
+          <p:cNvSpPr/>
+          <p:nvPr/>
+        </p:nvSpPr>
+        <p:spPr bwMode="auto">
+          <a:xfrm>
+            <a:off x="2711074" y="4978955"/>
+            <a:ext cx="1036068" cy="551964"/>
+          </a:xfrm>
+          <a:prstGeom prst="ellipse">
+            <a:avLst/>
+          </a:prstGeom>
+          <a:noFill/>
+          <a:ln w="9525" cap="flat" cmpd="sng" algn="ctr">
+            <a:noFill/>
+            <a:prstDash val="solid"/>
+            <a:round/>
+            <a:headEnd type="none" w="med" len="med"/>
+            <a:tailEnd type="none" w="med" len="med"/>
+          </a:ln>
+          <a:effectLst/>
+        </p:spPr>
+        <p:txBody>
+          <a:bodyPr vert="horz" wrap="square" lIns="91440" tIns="45720" rIns="91440" bIns="45720" numCol="1" rtlCol="0" anchor="ctr" anchorCtr="0" compatLnSpc="1">
+            <a:prstTxWarp prst="textNoShape">
+              <a:avLst/>
+            </a:prstTxWarp>
+          </a:bodyPr>
+          <a:lstStyle/>
+          <a:p>
+            <a:pPr marL="0" marR="0" indent="0" algn="ctr" defTabSz="914400" rtl="0" eaLnBrk="1" fontAlgn="base" latinLnBrk="0" hangingPunct="1">
+              <a:lnSpc>
+                <a:spcPct val="100000"/>
+              </a:lnSpc>
+              <a:spcBef>
+                <a:spcPct val="0"/>
+              </a:spcBef>
+              <a:spcAft>
+                <a:spcPct val="0"/>
+              </a:spcAft>
+              <a:buClrTx/>
+              <a:buSzTx/>
+              <a:buFontTx/>
+              <a:buNone/>
+              <a:tabLst/>
+            </a:pPr>
+            <a:r>
+              <a:rPr lang="en-US" altLang="ko-KR" sz="1400" dirty="0" err="1" smtClean="0"/>
+              <a:t>p</a:t>
+            </a:r>
+            <a:r>
+              <a:rPr kumimoji="0" lang="en-US" altLang="ko-KR" sz="1400" b="0" i="0" u="none" strike="noStrike" cap="none" normalizeH="0" baseline="0" dirty="0" err="1" smtClean="0">
+                <a:ln>
+                  <a:noFill/>
+                </a:ln>
+                <a:solidFill>
+                  <a:schemeClr val="tx1"/>
+                </a:solidFill>
+                <a:effectLst/>
+                <a:latin typeface="Arial" charset="0"/>
+              </a:rPr>
+              <a:t>x</a:t>
+            </a:r>
+            <a:r>
+              <a:rPr kumimoji="0" lang="en-US" altLang="ko-KR" sz="1400" b="0" i="0" u="none" strike="noStrike" cap="none" normalizeH="0" baseline="0" dirty="0" smtClean="0">
+                <a:ln>
+                  <a:noFill/>
+                </a:ln>
+                <a:solidFill>
+                  <a:schemeClr val="tx1"/>
+                </a:solidFill>
+                <a:effectLst/>
+                <a:latin typeface="Arial" charset="0"/>
+              </a:rPr>
+              <a:t>, </a:t>
+            </a:r>
+            <a:r>
+              <a:rPr kumimoji="0" lang="en-US" altLang="ko-KR" sz="1400" b="0" i="0" u="none" strike="noStrike" cap="none" normalizeH="0" baseline="0" dirty="0" err="1" smtClean="0">
+                <a:ln>
+                  <a:noFill/>
+                </a:ln>
+                <a:solidFill>
+                  <a:schemeClr val="tx1"/>
+                </a:solidFill>
+                <a:effectLst/>
+                <a:latin typeface="Arial" charset="0"/>
+              </a:rPr>
+              <a:t>py</a:t>
+            </a:r>
+            <a:endParaRPr kumimoji="0" lang="ko-KR" altLang="en-US" sz="1400" b="0" i="0" u="none" strike="noStrike" cap="none" normalizeH="0" baseline="0" dirty="0" smtClean="0">
+              <a:ln>
+                <a:noFill/>
+              </a:ln>
+              <a:solidFill>
+                <a:schemeClr val="tx1"/>
+              </a:solidFill>
+              <a:effectLst/>
+              <a:latin typeface="Arial" charset="0"/>
+            </a:endParaRPr>
+          </a:p>
+        </p:txBody>
+      </p:sp>
+      <p:sp>
+        <p:nvSpPr>
+          <p:cNvPr id="24" name="타원 23"/>
+          <p:cNvSpPr/>
+          <p:nvPr/>
+        </p:nvSpPr>
+        <p:spPr bwMode="auto">
+          <a:xfrm>
+            <a:off x="3170955" y="6147469"/>
+            <a:ext cx="1036068" cy="551964"/>
+          </a:xfrm>
+          <a:prstGeom prst="ellipse">
+            <a:avLst/>
+          </a:prstGeom>
+          <a:noFill/>
+          <a:ln w="9525" cap="flat" cmpd="sng" algn="ctr">
+            <a:noFill/>
+            <a:prstDash val="solid"/>
+            <a:round/>
+            <a:headEnd type="none" w="med" len="med"/>
+            <a:tailEnd type="none" w="med" len="med"/>
+          </a:ln>
+          <a:effectLst/>
+        </p:spPr>
+        <p:txBody>
+          <a:bodyPr vert="horz" wrap="square" lIns="91440" tIns="45720" rIns="91440" bIns="45720" numCol="1" rtlCol="0" anchor="ctr" anchorCtr="0" compatLnSpc="1">
+            <a:prstTxWarp prst="textNoShape">
+              <a:avLst/>
+            </a:prstTxWarp>
+          </a:bodyPr>
+          <a:lstStyle/>
+          <a:p>
+            <a:pPr marL="0" marR="0" indent="0" algn="ctr" defTabSz="914400" rtl="0" eaLnBrk="1" fontAlgn="base" latinLnBrk="0" hangingPunct="1">
+              <a:lnSpc>
+                <a:spcPct val="100000"/>
+              </a:lnSpc>
+              <a:spcBef>
+                <a:spcPct val="0"/>
+              </a:spcBef>
+              <a:spcAft>
+                <a:spcPct val="0"/>
+              </a:spcAft>
+              <a:buClrTx/>
+              <a:buSzTx/>
+              <a:buFontTx/>
+              <a:buNone/>
+              <a:tabLst/>
+            </a:pPr>
+            <a:r>
+              <a:rPr lang="en-US" altLang="ko-KR" sz="1400" dirty="0"/>
+              <a:t>x</a:t>
+            </a:r>
+            <a:r>
+              <a:rPr lang="en-US" altLang="ko-KR" sz="1400" dirty="0" smtClean="0"/>
+              <a:t>, y</a:t>
+            </a:r>
+            <a:endParaRPr kumimoji="0" lang="ko-KR" altLang="en-US" sz="1400" b="0" i="0" u="none" strike="noStrike" cap="none" normalizeH="0" baseline="0" dirty="0" smtClean="0">
+              <a:ln>
+                <a:noFill/>
+              </a:ln>
+              <a:solidFill>
+                <a:schemeClr val="tx1"/>
+              </a:solidFill>
+              <a:effectLst/>
+              <a:latin typeface="Arial" charset="0"/>
+            </a:endParaRPr>
+          </a:p>
+        </p:txBody>
+      </p:sp>
+      <p:sp>
+        <p:nvSpPr>
+          <p:cNvPr id="29" name="타원 28"/>
+          <p:cNvSpPr/>
+          <p:nvPr/>
+        </p:nvSpPr>
+        <p:spPr bwMode="auto">
+          <a:xfrm>
+            <a:off x="1244351" y="3833998"/>
+            <a:ext cx="1036068" cy="551964"/>
+          </a:xfrm>
+          <a:prstGeom prst="ellipse">
+            <a:avLst/>
+          </a:prstGeom>
+          <a:noFill/>
+          <a:ln w="9525" cap="flat" cmpd="sng" algn="ctr">
+            <a:noFill/>
+            <a:prstDash val="solid"/>
+            <a:round/>
+            <a:headEnd type="none" w="med" len="med"/>
+            <a:tailEnd type="none" w="med" len="med"/>
+          </a:ln>
+          <a:effectLst/>
+        </p:spPr>
+        <p:txBody>
+          <a:bodyPr vert="horz" wrap="square" lIns="91440" tIns="45720" rIns="91440" bIns="45720" numCol="1" rtlCol="0" anchor="ctr" anchorCtr="0" compatLnSpc="1">
+            <a:prstTxWarp prst="textNoShape">
+              <a:avLst/>
+            </a:prstTxWarp>
+          </a:bodyPr>
+          <a:lstStyle/>
+          <a:p>
+            <a:pPr marL="0" marR="0" indent="0" algn="ctr" defTabSz="914400" rtl="0" eaLnBrk="1" fontAlgn="base" latinLnBrk="0" hangingPunct="1">
+              <a:lnSpc>
+                <a:spcPct val="100000"/>
+              </a:lnSpc>
+              <a:spcBef>
+                <a:spcPct val="0"/>
+              </a:spcBef>
+              <a:spcAft>
+                <a:spcPct val="0"/>
+              </a:spcAft>
+              <a:buClrTx/>
+              <a:buSzTx/>
+              <a:buFontTx/>
+              <a:buNone/>
+              <a:tabLst/>
+            </a:pPr>
+            <a:r>
+              <a:rPr kumimoji="0" lang="en-US" altLang="ko-KR" sz="1400" b="0" i="0" u="none" strike="noStrike" cap="none" normalizeH="0" baseline="0" dirty="0" smtClean="0">
+                <a:ln>
+                  <a:noFill/>
+                </a:ln>
+                <a:solidFill>
+                  <a:schemeClr val="tx1"/>
+                </a:solidFill>
+                <a:effectLst/>
+                <a:latin typeface="Arial" charset="0"/>
+              </a:rPr>
+              <a:t>cx, cy</a:t>
+            </a:r>
+            <a:endParaRPr kumimoji="0" lang="ko-KR" altLang="en-US" sz="1400" b="0" i="0" u="none" strike="noStrike" cap="none" normalizeH="0" baseline="0" dirty="0" smtClean="0">
+              <a:ln>
+                <a:noFill/>
+              </a:ln>
+              <a:solidFill>
+                <a:schemeClr val="tx1"/>
+              </a:solidFill>
+              <a:effectLst/>
+              <a:latin typeface="Arial" charset="0"/>
+            </a:endParaRPr>
+          </a:p>
+        </p:txBody>
+      </p:sp>
+    </p:spTree>
+    <p:extLst>
+      <p:ext uri="{BB962C8B-B14F-4D97-AF65-F5344CB8AC3E}">
+        <p14:creationId xmlns:p14="http://schemas.microsoft.com/office/powerpoint/2010/main" val="2303449713"/>
+      </p:ext>
+    </p:extLst>
+  </p:cSld>
+  <p:clrMapOvr>
+    <a:masterClrMapping/>
+  </p:clrMapOvr>
+</p:sld>
+</file>
+
+<file path=ppt/slides/slide42.xml><?xml version="1.0" encoding="utf-8"?>
+<p:sld xmlns:a="http://schemas.openxmlformats.org/drawingml/2006/main" xmlns:r="http://schemas.openxmlformats.org/officeDocument/2006/relationships" xmlns:p="http://schemas.openxmlformats.org/presentationml/2006/main">
+  <p:cSld>
+    <p:spTree>
+      <p:nvGrpSpPr>
+        <p:cNvPr id="1" name=""/>
+        <p:cNvGrpSpPr/>
+        <p:nvPr/>
+      </p:nvGrpSpPr>
+      <p:grpSpPr>
+        <a:xfrm>
+          <a:off x="0" y="0"/>
+          <a:ext cx="0" cy="0"/>
+          <a:chOff x="0" y="0"/>
+          <a:chExt cx="0" cy="0"/>
+        </a:xfrm>
+      </p:grpSpPr>
+      <p:sp>
+        <p:nvSpPr>
+          <p:cNvPr id="7" name="내용 개체 틀 6"/>
+          <p:cNvSpPr>
+            <a:spLocks noGrp="1"/>
+          </p:cNvSpPr>
+          <p:nvPr>
+            <p:ph sz="half" idx="1"/>
+          </p:nvPr>
+        </p:nvSpPr>
+        <p:spPr/>
+        <p:txBody>
+          <a:bodyPr/>
+          <a:lstStyle/>
+          <a:p>
+            <a:r>
+              <a:rPr lang="en-US" altLang="ko-KR" dirty="0" smtClean="0"/>
+              <a:t>Refactoring</a:t>
+            </a:r>
+          </a:p>
+          <a:p>
+            <a:pPr lvl="1"/>
+            <a:r>
+              <a:rPr lang="en-US" altLang="ko-KR" dirty="0" err="1"/>
+              <a:t>TransfomedShape</a:t>
+            </a:r>
+            <a:endParaRPr lang="en-US" altLang="ko-KR" dirty="0"/>
+          </a:p>
+          <a:p>
+            <a:pPr lvl="2"/>
+            <a:r>
+              <a:rPr lang="en-US" altLang="ko-KR" dirty="0" err="1"/>
+              <a:t>Tshape</a:t>
+            </a:r>
+            <a:r>
+              <a:rPr lang="en-US" altLang="ko-KR" dirty="0"/>
+              <a:t> x </a:t>
+            </a:r>
+            <a:r>
+              <a:rPr lang="en-US" altLang="ko-KR" dirty="0" err="1"/>
+              <a:t>AffineTrasform</a:t>
+            </a:r>
+            <a:endParaRPr lang="en-US" altLang="ko-KR" dirty="0"/>
+          </a:p>
+          <a:p>
+            <a:pPr lvl="1"/>
+            <a:r>
+              <a:rPr lang="en-US" altLang="ko-KR" dirty="0" err="1"/>
+              <a:t>TransfomedAnchor</a:t>
+            </a:r>
+            <a:endParaRPr lang="en-US" altLang="ko-KR" dirty="0"/>
+          </a:p>
+          <a:p>
+            <a:pPr marL="622300" lvl="3" indent="-266700">
+              <a:buFont typeface="Wingdings" panose="05000000000000000000" pitchFamily="2" charset="2"/>
+              <a:buChar char="§"/>
+            </a:pPr>
+            <a:r>
+              <a:rPr lang="en-US" altLang="ko-KR" dirty="0" err="1"/>
+              <a:t>Tshape</a:t>
+            </a:r>
+            <a:r>
+              <a:rPr lang="en-US" altLang="ko-KR" dirty="0"/>
+              <a:t> x </a:t>
+            </a:r>
+            <a:r>
+              <a:rPr lang="en-US" altLang="ko-KR" dirty="0" err="1"/>
+              <a:t>AffineTrasform</a:t>
+            </a:r>
+            <a:endParaRPr lang="en-US" altLang="ko-KR" dirty="0"/>
+          </a:p>
+          <a:p>
+            <a:endParaRPr lang="ko-KR" altLang="en-US" dirty="0"/>
+          </a:p>
+        </p:txBody>
+      </p:sp>
+      <p:sp>
+        <p:nvSpPr>
+          <p:cNvPr id="8" name="내용 개체 틀 7"/>
+          <p:cNvSpPr>
+            <a:spLocks noGrp="1"/>
+          </p:cNvSpPr>
+          <p:nvPr>
+            <p:ph sz="half" idx="2"/>
+          </p:nvPr>
+        </p:nvSpPr>
+        <p:spPr/>
+        <p:txBody>
+          <a:bodyPr/>
+          <a:lstStyle/>
+          <a:p>
+            <a:endParaRPr lang="ko-KR" altLang="en-US" dirty="0"/>
+          </a:p>
+        </p:txBody>
+      </p:sp>
+      <p:sp>
+        <p:nvSpPr>
+          <p:cNvPr id="5" name="바닥글 개체 틀 4"/>
+          <p:cNvSpPr>
+            <a:spLocks noGrp="1"/>
+          </p:cNvSpPr>
+          <p:nvPr>
+            <p:ph type="ftr" sz="quarter" idx="10"/>
+          </p:nvPr>
+        </p:nvSpPr>
+        <p:spPr/>
+        <p:txBody>
+          <a:bodyPr/>
+          <a:lstStyle/>
+          <a:p>
+            <a:pPr>
+              <a:buFont typeface="맑은 고딕" panose="020B0503020000020004" pitchFamily="50" charset="-127"/>
+              <a:buChar char="ⓒ"/>
+            </a:pPr>
+            <a:r>
+              <a:rPr lang="en-US" altLang="ko-KR" smtClean="0"/>
+              <a:t>Sungwoon Choi 2021</a:t>
+            </a:r>
+            <a:endParaRPr lang="en-US" altLang="ko-KR" dirty="0"/>
+          </a:p>
+        </p:txBody>
+      </p:sp>
+      <p:sp>
+        <p:nvSpPr>
+          <p:cNvPr id="6" name="슬라이드 번호 개체 틀 5"/>
+          <p:cNvSpPr>
+            <a:spLocks noGrp="1"/>
+          </p:cNvSpPr>
+          <p:nvPr>
+            <p:ph type="sldNum" sz="quarter" idx="11"/>
+          </p:nvPr>
+        </p:nvSpPr>
+        <p:spPr/>
+        <p:txBody>
+          <a:bodyPr/>
+          <a:lstStyle/>
+          <a:p>
+            <a:fld id="{AA4216F1-165B-4DFF-BD92-3D8E849D7D48}" type="slidenum">
+              <a:rPr lang="en-US" altLang="ko-KR" smtClean="0"/>
+              <a:pPr/>
+              <a:t>42</a:t>
+            </a:fld>
+            <a:endParaRPr lang="en-US" altLang="ko-KR" dirty="0"/>
+          </a:p>
+        </p:txBody>
+      </p:sp>
+      <p:sp>
+        <p:nvSpPr>
+          <p:cNvPr id="10" name="직사각형 9"/>
+          <p:cNvSpPr/>
+          <p:nvPr/>
+        </p:nvSpPr>
+        <p:spPr bwMode="auto">
+          <a:xfrm>
+            <a:off x="2710142" y="2806093"/>
+            <a:ext cx="1512168" cy="1008112"/>
+          </a:xfrm>
+          <a:prstGeom prst="rect">
+            <a:avLst/>
+          </a:prstGeom>
+          <a:solidFill>
+            <a:schemeClr val="accent3">
+              <a:lumMod val="20000"/>
+              <a:lumOff val="80000"/>
+            </a:schemeClr>
+          </a:solidFill>
+          <a:ln w="9525" cap="flat" cmpd="sng" algn="ctr">
+            <a:solidFill>
+              <a:schemeClr val="accent3">
+                <a:lumMod val="75000"/>
+              </a:schemeClr>
+            </a:solidFill>
+            <a:prstDash val="solid"/>
+            <a:round/>
+            <a:headEnd type="none" w="med" len="med"/>
+            <a:tailEnd type="none" w="med" len="med"/>
+          </a:ln>
+          <a:effectLst/>
+        </p:spPr>
+        <p:txBody>
+          <a:bodyPr vert="horz" wrap="square" lIns="91440" tIns="45720" rIns="91440" bIns="45720" numCol="1" rtlCol="0" anchor="ctr" anchorCtr="0" compatLnSpc="1">
+            <a:prstTxWarp prst="textNoShape">
+              <a:avLst/>
+            </a:prstTxWarp>
+          </a:bodyPr>
+          <a:lstStyle/>
+          <a:p>
+            <a:pPr marL="0" marR="0" indent="0" algn="ctr" defTabSz="914400" rtl="0" eaLnBrk="1" fontAlgn="base" latinLnBrk="0" hangingPunct="1">
+              <a:lnSpc>
+                <a:spcPct val="100000"/>
+              </a:lnSpc>
+              <a:spcBef>
+                <a:spcPct val="0"/>
+              </a:spcBef>
+              <a:spcAft>
+                <a:spcPct val="0"/>
+              </a:spcAft>
+              <a:buClrTx/>
+              <a:buSzTx/>
+              <a:buFontTx/>
+              <a:buNone/>
+              <a:tabLst/>
+            </a:pPr>
+            <a:r>
+              <a:rPr kumimoji="0" lang="en-US" altLang="ko-KR" sz="1400" b="0" i="0" u="none" strike="noStrike" cap="none" normalizeH="0" baseline="0" dirty="0" smtClean="0">
+                <a:ln>
+                  <a:noFill/>
+                </a:ln>
+                <a:solidFill>
+                  <a:schemeClr val="tx1"/>
+                </a:solidFill>
+                <a:effectLst/>
+                <a:latin typeface="Arial" charset="0"/>
+              </a:rPr>
+              <a:t>Drawing</a:t>
+            </a:r>
+            <a:r>
+              <a:rPr kumimoji="0" lang="en-US" altLang="ko-KR" sz="1400" b="0" i="0" u="none" strike="noStrike" cap="none" normalizeH="0" dirty="0" smtClean="0">
+                <a:ln>
+                  <a:noFill/>
+                </a:ln>
+                <a:solidFill>
+                  <a:schemeClr val="tx1"/>
+                </a:solidFill>
+                <a:effectLst/>
+                <a:latin typeface="Arial" charset="0"/>
+              </a:rPr>
+              <a:t> Panel</a:t>
+            </a:r>
+            <a:endParaRPr kumimoji="0" lang="ko-KR" altLang="en-US" sz="1400" b="0" i="0" u="none" strike="noStrike" cap="none" normalizeH="0" baseline="0" dirty="0" smtClean="0">
+              <a:ln>
+                <a:noFill/>
+              </a:ln>
+              <a:solidFill>
+                <a:schemeClr val="tx1"/>
+              </a:solidFill>
+              <a:effectLst/>
+              <a:latin typeface="Arial" charset="0"/>
+            </a:endParaRPr>
+          </a:p>
+        </p:txBody>
+      </p:sp>
+      <p:sp>
+        <p:nvSpPr>
+          <p:cNvPr id="11" name="직사각형 10"/>
+          <p:cNvSpPr/>
+          <p:nvPr/>
+        </p:nvSpPr>
+        <p:spPr bwMode="auto">
+          <a:xfrm>
+            <a:off x="6587405" y="2800300"/>
+            <a:ext cx="1512168" cy="1008112"/>
+          </a:xfrm>
+          <a:prstGeom prst="rect">
+            <a:avLst/>
+          </a:prstGeom>
+          <a:solidFill>
+            <a:schemeClr val="accent3">
+              <a:lumMod val="20000"/>
+              <a:lumOff val="80000"/>
+            </a:schemeClr>
+          </a:solidFill>
+          <a:ln w="9525" cap="flat" cmpd="sng" algn="ctr">
+            <a:solidFill>
+              <a:schemeClr val="accent3">
+                <a:lumMod val="75000"/>
+              </a:schemeClr>
+            </a:solidFill>
+            <a:prstDash val="solid"/>
+            <a:round/>
+            <a:headEnd type="none" w="med" len="med"/>
+            <a:tailEnd type="none" w="med" len="med"/>
+          </a:ln>
+          <a:effectLst/>
+        </p:spPr>
+        <p:txBody>
+          <a:bodyPr vert="horz" wrap="square" lIns="91440" tIns="45720" rIns="91440" bIns="45720" numCol="1" rtlCol="0" anchor="ctr" anchorCtr="0" compatLnSpc="1">
+            <a:prstTxWarp prst="textNoShape">
+              <a:avLst/>
+            </a:prstTxWarp>
+          </a:bodyPr>
+          <a:lstStyle/>
+          <a:p>
+            <a:pPr marL="0" marR="0" indent="0" algn="ctr" defTabSz="914400" rtl="0" eaLnBrk="1" fontAlgn="base" latinLnBrk="0" hangingPunct="1">
+              <a:lnSpc>
+                <a:spcPct val="100000"/>
+              </a:lnSpc>
+              <a:spcBef>
+                <a:spcPct val="0"/>
+              </a:spcBef>
+              <a:spcAft>
+                <a:spcPct val="0"/>
+              </a:spcAft>
+              <a:buClrTx/>
+              <a:buSzTx/>
+              <a:buFontTx/>
+              <a:buNone/>
+              <a:tabLst/>
+            </a:pPr>
+            <a:r>
+              <a:rPr kumimoji="0" lang="en-US" altLang="ko-KR" sz="1400" b="0" i="0" u="none" strike="noStrike" cap="none" normalizeH="0" baseline="0" dirty="0" err="1" smtClean="0">
+                <a:ln>
+                  <a:noFill/>
+                </a:ln>
+                <a:solidFill>
+                  <a:schemeClr val="tx1"/>
+                </a:solidFill>
+                <a:effectLst/>
+                <a:latin typeface="Arial" charset="0"/>
+              </a:rPr>
+              <a:t>TShape</a:t>
+            </a:r>
+            <a:endParaRPr kumimoji="0" lang="ko-KR" altLang="en-US" sz="1400" b="0" i="0" u="none" strike="noStrike" cap="none" normalizeH="0" baseline="0" dirty="0" smtClean="0">
+              <a:ln>
+                <a:noFill/>
+              </a:ln>
+              <a:solidFill>
+                <a:schemeClr val="tx1"/>
+              </a:solidFill>
+              <a:effectLst/>
+              <a:latin typeface="Arial" charset="0"/>
+            </a:endParaRPr>
+          </a:p>
+        </p:txBody>
+      </p:sp>
+      <p:sp>
+        <p:nvSpPr>
+          <p:cNvPr id="12" name="직사각형 11"/>
+          <p:cNvSpPr/>
+          <p:nvPr/>
+        </p:nvSpPr>
+        <p:spPr bwMode="auto">
+          <a:xfrm>
+            <a:off x="4618353" y="2800300"/>
+            <a:ext cx="1512168" cy="1008112"/>
+          </a:xfrm>
+          <a:prstGeom prst="rect">
+            <a:avLst/>
+          </a:prstGeom>
+          <a:solidFill>
+            <a:schemeClr val="accent3">
+              <a:lumMod val="20000"/>
+              <a:lumOff val="80000"/>
+            </a:schemeClr>
+          </a:solidFill>
+          <a:ln w="9525" cap="flat" cmpd="sng" algn="ctr">
+            <a:solidFill>
+              <a:schemeClr val="accent3">
+                <a:lumMod val="75000"/>
+              </a:schemeClr>
+            </a:solidFill>
+            <a:prstDash val="solid"/>
+            <a:round/>
+            <a:headEnd type="none" w="med" len="med"/>
+            <a:tailEnd type="none" w="med" len="med"/>
+          </a:ln>
+          <a:effectLst/>
+        </p:spPr>
+        <p:txBody>
+          <a:bodyPr vert="horz" wrap="square" lIns="91440" tIns="45720" rIns="91440" bIns="45720" numCol="1" rtlCol="0" anchor="ctr" anchorCtr="0" compatLnSpc="1">
+            <a:prstTxWarp prst="textNoShape">
+              <a:avLst/>
+            </a:prstTxWarp>
+          </a:bodyPr>
+          <a:lstStyle/>
+          <a:p>
+            <a:pPr marL="0" marR="0" indent="0" algn="ctr" defTabSz="914400" rtl="0" eaLnBrk="1" fontAlgn="base" latinLnBrk="0" hangingPunct="1">
+              <a:lnSpc>
+                <a:spcPct val="100000"/>
+              </a:lnSpc>
+              <a:spcBef>
+                <a:spcPct val="0"/>
+              </a:spcBef>
+              <a:spcAft>
+                <a:spcPct val="0"/>
+              </a:spcAft>
+              <a:buClrTx/>
+              <a:buSzTx/>
+              <a:buFontTx/>
+              <a:buNone/>
+              <a:tabLst/>
+            </a:pPr>
+            <a:r>
+              <a:rPr kumimoji="0" lang="en-US" altLang="ko-KR" sz="1400" b="0" i="0" u="none" strike="noStrike" cap="none" normalizeH="0" baseline="0" dirty="0" smtClean="0">
+                <a:ln>
+                  <a:noFill/>
+                </a:ln>
+                <a:solidFill>
+                  <a:schemeClr val="tx1"/>
+                </a:solidFill>
+                <a:effectLst/>
+                <a:latin typeface="Arial" charset="0"/>
+              </a:rPr>
+              <a:t>Transformer</a:t>
+            </a:r>
+          </a:p>
+        </p:txBody>
+      </p:sp>
+      <p:sp>
+        <p:nvSpPr>
+          <p:cNvPr id="13" name="직사각형 12"/>
+          <p:cNvSpPr/>
+          <p:nvPr/>
+        </p:nvSpPr>
+        <p:spPr bwMode="auto">
+          <a:xfrm>
+            <a:off x="6817819" y="4255765"/>
+            <a:ext cx="1051339" cy="566552"/>
+          </a:xfrm>
+          <a:prstGeom prst="rect">
+            <a:avLst/>
+          </a:prstGeom>
+          <a:solidFill>
+            <a:schemeClr val="accent3">
+              <a:lumMod val="20000"/>
+              <a:lumOff val="80000"/>
+            </a:schemeClr>
+          </a:solidFill>
+          <a:ln w="9525" cap="flat" cmpd="sng" algn="ctr">
+            <a:solidFill>
+              <a:schemeClr val="accent3">
+                <a:lumMod val="75000"/>
+              </a:schemeClr>
+            </a:solidFill>
+            <a:prstDash val="solid"/>
+            <a:round/>
+            <a:headEnd type="none" w="med" len="med"/>
+            <a:tailEnd type="none" w="med" len="med"/>
+          </a:ln>
+          <a:effectLst/>
+        </p:spPr>
+        <p:txBody>
+          <a:bodyPr vert="horz" wrap="square" lIns="91440" tIns="45720" rIns="91440" bIns="45720" numCol="1" rtlCol="0" anchor="ctr" anchorCtr="0" compatLnSpc="1">
+            <a:prstTxWarp prst="textNoShape">
+              <a:avLst/>
+            </a:prstTxWarp>
+          </a:bodyPr>
+          <a:lstStyle/>
+          <a:p>
+            <a:pPr marL="0" marR="0" indent="0" algn="ctr" defTabSz="914400" rtl="0" eaLnBrk="1" fontAlgn="base" latinLnBrk="0" hangingPunct="1">
+              <a:lnSpc>
+                <a:spcPct val="100000"/>
+              </a:lnSpc>
+              <a:spcBef>
+                <a:spcPct val="0"/>
+              </a:spcBef>
+              <a:spcAft>
+                <a:spcPct val="0"/>
+              </a:spcAft>
+              <a:buClrTx/>
+              <a:buSzTx/>
+              <a:buFontTx/>
+              <a:buNone/>
+              <a:tabLst/>
+            </a:pPr>
+            <a:r>
+              <a:rPr kumimoji="0" lang="en-US" altLang="ko-KR" sz="1400" b="0" i="0" u="none" strike="noStrike" cap="none" normalizeH="0" baseline="0" dirty="0" smtClean="0">
+                <a:ln>
+                  <a:noFill/>
+                </a:ln>
+                <a:solidFill>
+                  <a:schemeClr val="tx1"/>
+                </a:solidFill>
+                <a:effectLst/>
+                <a:latin typeface="Arial" charset="0"/>
+              </a:rPr>
+              <a:t>Anchors</a:t>
+            </a:r>
+            <a:endParaRPr kumimoji="0" lang="ko-KR" altLang="en-US" sz="1400" b="0" i="0" u="none" strike="noStrike" cap="none" normalizeH="0" baseline="0" dirty="0" smtClean="0">
+              <a:ln>
+                <a:noFill/>
+              </a:ln>
+              <a:solidFill>
+                <a:schemeClr val="tx1"/>
+              </a:solidFill>
+              <a:effectLst/>
+              <a:latin typeface="Arial" charset="0"/>
+            </a:endParaRPr>
+          </a:p>
+        </p:txBody>
+      </p:sp>
+      <p:cxnSp>
+        <p:nvCxnSpPr>
+          <p:cNvPr id="15" name="직선 화살표 연결선 14"/>
+          <p:cNvCxnSpPr>
+            <a:stCxn id="10" idx="3"/>
+            <a:endCxn id="12" idx="1"/>
+          </p:cNvCxnSpPr>
+          <p:nvPr/>
+        </p:nvCxnSpPr>
+        <p:spPr bwMode="auto">
+          <a:xfrm flipV="1">
+            <a:off x="4222310" y="3304356"/>
+            <a:ext cx="396043" cy="5793"/>
+          </a:xfrm>
+          <a:prstGeom prst="straightConnector1">
+            <a:avLst/>
+          </a:prstGeom>
+          <a:solidFill>
+            <a:schemeClr val="accent1"/>
+          </a:solidFill>
+          <a:ln w="9525" cap="flat" cmpd="sng" algn="ctr">
+            <a:solidFill>
+              <a:schemeClr val="tx1"/>
+            </a:solidFill>
+            <a:prstDash val="solid"/>
+            <a:round/>
+            <a:headEnd type="none" w="med" len="med"/>
+            <a:tailEnd type="triangle"/>
+          </a:ln>
+          <a:effectLst/>
+          <a:extLst>
+            <a:ext uri="{AF507438-7753-43E0-B8FC-AC1667EBCBE1}">
+              <a14:hiddenEffects xmlns:a14="http://schemas.microsoft.com/office/drawing/2010/main">
+                <a:effectLst>
+                  <a:outerShdw dist="35921" dir="2700000" algn="ctr" rotWithShape="0">
+                    <a:schemeClr val="bg2"/>
+                  </a:outerShdw>
+                </a:effectLst>
+              </a14:hiddenEffects>
+            </a:ext>
+          </a:extLst>
+        </p:spPr>
+      </p:cxnSp>
+      <p:cxnSp>
+        <p:nvCxnSpPr>
+          <p:cNvPr id="18" name="직선 화살표 연결선 17"/>
+          <p:cNvCxnSpPr>
+            <a:stCxn id="12" idx="3"/>
+            <a:endCxn id="11" idx="1"/>
+          </p:cNvCxnSpPr>
+          <p:nvPr/>
+        </p:nvCxnSpPr>
+        <p:spPr bwMode="auto">
+          <a:xfrm>
+            <a:off x="6130521" y="3304356"/>
+            <a:ext cx="456884" cy="0"/>
+          </a:xfrm>
+          <a:prstGeom prst="straightConnector1">
+            <a:avLst/>
+          </a:prstGeom>
+          <a:solidFill>
+            <a:schemeClr val="accent1"/>
+          </a:solidFill>
+          <a:ln w="9525" cap="flat" cmpd="sng" algn="ctr">
+            <a:solidFill>
+              <a:schemeClr val="tx1"/>
+            </a:solidFill>
+            <a:prstDash val="solid"/>
+            <a:round/>
+            <a:headEnd type="none" w="med" len="med"/>
+            <a:tailEnd type="triangle"/>
+          </a:ln>
+          <a:effectLst/>
+          <a:extLst>
+            <a:ext uri="{AF507438-7753-43E0-B8FC-AC1667EBCBE1}">
+              <a14:hiddenEffects xmlns:a14="http://schemas.microsoft.com/office/drawing/2010/main">
+                <a:effectLst>
+                  <a:outerShdw dist="35921" dir="2700000" algn="ctr" rotWithShape="0">
+                    <a:schemeClr val="bg2"/>
+                  </a:outerShdw>
+                </a:effectLst>
+              </a14:hiddenEffects>
+            </a:ext>
+          </a:extLst>
+        </p:spPr>
+      </p:cxnSp>
+      <p:sp>
+        <p:nvSpPr>
+          <p:cNvPr id="21" name="직사각형 20"/>
+          <p:cNvSpPr/>
+          <p:nvPr/>
+        </p:nvSpPr>
+        <p:spPr bwMode="auto">
+          <a:xfrm>
+            <a:off x="6817819" y="1771626"/>
+            <a:ext cx="1051339" cy="562369"/>
+          </a:xfrm>
+          <a:prstGeom prst="rect">
+            <a:avLst/>
+          </a:prstGeom>
+          <a:solidFill>
+            <a:schemeClr val="accent3">
+              <a:lumMod val="20000"/>
+              <a:lumOff val="80000"/>
+            </a:schemeClr>
+          </a:solidFill>
+          <a:ln w="9525" cap="flat" cmpd="sng" algn="ctr">
+            <a:solidFill>
+              <a:schemeClr val="accent3">
+                <a:lumMod val="75000"/>
+              </a:schemeClr>
+            </a:solidFill>
+            <a:prstDash val="solid"/>
+            <a:round/>
+            <a:headEnd type="none" w="med" len="med"/>
+            <a:tailEnd type="none" w="med" len="med"/>
+          </a:ln>
+          <a:effectLst/>
+        </p:spPr>
+        <p:txBody>
+          <a:bodyPr vert="horz" wrap="square" lIns="91440" tIns="45720" rIns="91440" bIns="45720" numCol="1" rtlCol="0" anchor="ctr" anchorCtr="0" compatLnSpc="1">
+            <a:prstTxWarp prst="textNoShape">
+              <a:avLst/>
+            </a:prstTxWarp>
+          </a:bodyPr>
+          <a:lstStyle/>
+          <a:p>
+            <a:pPr marL="0" marR="0" indent="0" algn="ctr" defTabSz="914400" rtl="0" eaLnBrk="1" fontAlgn="base" latinLnBrk="0" hangingPunct="1">
+              <a:lnSpc>
+                <a:spcPct val="100000"/>
+              </a:lnSpc>
+              <a:spcBef>
+                <a:spcPct val="0"/>
+              </a:spcBef>
+              <a:spcAft>
+                <a:spcPct val="0"/>
+              </a:spcAft>
+              <a:buClrTx/>
+              <a:buSzTx/>
+              <a:buFontTx/>
+              <a:buNone/>
+              <a:tabLst/>
+            </a:pPr>
+            <a:r>
+              <a:rPr lang="en-US" altLang="ko-KR" sz="1400" dirty="0" smtClean="0"/>
+              <a:t>Affine Transform</a:t>
+            </a:r>
+            <a:endParaRPr kumimoji="0" lang="en-US" altLang="ko-KR" sz="1400" b="0" i="0" u="none" strike="noStrike" cap="none" normalizeH="0" baseline="0" dirty="0" smtClean="0">
+              <a:ln>
+                <a:noFill/>
+              </a:ln>
+              <a:solidFill>
+                <a:schemeClr val="tx1"/>
+              </a:solidFill>
+              <a:effectLst/>
+              <a:latin typeface="Arial" charset="0"/>
+            </a:endParaRPr>
+          </a:p>
+        </p:txBody>
+      </p:sp>
+      <p:sp>
+        <p:nvSpPr>
+          <p:cNvPr id="27" name="오른쪽 화살표 26"/>
+          <p:cNvSpPr/>
+          <p:nvPr/>
+        </p:nvSpPr>
+        <p:spPr bwMode="auto">
+          <a:xfrm>
+            <a:off x="1494571" y="2595016"/>
+            <a:ext cx="1123777" cy="601342"/>
+          </a:xfrm>
+          <a:prstGeom prst="rightArrow">
+            <a:avLst/>
+          </a:prstGeom>
+          <a:solidFill>
+            <a:schemeClr val="accent3">
+              <a:lumMod val="20000"/>
+              <a:lumOff val="80000"/>
+            </a:schemeClr>
+          </a:solidFill>
+          <a:ln w="9525" cap="flat" cmpd="sng" algn="ctr">
+            <a:solidFill>
+              <a:schemeClr val="accent3">
+                <a:lumMod val="75000"/>
+              </a:schemeClr>
+            </a:solidFill>
+            <a:prstDash val="solid"/>
+            <a:round/>
+            <a:headEnd type="none" w="med" len="med"/>
+            <a:tailEnd type="none" w="med" len="med"/>
+          </a:ln>
+          <a:effectLst/>
+        </p:spPr>
+        <p:txBody>
+          <a:bodyPr vert="horz" wrap="square" lIns="91440" tIns="45720" rIns="91440" bIns="45720" numCol="1" rtlCol="0" anchor="ctr" anchorCtr="0" compatLnSpc="1">
+            <a:prstTxWarp prst="textNoShape">
+              <a:avLst/>
+            </a:prstTxWarp>
+          </a:bodyPr>
+          <a:lstStyle/>
+          <a:p>
+            <a:pPr marL="0" marR="0" indent="0" algn="ctr" defTabSz="914400" rtl="0" eaLnBrk="1" fontAlgn="base" latinLnBrk="0" hangingPunct="1">
+              <a:lnSpc>
+                <a:spcPct val="100000"/>
+              </a:lnSpc>
+              <a:spcBef>
+                <a:spcPct val="0"/>
+              </a:spcBef>
+              <a:spcAft>
+                <a:spcPct val="0"/>
+              </a:spcAft>
+              <a:buClrTx/>
+              <a:buSzTx/>
+              <a:buFontTx/>
+              <a:buNone/>
+              <a:tabLst/>
+            </a:pPr>
+            <a:r>
+              <a:rPr kumimoji="0" lang="en-US" altLang="ko-KR" sz="1400" b="0" i="0" u="none" strike="noStrike" cap="none" normalizeH="0" baseline="0" dirty="0" smtClean="0">
+                <a:ln>
+                  <a:noFill/>
+                </a:ln>
+                <a:solidFill>
+                  <a:schemeClr val="tx1"/>
+                </a:solidFill>
+                <a:effectLst/>
+                <a:latin typeface="Arial" charset="0"/>
+              </a:rPr>
+              <a:t>pressed</a:t>
+            </a:r>
+            <a:endParaRPr kumimoji="0" lang="ko-KR" altLang="en-US" sz="1400" b="0" i="0" u="none" strike="noStrike" cap="none" normalizeH="0" baseline="0" dirty="0" smtClean="0">
+              <a:ln>
+                <a:noFill/>
+              </a:ln>
+              <a:solidFill>
+                <a:schemeClr val="tx1"/>
+              </a:solidFill>
+              <a:effectLst/>
+              <a:latin typeface="Arial" charset="0"/>
+            </a:endParaRPr>
+          </a:p>
+        </p:txBody>
+      </p:sp>
+      <p:sp>
+        <p:nvSpPr>
+          <p:cNvPr id="28" name="오른쪽 화살표 27"/>
+          <p:cNvSpPr/>
+          <p:nvPr/>
+        </p:nvSpPr>
+        <p:spPr bwMode="auto">
+          <a:xfrm>
+            <a:off x="1517824" y="3102872"/>
+            <a:ext cx="1123777" cy="601342"/>
+          </a:xfrm>
+          <a:prstGeom prst="rightArrow">
+            <a:avLst/>
+          </a:prstGeom>
+          <a:solidFill>
+            <a:schemeClr val="accent3">
+              <a:lumMod val="20000"/>
+              <a:lumOff val="80000"/>
+            </a:schemeClr>
+          </a:solidFill>
+          <a:ln w="9525" cap="flat" cmpd="sng" algn="ctr">
+            <a:solidFill>
+              <a:schemeClr val="accent3">
+                <a:lumMod val="75000"/>
+              </a:schemeClr>
+            </a:solidFill>
+            <a:prstDash val="solid"/>
+            <a:round/>
+            <a:headEnd type="none" w="med" len="med"/>
+            <a:tailEnd type="none" w="med" len="med"/>
+          </a:ln>
+          <a:effectLst/>
+        </p:spPr>
+        <p:txBody>
+          <a:bodyPr vert="horz" wrap="square" lIns="91440" tIns="45720" rIns="91440" bIns="45720" numCol="1" rtlCol="0" anchor="ctr" anchorCtr="0" compatLnSpc="1">
+            <a:prstTxWarp prst="textNoShape">
+              <a:avLst/>
+            </a:prstTxWarp>
+          </a:bodyPr>
+          <a:lstStyle/>
+          <a:p>
+            <a:pPr marL="0" marR="0" indent="0" algn="ctr" defTabSz="914400" rtl="0" eaLnBrk="1" fontAlgn="base" latinLnBrk="0" hangingPunct="1">
+              <a:lnSpc>
+                <a:spcPct val="100000"/>
+              </a:lnSpc>
+              <a:spcBef>
+                <a:spcPct val="0"/>
+              </a:spcBef>
+              <a:spcAft>
+                <a:spcPct val="0"/>
+              </a:spcAft>
+              <a:buClrTx/>
+              <a:buSzTx/>
+              <a:buFontTx/>
+              <a:buNone/>
+              <a:tabLst/>
+            </a:pPr>
+            <a:r>
+              <a:rPr kumimoji="0" lang="en-US" altLang="ko-KR" sz="1400" b="0" i="0" u="none" strike="noStrike" cap="none" normalizeH="0" baseline="0" dirty="0" smtClean="0">
+                <a:ln>
+                  <a:noFill/>
+                </a:ln>
+                <a:solidFill>
+                  <a:schemeClr val="tx1"/>
+                </a:solidFill>
+                <a:effectLst/>
+                <a:latin typeface="Arial" charset="0"/>
+              </a:rPr>
+              <a:t>Dragging</a:t>
+            </a:r>
+            <a:endParaRPr kumimoji="0" lang="ko-KR" altLang="en-US" sz="1400" b="0" i="0" u="none" strike="noStrike" cap="none" normalizeH="0" baseline="0" dirty="0" smtClean="0">
+              <a:ln>
+                <a:noFill/>
+              </a:ln>
+              <a:solidFill>
+                <a:schemeClr val="tx1"/>
+              </a:solidFill>
+              <a:effectLst/>
+              <a:latin typeface="Arial" charset="0"/>
+            </a:endParaRPr>
+          </a:p>
+        </p:txBody>
+      </p:sp>
+      <p:sp>
+        <p:nvSpPr>
+          <p:cNvPr id="29" name="오른쪽 화살표 28"/>
+          <p:cNvSpPr/>
+          <p:nvPr/>
+        </p:nvSpPr>
+        <p:spPr bwMode="auto">
+          <a:xfrm>
+            <a:off x="1522922" y="3610728"/>
+            <a:ext cx="1123777" cy="601342"/>
+          </a:xfrm>
+          <a:prstGeom prst="rightArrow">
+            <a:avLst/>
+          </a:prstGeom>
+          <a:solidFill>
+            <a:schemeClr val="accent3">
+              <a:lumMod val="20000"/>
+              <a:lumOff val="80000"/>
+            </a:schemeClr>
+          </a:solidFill>
+          <a:ln w="9525" cap="flat" cmpd="sng" algn="ctr">
+            <a:solidFill>
+              <a:schemeClr val="accent3">
+                <a:lumMod val="75000"/>
+              </a:schemeClr>
+            </a:solidFill>
+            <a:prstDash val="solid"/>
+            <a:round/>
+            <a:headEnd type="none" w="med" len="med"/>
+            <a:tailEnd type="none" w="med" len="med"/>
+          </a:ln>
+          <a:effectLst/>
+        </p:spPr>
+        <p:txBody>
+          <a:bodyPr vert="horz" wrap="square" lIns="91440" tIns="45720" rIns="91440" bIns="45720" numCol="1" rtlCol="0" anchor="ctr" anchorCtr="0" compatLnSpc="1">
+            <a:prstTxWarp prst="textNoShape">
+              <a:avLst/>
+            </a:prstTxWarp>
+          </a:bodyPr>
+          <a:lstStyle/>
+          <a:p>
+            <a:pPr marL="0" marR="0" indent="0" algn="ctr" defTabSz="914400" rtl="0" eaLnBrk="1" fontAlgn="base" latinLnBrk="0" hangingPunct="1">
+              <a:lnSpc>
+                <a:spcPct val="100000"/>
+              </a:lnSpc>
+              <a:spcBef>
+                <a:spcPct val="0"/>
+              </a:spcBef>
+              <a:spcAft>
+                <a:spcPct val="0"/>
+              </a:spcAft>
+              <a:buClrTx/>
+              <a:buSzTx/>
+              <a:buFontTx/>
+              <a:buNone/>
+              <a:tabLst/>
+            </a:pPr>
+            <a:r>
+              <a:rPr kumimoji="0" lang="en-US" altLang="ko-KR" sz="1400" b="0" i="0" u="none" strike="noStrike" cap="none" normalizeH="0" baseline="0" dirty="0" smtClean="0">
+                <a:ln>
+                  <a:noFill/>
+                </a:ln>
+                <a:solidFill>
+                  <a:schemeClr val="tx1"/>
+                </a:solidFill>
+                <a:effectLst/>
+                <a:latin typeface="Arial" charset="0"/>
+              </a:rPr>
+              <a:t>Release</a:t>
+            </a:r>
+            <a:endParaRPr kumimoji="0" lang="ko-KR" altLang="en-US" sz="1400" b="0" i="0" u="none" strike="noStrike" cap="none" normalizeH="0" baseline="0" dirty="0" smtClean="0">
+              <a:ln>
+                <a:noFill/>
+              </a:ln>
+              <a:solidFill>
+                <a:schemeClr val="tx1"/>
+              </a:solidFill>
+              <a:effectLst/>
+              <a:latin typeface="Arial" charset="0"/>
+            </a:endParaRPr>
+          </a:p>
+        </p:txBody>
+      </p:sp>
+      <p:cxnSp>
+        <p:nvCxnSpPr>
+          <p:cNvPr id="40" name="직선 화살표 연결선 39"/>
+          <p:cNvCxnSpPr>
+            <a:endCxn id="13" idx="0"/>
+          </p:cNvCxnSpPr>
+          <p:nvPr/>
+        </p:nvCxnSpPr>
+        <p:spPr bwMode="auto">
+          <a:xfrm>
+            <a:off x="7343489" y="3808412"/>
+            <a:ext cx="0" cy="447353"/>
+          </a:xfrm>
+          <a:prstGeom prst="straightConnector1">
+            <a:avLst/>
+          </a:prstGeom>
+          <a:solidFill>
+            <a:schemeClr val="accent1"/>
+          </a:solidFill>
+          <a:ln w="9525" cap="flat" cmpd="sng" algn="ctr">
+            <a:solidFill>
+              <a:schemeClr val="tx1"/>
+            </a:solidFill>
+            <a:prstDash val="solid"/>
+            <a:round/>
+            <a:headEnd type="none" w="med" len="med"/>
+            <a:tailEnd type="triangle"/>
+          </a:ln>
+          <a:effectLst/>
+          <a:extLst>
+            <a:ext uri="{AF507438-7753-43E0-B8FC-AC1667EBCBE1}">
+              <a14:hiddenEffects xmlns:a14="http://schemas.microsoft.com/office/drawing/2010/main">
+                <a:effectLst>
+                  <a:outerShdw dist="35921" dir="2700000" algn="ctr" rotWithShape="0">
+                    <a:schemeClr val="bg2"/>
+                  </a:outerShdw>
+                </a:effectLst>
+              </a14:hiddenEffects>
+            </a:ext>
+          </a:extLst>
+        </p:spPr>
+      </p:cxnSp>
+      <p:cxnSp>
+        <p:nvCxnSpPr>
+          <p:cNvPr id="42" name="직선 화살표 연결선 41"/>
+          <p:cNvCxnSpPr>
+            <a:stCxn id="11" idx="0"/>
+            <a:endCxn id="21" idx="2"/>
+          </p:cNvCxnSpPr>
+          <p:nvPr/>
+        </p:nvCxnSpPr>
+        <p:spPr bwMode="auto">
+          <a:xfrm flipV="1">
+            <a:off x="7343489" y="2333995"/>
+            <a:ext cx="0" cy="466305"/>
+          </a:xfrm>
+          <a:prstGeom prst="straightConnector1">
+            <a:avLst/>
+          </a:prstGeom>
+          <a:solidFill>
+            <a:schemeClr val="accent1"/>
+          </a:solidFill>
+          <a:ln w="9525" cap="flat" cmpd="sng" algn="ctr">
+            <a:solidFill>
+              <a:schemeClr val="tx1"/>
+            </a:solidFill>
+            <a:prstDash val="solid"/>
+            <a:round/>
+            <a:headEnd type="none" w="med" len="med"/>
+            <a:tailEnd type="triangle"/>
+          </a:ln>
+          <a:effectLst/>
+          <a:extLst>
+            <a:ext uri="{AF507438-7753-43E0-B8FC-AC1667EBCBE1}">
+              <a14:hiddenEffects xmlns:a14="http://schemas.microsoft.com/office/drawing/2010/main">
+                <a:effectLst>
+                  <a:outerShdw dist="35921" dir="2700000" algn="ctr" rotWithShape="0">
+                    <a:schemeClr val="bg2"/>
+                  </a:outerShdw>
+                </a:effectLst>
+              </a14:hiddenEffects>
+            </a:ext>
+          </a:extLst>
+        </p:spPr>
+      </p:cxnSp>
+      <p:cxnSp>
+        <p:nvCxnSpPr>
+          <p:cNvPr id="47" name="꺾인 연결선 46"/>
+          <p:cNvCxnSpPr>
+            <a:stCxn id="12" idx="0"/>
+            <a:endCxn id="21" idx="1"/>
+          </p:cNvCxnSpPr>
+          <p:nvPr/>
+        </p:nvCxnSpPr>
+        <p:spPr bwMode="auto">
+          <a:xfrm rot="5400000" flipH="1" flipV="1">
+            <a:off x="5722384" y="1704865"/>
+            <a:ext cx="747489" cy="1443382"/>
+          </a:xfrm>
+          <a:prstGeom prst="bentConnector2">
+            <a:avLst/>
+          </a:prstGeom>
+          <a:solidFill>
+            <a:schemeClr val="accent1"/>
+          </a:solidFill>
+          <a:ln w="9525" cap="flat" cmpd="sng" algn="ctr">
+            <a:solidFill>
+              <a:schemeClr val="tx1"/>
+            </a:solidFill>
+            <a:prstDash val="dash"/>
+            <a:round/>
+            <a:headEnd type="none" w="med" len="med"/>
+            <a:tailEnd type="triangle"/>
+          </a:ln>
+          <a:effectLst/>
+          <a:extLst>
+            <a:ext uri="{AF507438-7753-43E0-B8FC-AC1667EBCBE1}">
+              <a14:hiddenEffects xmlns:a14="http://schemas.microsoft.com/office/drawing/2010/main">
+                <a:effectLst>
+                  <a:outerShdw dist="35921" dir="2700000" algn="ctr" rotWithShape="0">
+                    <a:schemeClr val="bg2"/>
+                  </a:outerShdw>
+                </a:effectLst>
+              </a14:hiddenEffects>
+            </a:ext>
+          </a:extLst>
+        </p:spPr>
+      </p:cxnSp>
+      <p:cxnSp>
+        <p:nvCxnSpPr>
+          <p:cNvPr id="49" name="꺾인 연결선 48"/>
+          <p:cNvCxnSpPr>
+            <a:stCxn id="12" idx="2"/>
+            <a:endCxn id="13" idx="1"/>
+          </p:cNvCxnSpPr>
+          <p:nvPr/>
+        </p:nvCxnSpPr>
+        <p:spPr bwMode="auto">
+          <a:xfrm rot="16200000" flipH="1">
+            <a:off x="5730814" y="3452035"/>
+            <a:ext cx="730629" cy="1443382"/>
+          </a:xfrm>
+          <a:prstGeom prst="bentConnector2">
+            <a:avLst/>
+          </a:prstGeom>
+          <a:solidFill>
+            <a:schemeClr val="accent1"/>
+          </a:solidFill>
+          <a:ln w="9525" cap="flat" cmpd="sng" algn="ctr">
+            <a:solidFill>
+              <a:schemeClr val="tx1"/>
+            </a:solidFill>
+            <a:prstDash val="dash"/>
+            <a:round/>
+            <a:headEnd type="none" w="med" len="med"/>
+            <a:tailEnd type="triangle"/>
+          </a:ln>
+          <a:effectLst/>
+          <a:extLst>
+            <a:ext uri="{AF507438-7753-43E0-B8FC-AC1667EBCBE1}">
+              <a14:hiddenEffects xmlns:a14="http://schemas.microsoft.com/office/drawing/2010/main">
+                <a:effectLst>
+                  <a:outerShdw dist="35921" dir="2700000" algn="ctr" rotWithShape="0">
+                    <a:schemeClr val="bg2"/>
+                  </a:outerShdw>
+                </a:effectLst>
+              </a14:hiddenEffects>
+            </a:ext>
+          </a:extLst>
+        </p:spPr>
+      </p:cxnSp>
+    </p:spTree>
+    <p:extLst>
+      <p:ext uri="{BB962C8B-B14F-4D97-AF65-F5344CB8AC3E}">
+        <p14:creationId xmlns:p14="http://schemas.microsoft.com/office/powerpoint/2010/main" val="1912647834"/>
       </p:ext>
     </p:extLst>
   </p:cSld>
